--- a/VRA.pptx
+++ b/VRA.pptx
@@ -8,6 +8,10 @@
     <p:sldId id="256" r:id="rId2"/>
     <p:sldId id="257" r:id="rId3"/>
     <p:sldId id="258" r:id="rId4"/>
+    <p:sldId id="259" r:id="rId5"/>
+    <p:sldId id="260" r:id="rId6"/>
+    <p:sldId id="261" r:id="rId7"/>
+    <p:sldId id="262" r:id="rId8"/>
   </p:sldIdLst>
   <p:sldSz cx="12192000" cy="6858000"/>
   <p:notesSz cx="6858000" cy="9144000"/>
@@ -106,7 +110,16 @@
       </a:defRPr>
     </a:lvl9pPr>
   </p:defaultTextStyle>
+  <p:extLst>
+    <p:ext uri="{EFAFB233-063F-42B5-8137-9DF3F51BA10A}">
+      <p15:sldGuideLst xmlns:p15="http://schemas.microsoft.com/office/powerpoint/2012/main"/>
+    </p:ext>
+  </p:extLst>
 </p:presentation>
+</file>
+
+<file path=ppt/revisionInfo.xml><?xml version="1.0" encoding="utf-8"?>
+<p1510:revInfo xmlns:a="http://schemas.openxmlformats.org/drawingml/2006/main" xmlns:r="http://schemas.openxmlformats.org/officeDocument/2006/relationships" xmlns:p1510="http://schemas.microsoft.com/office/powerpoint/2015/10/main"/>
 </file>
 
 <file path=ppt/slideLayouts/slideLayout1.xml><?xml version="1.0" encoding="utf-8"?>
@@ -258,7 +271,7 @@
           <a:p>
             <a:fld id="{A199F340-C8AA-4F59-AEC1-83C5BCD11FBA}" type="datetimeFigureOut">
               <a:rPr lang="en-US" smtClean="0"/>
-              <a:t>11/9/2017</a:t>
+              <a:t>11/10/2017</a:t>
             </a:fld>
             <a:endParaRPr lang="en-US"/>
           </a:p>
@@ -458,7 +471,7 @@
           <a:p>
             <a:fld id="{A199F340-C8AA-4F59-AEC1-83C5BCD11FBA}" type="datetimeFigureOut">
               <a:rPr lang="en-US" smtClean="0"/>
-              <a:t>11/9/2017</a:t>
+              <a:t>11/10/2017</a:t>
             </a:fld>
             <a:endParaRPr lang="en-US"/>
           </a:p>
@@ -668,7 +681,7 @@
           <a:p>
             <a:fld id="{A199F340-C8AA-4F59-AEC1-83C5BCD11FBA}" type="datetimeFigureOut">
               <a:rPr lang="en-US" smtClean="0"/>
-              <a:t>11/9/2017</a:t>
+              <a:t>11/10/2017</a:t>
             </a:fld>
             <a:endParaRPr lang="en-US"/>
           </a:p>
@@ -868,7 +881,7 @@
           <a:p>
             <a:fld id="{A199F340-C8AA-4F59-AEC1-83C5BCD11FBA}" type="datetimeFigureOut">
               <a:rPr lang="en-US" smtClean="0"/>
-              <a:t>11/9/2017</a:t>
+              <a:t>11/10/2017</a:t>
             </a:fld>
             <a:endParaRPr lang="en-US"/>
           </a:p>
@@ -1144,7 +1157,7 @@
           <a:p>
             <a:fld id="{A199F340-C8AA-4F59-AEC1-83C5BCD11FBA}" type="datetimeFigureOut">
               <a:rPr lang="en-US" smtClean="0"/>
-              <a:t>11/9/2017</a:t>
+              <a:t>11/10/2017</a:t>
             </a:fld>
             <a:endParaRPr lang="en-US"/>
           </a:p>
@@ -1412,7 +1425,7 @@
           <a:p>
             <a:fld id="{A199F340-C8AA-4F59-AEC1-83C5BCD11FBA}" type="datetimeFigureOut">
               <a:rPr lang="en-US" smtClean="0"/>
-              <a:t>11/9/2017</a:t>
+              <a:t>11/10/2017</a:t>
             </a:fld>
             <a:endParaRPr lang="en-US"/>
           </a:p>
@@ -1827,7 +1840,7 @@
           <a:p>
             <a:fld id="{A199F340-C8AA-4F59-AEC1-83C5BCD11FBA}" type="datetimeFigureOut">
               <a:rPr lang="en-US" smtClean="0"/>
-              <a:t>11/9/2017</a:t>
+              <a:t>11/10/2017</a:t>
             </a:fld>
             <a:endParaRPr lang="en-US"/>
           </a:p>
@@ -1969,7 +1982,7 @@
           <a:p>
             <a:fld id="{A199F340-C8AA-4F59-AEC1-83C5BCD11FBA}" type="datetimeFigureOut">
               <a:rPr lang="en-US" smtClean="0"/>
-              <a:t>11/9/2017</a:t>
+              <a:t>11/10/2017</a:t>
             </a:fld>
             <a:endParaRPr lang="en-US"/>
           </a:p>
@@ -2082,7 +2095,7 @@
           <a:p>
             <a:fld id="{A199F340-C8AA-4F59-AEC1-83C5BCD11FBA}" type="datetimeFigureOut">
               <a:rPr lang="en-US" smtClean="0"/>
-              <a:t>11/9/2017</a:t>
+              <a:t>11/10/2017</a:t>
             </a:fld>
             <a:endParaRPr lang="en-US"/>
           </a:p>
@@ -2395,7 +2408,7 @@
           <a:p>
             <a:fld id="{A199F340-C8AA-4F59-AEC1-83C5BCD11FBA}" type="datetimeFigureOut">
               <a:rPr lang="en-US" smtClean="0"/>
-              <a:t>11/9/2017</a:t>
+              <a:t>11/10/2017</a:t>
             </a:fld>
             <a:endParaRPr lang="en-US"/>
           </a:p>
@@ -2684,7 +2697,7 @@
           <a:p>
             <a:fld id="{A199F340-C8AA-4F59-AEC1-83C5BCD11FBA}" type="datetimeFigureOut">
               <a:rPr lang="en-US" smtClean="0"/>
-              <a:t>11/9/2017</a:t>
+              <a:t>11/10/2017</a:t>
             </a:fld>
             <a:endParaRPr lang="en-US"/>
           </a:p>
@@ -2927,7 +2940,7 @@
           <a:p>
             <a:fld id="{A199F340-C8AA-4F59-AEC1-83C5BCD11FBA}" type="datetimeFigureOut">
               <a:rPr lang="en-US" smtClean="0"/>
-              <a:t>11/9/2017</a:t>
+              <a:t>11/10/2017</a:t>
             </a:fld>
             <a:endParaRPr lang="en-US"/>
           </a:p>
@@ -5955,6 +5968,8993 @@
 </p:sld>
 </file>
 
+<file path=ppt/slides/slide4.xml><?xml version="1.0" encoding="utf-8"?>
+<p:sld xmlns:a="http://schemas.openxmlformats.org/drawingml/2006/main" xmlns:r="http://schemas.openxmlformats.org/officeDocument/2006/relationships" xmlns:p="http://schemas.openxmlformats.org/presentationml/2006/main">
+  <p:cSld>
+    <p:spTree>
+      <p:nvGrpSpPr>
+        <p:cNvPr id="1" name=""/>
+        <p:cNvGrpSpPr/>
+        <p:nvPr/>
+      </p:nvGrpSpPr>
+      <p:grpSpPr>
+        <a:xfrm>
+          <a:off x="0" y="0"/>
+          <a:ext cx="0" cy="0"/>
+          <a:chOff x="0" y="0"/>
+          <a:chExt cx="0" cy="0"/>
+        </a:xfrm>
+      </p:grpSpPr>
+      <p:cxnSp>
+        <p:nvCxnSpPr>
+          <p:cNvPr id="4" name="直接连接符 3">
+            <a:extLst>
+              <a:ext uri="{FF2B5EF4-FFF2-40B4-BE49-F238E27FC236}">
+                <a16:creationId xmlns:a16="http://schemas.microsoft.com/office/drawing/2014/main" id="{DBBC9F41-D264-4C11-BA03-4110E35A3BBA}"/>
+              </a:ext>
+            </a:extLst>
+          </p:cNvPr>
+          <p:cNvCxnSpPr>
+            <a:cxnSpLocks/>
+          </p:cNvCxnSpPr>
+          <p:nvPr/>
+        </p:nvCxnSpPr>
+        <p:spPr>
+          <a:xfrm flipV="1">
+            <a:off x="4149271" y="2695649"/>
+            <a:ext cx="1834969" cy="26519"/>
+          </a:xfrm>
+          <a:prstGeom prst="line">
+            <a:avLst/>
+          </a:prstGeom>
+        </p:spPr>
+        <p:style>
+          <a:lnRef idx="1">
+            <a:schemeClr val="dk1"/>
+          </a:lnRef>
+          <a:fillRef idx="0">
+            <a:schemeClr val="dk1"/>
+          </a:fillRef>
+          <a:effectRef idx="0">
+            <a:schemeClr val="dk1"/>
+          </a:effectRef>
+          <a:fontRef idx="minor">
+            <a:schemeClr val="tx1"/>
+          </a:fontRef>
+        </p:style>
+      </p:cxnSp>
+      <p:cxnSp>
+        <p:nvCxnSpPr>
+          <p:cNvPr id="5" name="直接连接符 4">
+            <a:extLst>
+              <a:ext uri="{FF2B5EF4-FFF2-40B4-BE49-F238E27FC236}">
+                <a16:creationId xmlns:a16="http://schemas.microsoft.com/office/drawing/2014/main" id="{AB2CCEFE-C70E-4ADC-BBBD-D72D963A29CB}"/>
+              </a:ext>
+            </a:extLst>
+          </p:cNvPr>
+          <p:cNvCxnSpPr>
+            <a:cxnSpLocks/>
+          </p:cNvCxnSpPr>
+          <p:nvPr/>
+        </p:nvCxnSpPr>
+        <p:spPr>
+          <a:xfrm flipV="1">
+            <a:off x="5119551" y="1452880"/>
+            <a:ext cx="1032692" cy="424891"/>
+          </a:xfrm>
+          <a:prstGeom prst="line">
+            <a:avLst/>
+          </a:prstGeom>
+        </p:spPr>
+        <p:style>
+          <a:lnRef idx="1">
+            <a:schemeClr val="dk1"/>
+          </a:lnRef>
+          <a:fillRef idx="0">
+            <a:schemeClr val="dk1"/>
+          </a:fillRef>
+          <a:effectRef idx="0">
+            <a:schemeClr val="dk1"/>
+          </a:effectRef>
+          <a:fontRef idx="minor">
+            <a:schemeClr val="tx1"/>
+          </a:fontRef>
+        </p:style>
+      </p:cxnSp>
+      <p:cxnSp>
+        <p:nvCxnSpPr>
+          <p:cNvPr id="6" name="直接连接符 5">
+            <a:extLst>
+              <a:ext uri="{FF2B5EF4-FFF2-40B4-BE49-F238E27FC236}">
+                <a16:creationId xmlns:a16="http://schemas.microsoft.com/office/drawing/2014/main" id="{EC968A0C-B878-48FB-98DD-9C31E12A15E9}"/>
+              </a:ext>
+            </a:extLst>
+          </p:cNvPr>
+          <p:cNvCxnSpPr>
+            <a:cxnSpLocks/>
+          </p:cNvCxnSpPr>
+          <p:nvPr/>
+        </p:nvCxnSpPr>
+        <p:spPr>
+          <a:xfrm flipH="1">
+            <a:off x="4149271" y="2407183"/>
+            <a:ext cx="640081" cy="314985"/>
+          </a:xfrm>
+          <a:prstGeom prst="line">
+            <a:avLst/>
+          </a:prstGeom>
+        </p:spPr>
+        <p:style>
+          <a:lnRef idx="1">
+            <a:schemeClr val="dk1"/>
+          </a:lnRef>
+          <a:fillRef idx="0">
+            <a:schemeClr val="dk1"/>
+          </a:fillRef>
+          <a:effectRef idx="0">
+            <a:schemeClr val="dk1"/>
+          </a:effectRef>
+          <a:fontRef idx="minor">
+            <a:schemeClr val="tx1"/>
+          </a:fontRef>
+        </p:style>
+      </p:cxnSp>
+      <p:cxnSp>
+        <p:nvCxnSpPr>
+          <p:cNvPr id="7" name="直接连接符 6">
+            <a:extLst>
+              <a:ext uri="{FF2B5EF4-FFF2-40B4-BE49-F238E27FC236}">
+                <a16:creationId xmlns:a16="http://schemas.microsoft.com/office/drawing/2014/main" id="{531E76D6-27F9-46D2-9790-1CC51F250FF5}"/>
+              </a:ext>
+            </a:extLst>
+          </p:cNvPr>
+          <p:cNvCxnSpPr>
+            <a:cxnSpLocks/>
+          </p:cNvCxnSpPr>
+          <p:nvPr/>
+        </p:nvCxnSpPr>
+        <p:spPr>
+          <a:xfrm>
+            <a:off x="3333749" y="2482682"/>
+            <a:ext cx="815522" cy="239486"/>
+          </a:xfrm>
+          <a:prstGeom prst="line">
+            <a:avLst/>
+          </a:prstGeom>
+        </p:spPr>
+        <p:style>
+          <a:lnRef idx="1">
+            <a:schemeClr val="dk1"/>
+          </a:lnRef>
+          <a:fillRef idx="0">
+            <a:schemeClr val="dk1"/>
+          </a:fillRef>
+          <a:effectRef idx="0">
+            <a:schemeClr val="dk1"/>
+          </a:effectRef>
+          <a:fontRef idx="minor">
+            <a:schemeClr val="tx1"/>
+          </a:fontRef>
+        </p:style>
+      </p:cxnSp>
+      <p:cxnSp>
+        <p:nvCxnSpPr>
+          <p:cNvPr id="8" name="直接连接符 7">
+            <a:extLst>
+              <a:ext uri="{FF2B5EF4-FFF2-40B4-BE49-F238E27FC236}">
+                <a16:creationId xmlns:a16="http://schemas.microsoft.com/office/drawing/2014/main" id="{6EC3C086-0E1A-4958-B48E-392FB834CD8C}"/>
+              </a:ext>
+            </a:extLst>
+          </p:cNvPr>
+          <p:cNvCxnSpPr>
+            <a:cxnSpLocks/>
+          </p:cNvCxnSpPr>
+          <p:nvPr/>
+        </p:nvCxnSpPr>
+        <p:spPr>
+          <a:xfrm flipH="1" flipV="1">
+            <a:off x="3108598" y="1269263"/>
+            <a:ext cx="233861" cy="1213420"/>
+          </a:xfrm>
+          <a:prstGeom prst="line">
+            <a:avLst/>
+          </a:prstGeom>
+        </p:spPr>
+        <p:style>
+          <a:lnRef idx="1">
+            <a:schemeClr val="dk1"/>
+          </a:lnRef>
+          <a:fillRef idx="0">
+            <a:schemeClr val="dk1"/>
+          </a:fillRef>
+          <a:effectRef idx="0">
+            <a:schemeClr val="dk1"/>
+          </a:effectRef>
+          <a:fontRef idx="minor">
+            <a:schemeClr val="tx1"/>
+          </a:fontRef>
+        </p:style>
+      </p:cxnSp>
+      <p:cxnSp>
+        <p:nvCxnSpPr>
+          <p:cNvPr id="9" name="直接连接符 8">
+            <a:extLst>
+              <a:ext uri="{FF2B5EF4-FFF2-40B4-BE49-F238E27FC236}">
+                <a16:creationId xmlns:a16="http://schemas.microsoft.com/office/drawing/2014/main" id="{3A6D7C91-9A67-4700-8A9B-947E65E0A888}"/>
+              </a:ext>
+            </a:extLst>
+          </p:cNvPr>
+          <p:cNvCxnSpPr>
+            <a:cxnSpLocks/>
+          </p:cNvCxnSpPr>
+          <p:nvPr/>
+        </p:nvCxnSpPr>
+        <p:spPr>
+          <a:xfrm flipV="1">
+            <a:off x="3094263" y="1139728"/>
+            <a:ext cx="2069921" cy="135895"/>
+          </a:xfrm>
+          <a:prstGeom prst="line">
+            <a:avLst/>
+          </a:prstGeom>
+        </p:spPr>
+        <p:style>
+          <a:lnRef idx="1">
+            <a:schemeClr val="dk1"/>
+          </a:lnRef>
+          <a:fillRef idx="0">
+            <a:schemeClr val="dk1"/>
+          </a:fillRef>
+          <a:effectRef idx="0">
+            <a:schemeClr val="dk1"/>
+          </a:effectRef>
+          <a:fontRef idx="minor">
+            <a:schemeClr val="tx1"/>
+          </a:fontRef>
+        </p:style>
+      </p:cxnSp>
+      <p:cxnSp>
+        <p:nvCxnSpPr>
+          <p:cNvPr id="10" name="直接连接符 9">
+            <a:extLst>
+              <a:ext uri="{FF2B5EF4-FFF2-40B4-BE49-F238E27FC236}">
+                <a16:creationId xmlns:a16="http://schemas.microsoft.com/office/drawing/2014/main" id="{54BFC854-C0E3-44EA-95BE-3ED2E816DBFC}"/>
+              </a:ext>
+            </a:extLst>
+          </p:cNvPr>
+          <p:cNvCxnSpPr>
+            <a:cxnSpLocks/>
+          </p:cNvCxnSpPr>
+          <p:nvPr/>
+        </p:nvCxnSpPr>
+        <p:spPr>
+          <a:xfrm flipH="1">
+            <a:off x="5119551" y="1139727"/>
+            <a:ext cx="44633" cy="738044"/>
+          </a:xfrm>
+          <a:prstGeom prst="line">
+            <a:avLst/>
+          </a:prstGeom>
+        </p:spPr>
+        <p:style>
+          <a:lnRef idx="1">
+            <a:schemeClr val="dk1"/>
+          </a:lnRef>
+          <a:fillRef idx="0">
+            <a:schemeClr val="dk1"/>
+          </a:fillRef>
+          <a:effectRef idx="0">
+            <a:schemeClr val="dk1"/>
+          </a:effectRef>
+          <a:fontRef idx="minor">
+            <a:schemeClr val="tx1"/>
+          </a:fontRef>
+        </p:style>
+      </p:cxnSp>
+      <p:cxnSp>
+        <p:nvCxnSpPr>
+          <p:cNvPr id="11" name="直接连接符 10">
+            <a:extLst>
+              <a:ext uri="{FF2B5EF4-FFF2-40B4-BE49-F238E27FC236}">
+                <a16:creationId xmlns:a16="http://schemas.microsoft.com/office/drawing/2014/main" id="{2FF4ADA7-1DF0-4498-AFCA-9D72CD91AD61}"/>
+              </a:ext>
+            </a:extLst>
+          </p:cNvPr>
+          <p:cNvCxnSpPr>
+            <a:cxnSpLocks/>
+          </p:cNvCxnSpPr>
+          <p:nvPr/>
+        </p:nvCxnSpPr>
+        <p:spPr>
+          <a:xfrm flipH="1">
+            <a:off x="4789351" y="1877771"/>
+            <a:ext cx="330200" cy="529415"/>
+          </a:xfrm>
+          <a:prstGeom prst="line">
+            <a:avLst/>
+          </a:prstGeom>
+        </p:spPr>
+        <p:style>
+          <a:lnRef idx="1">
+            <a:schemeClr val="dk1"/>
+          </a:lnRef>
+          <a:fillRef idx="0">
+            <a:schemeClr val="dk1"/>
+          </a:fillRef>
+          <a:effectRef idx="0">
+            <a:schemeClr val="dk1"/>
+          </a:effectRef>
+          <a:fontRef idx="minor">
+            <a:schemeClr val="tx1"/>
+          </a:fontRef>
+        </p:style>
+      </p:cxnSp>
+      <p:sp>
+        <p:nvSpPr>
+          <p:cNvPr id="12" name="椭圆 11">
+            <a:extLst>
+              <a:ext uri="{FF2B5EF4-FFF2-40B4-BE49-F238E27FC236}">
+                <a16:creationId xmlns:a16="http://schemas.microsoft.com/office/drawing/2014/main" id="{50E7882E-8152-4E7A-B57B-C1CE373E6169}"/>
+              </a:ext>
+            </a:extLst>
+          </p:cNvPr>
+          <p:cNvSpPr/>
+          <p:nvPr/>
+        </p:nvSpPr>
+        <p:spPr>
+          <a:xfrm>
+            <a:off x="3909786" y="2482683"/>
+            <a:ext cx="478971" cy="478971"/>
+          </a:xfrm>
+          <a:prstGeom prst="ellipse">
+            <a:avLst/>
+          </a:prstGeom>
+          <a:solidFill>
+            <a:schemeClr val="tx1">
+              <a:lumMod val="85000"/>
+              <a:lumOff val="15000"/>
+            </a:schemeClr>
+          </a:solidFill>
+        </p:spPr>
+        <p:style>
+          <a:lnRef idx="2">
+            <a:schemeClr val="accent1">
+              <a:shade val="50000"/>
+            </a:schemeClr>
+          </a:lnRef>
+          <a:fillRef idx="1">
+            <a:schemeClr val="accent1"/>
+          </a:fillRef>
+          <a:effectRef idx="0">
+            <a:schemeClr val="accent1"/>
+          </a:effectRef>
+          <a:fontRef idx="minor">
+            <a:schemeClr val="lt1"/>
+          </a:fontRef>
+        </p:style>
+        <p:txBody>
+          <a:bodyPr rtlCol="0" anchor="ctr"/>
+          <a:lstStyle/>
+          <a:p>
+            <a:pPr algn="ctr"/>
+            <a:r>
+              <a:rPr lang="en-CA" dirty="0"/>
+              <a:t>R</a:t>
+            </a:r>
+            <a:endParaRPr lang="en-US" dirty="0"/>
+          </a:p>
+        </p:txBody>
+      </p:sp>
+      <p:sp>
+        <p:nvSpPr>
+          <p:cNvPr id="13" name="椭圆 12">
+            <a:extLst>
+              <a:ext uri="{FF2B5EF4-FFF2-40B4-BE49-F238E27FC236}">
+                <a16:creationId xmlns:a16="http://schemas.microsoft.com/office/drawing/2014/main" id="{EDDAFB3D-2BFA-41E2-920E-D4F32971C081}"/>
+              </a:ext>
+            </a:extLst>
+          </p:cNvPr>
+          <p:cNvSpPr/>
+          <p:nvPr/>
+        </p:nvSpPr>
+        <p:spPr>
+          <a:xfrm>
+            <a:off x="3094264" y="2243197"/>
+            <a:ext cx="478971" cy="478971"/>
+          </a:xfrm>
+          <a:prstGeom prst="ellipse">
+            <a:avLst/>
+          </a:prstGeom>
+          <a:solidFill>
+            <a:schemeClr val="bg1"/>
+          </a:solidFill>
+          <a:ln>
+            <a:solidFill>
+              <a:schemeClr val="tx1"/>
+            </a:solidFill>
+          </a:ln>
+        </p:spPr>
+        <p:style>
+          <a:lnRef idx="2">
+            <a:schemeClr val="accent1">
+              <a:shade val="50000"/>
+            </a:schemeClr>
+          </a:lnRef>
+          <a:fillRef idx="1">
+            <a:schemeClr val="accent1"/>
+          </a:fillRef>
+          <a:effectRef idx="0">
+            <a:schemeClr val="accent1"/>
+          </a:effectRef>
+          <a:fontRef idx="minor">
+            <a:schemeClr val="lt1"/>
+          </a:fontRef>
+        </p:style>
+        <p:txBody>
+          <a:bodyPr rot="0" spcFirstLastPara="0" vertOverflow="overflow" horzOverflow="overflow" vert="horz" wrap="square" lIns="91440" tIns="45720" rIns="91440" bIns="45720" numCol="1" spcCol="0" rtlCol="0" fromWordArt="0" anchor="ctr" anchorCtr="0" forceAA="0" compatLnSpc="1">
+            <a:prstTxWarp prst="textNoShape">
+              <a:avLst/>
+            </a:prstTxWarp>
+            <a:noAutofit/>
+          </a:bodyPr>
+          <a:lstStyle/>
+          <a:p>
+            <a:pPr algn="ctr"/>
+            <a:r>
+              <a:rPr lang="en-CA">
+                <a:solidFill>
+                  <a:schemeClr val="tx1"/>
+                </a:solidFill>
+              </a:rPr>
+              <a:t>G</a:t>
+            </a:r>
+            <a:endParaRPr lang="en-US" dirty="0">
+              <a:solidFill>
+                <a:schemeClr val="tx1"/>
+              </a:solidFill>
+            </a:endParaRPr>
+          </a:p>
+        </p:txBody>
+      </p:sp>
+      <p:sp>
+        <p:nvSpPr>
+          <p:cNvPr id="14" name="椭圆 13">
+            <a:extLst>
+              <a:ext uri="{FF2B5EF4-FFF2-40B4-BE49-F238E27FC236}">
+                <a16:creationId xmlns:a16="http://schemas.microsoft.com/office/drawing/2014/main" id="{16027FF4-857C-4CC1-923E-7CEC3A3A257D}"/>
+              </a:ext>
+            </a:extLst>
+          </p:cNvPr>
+          <p:cNvSpPr/>
+          <p:nvPr/>
+        </p:nvSpPr>
+        <p:spPr>
+          <a:xfrm>
+            <a:off x="2854778" y="1029778"/>
+            <a:ext cx="478971" cy="478971"/>
+          </a:xfrm>
+          <a:prstGeom prst="ellipse">
+            <a:avLst/>
+          </a:prstGeom>
+          <a:solidFill>
+            <a:schemeClr val="bg1"/>
+          </a:solidFill>
+          <a:ln>
+            <a:solidFill>
+              <a:schemeClr val="tx1"/>
+            </a:solidFill>
+          </a:ln>
+        </p:spPr>
+        <p:style>
+          <a:lnRef idx="2">
+            <a:schemeClr val="accent1">
+              <a:shade val="50000"/>
+            </a:schemeClr>
+          </a:lnRef>
+          <a:fillRef idx="1">
+            <a:schemeClr val="accent1"/>
+          </a:fillRef>
+          <a:effectRef idx="0">
+            <a:schemeClr val="accent1"/>
+          </a:effectRef>
+          <a:fontRef idx="minor">
+            <a:schemeClr val="lt1"/>
+          </a:fontRef>
+        </p:style>
+        <p:txBody>
+          <a:bodyPr rot="0" spcFirstLastPara="0" vertOverflow="overflow" horzOverflow="overflow" vert="horz" wrap="square" lIns="91440" tIns="45720" rIns="91440" bIns="45720" numCol="1" spcCol="0" rtlCol="0" fromWordArt="0" anchor="ctr" anchorCtr="0" forceAA="0" compatLnSpc="1">
+            <a:prstTxWarp prst="textNoShape">
+              <a:avLst/>
+            </a:prstTxWarp>
+            <a:noAutofit/>
+          </a:bodyPr>
+          <a:lstStyle/>
+          <a:p>
+            <a:pPr algn="ctr"/>
+            <a:r>
+              <a:rPr lang="en-CA" dirty="0">
+                <a:solidFill>
+                  <a:schemeClr val="tx1"/>
+                </a:solidFill>
+              </a:rPr>
+              <a:t>G</a:t>
+            </a:r>
+            <a:endParaRPr lang="en-US" dirty="0">
+              <a:solidFill>
+                <a:schemeClr val="tx1"/>
+              </a:solidFill>
+            </a:endParaRPr>
+          </a:p>
+        </p:txBody>
+      </p:sp>
+      <p:sp>
+        <p:nvSpPr>
+          <p:cNvPr id="15" name="椭圆 14">
+            <a:extLst>
+              <a:ext uri="{FF2B5EF4-FFF2-40B4-BE49-F238E27FC236}">
+                <a16:creationId xmlns:a16="http://schemas.microsoft.com/office/drawing/2014/main" id="{F0FC1DA4-95F6-47B4-861E-A22C8F86359F}"/>
+              </a:ext>
+            </a:extLst>
+          </p:cNvPr>
+          <p:cNvSpPr/>
+          <p:nvPr/>
+        </p:nvSpPr>
+        <p:spPr>
+          <a:xfrm>
+            <a:off x="4924699" y="900242"/>
+            <a:ext cx="478971" cy="478971"/>
+          </a:xfrm>
+          <a:prstGeom prst="ellipse">
+            <a:avLst/>
+          </a:prstGeom>
+          <a:solidFill>
+            <a:schemeClr val="bg1"/>
+          </a:solidFill>
+          <a:ln>
+            <a:solidFill>
+              <a:schemeClr val="tx1"/>
+            </a:solidFill>
+          </a:ln>
+        </p:spPr>
+        <p:style>
+          <a:lnRef idx="2">
+            <a:schemeClr val="accent1">
+              <a:shade val="50000"/>
+            </a:schemeClr>
+          </a:lnRef>
+          <a:fillRef idx="1">
+            <a:schemeClr val="accent1"/>
+          </a:fillRef>
+          <a:effectRef idx="0">
+            <a:schemeClr val="accent1"/>
+          </a:effectRef>
+          <a:fontRef idx="minor">
+            <a:schemeClr val="lt1"/>
+          </a:fontRef>
+        </p:style>
+        <p:txBody>
+          <a:bodyPr rot="0" spcFirstLastPara="0" vertOverflow="overflow" horzOverflow="overflow" vert="horz" wrap="square" lIns="91440" tIns="45720" rIns="91440" bIns="45720" numCol="1" spcCol="0" rtlCol="0" fromWordArt="0" anchor="ctr" anchorCtr="0" forceAA="0" compatLnSpc="1">
+            <a:prstTxWarp prst="textNoShape">
+              <a:avLst/>
+            </a:prstTxWarp>
+            <a:noAutofit/>
+          </a:bodyPr>
+          <a:lstStyle/>
+          <a:p>
+            <a:pPr algn="ctr"/>
+            <a:r>
+              <a:rPr lang="en-CA" dirty="0">
+                <a:solidFill>
+                  <a:schemeClr val="tx1"/>
+                </a:solidFill>
+              </a:rPr>
+              <a:t>G</a:t>
+            </a:r>
+            <a:endParaRPr lang="en-US" dirty="0">
+              <a:solidFill>
+                <a:schemeClr val="tx1"/>
+              </a:solidFill>
+            </a:endParaRPr>
+          </a:p>
+        </p:txBody>
+      </p:sp>
+      <p:sp>
+        <p:nvSpPr>
+          <p:cNvPr id="16" name="椭圆 15">
+            <a:extLst>
+              <a:ext uri="{FF2B5EF4-FFF2-40B4-BE49-F238E27FC236}">
+                <a16:creationId xmlns:a16="http://schemas.microsoft.com/office/drawing/2014/main" id="{158DF408-4165-47BC-925C-B035070EC2CA}"/>
+              </a:ext>
+            </a:extLst>
+          </p:cNvPr>
+          <p:cNvSpPr/>
+          <p:nvPr/>
+        </p:nvSpPr>
+        <p:spPr>
+          <a:xfrm>
+            <a:off x="4846321" y="1589308"/>
+            <a:ext cx="478971" cy="478971"/>
+          </a:xfrm>
+          <a:prstGeom prst="ellipse">
+            <a:avLst/>
+          </a:prstGeom>
+          <a:solidFill>
+            <a:schemeClr val="tx1">
+              <a:lumMod val="85000"/>
+              <a:lumOff val="15000"/>
+            </a:schemeClr>
+          </a:solidFill>
+        </p:spPr>
+        <p:style>
+          <a:lnRef idx="2">
+            <a:schemeClr val="accent1">
+              <a:shade val="50000"/>
+            </a:schemeClr>
+          </a:lnRef>
+          <a:fillRef idx="1">
+            <a:schemeClr val="accent1"/>
+          </a:fillRef>
+          <a:effectRef idx="0">
+            <a:schemeClr val="accent1"/>
+          </a:effectRef>
+          <a:fontRef idx="minor">
+            <a:schemeClr val="lt1"/>
+          </a:fontRef>
+        </p:style>
+        <p:txBody>
+          <a:bodyPr rot="0" spcFirstLastPara="0" vertOverflow="overflow" horzOverflow="overflow" vert="horz" wrap="square" lIns="91440" tIns="45720" rIns="91440" bIns="45720" numCol="1" spcCol="0" rtlCol="0" fromWordArt="0" anchor="ctr" anchorCtr="0" forceAA="0" compatLnSpc="1">
+            <a:prstTxWarp prst="textNoShape">
+              <a:avLst/>
+            </a:prstTxWarp>
+            <a:noAutofit/>
+          </a:bodyPr>
+          <a:lstStyle/>
+          <a:p>
+            <a:pPr algn="ctr"/>
+            <a:r>
+              <a:rPr lang="en-CA" dirty="0"/>
+              <a:t>R</a:t>
+            </a:r>
+            <a:endParaRPr lang="en-US" dirty="0"/>
+          </a:p>
+        </p:txBody>
+      </p:sp>
+      <p:sp>
+        <p:nvSpPr>
+          <p:cNvPr id="17" name="椭圆 16">
+            <a:extLst>
+              <a:ext uri="{FF2B5EF4-FFF2-40B4-BE49-F238E27FC236}">
+                <a16:creationId xmlns:a16="http://schemas.microsoft.com/office/drawing/2014/main" id="{2CA1BC1C-BF33-4739-8E36-0ABB01481ECE}"/>
+              </a:ext>
+            </a:extLst>
+          </p:cNvPr>
+          <p:cNvSpPr/>
+          <p:nvPr/>
+        </p:nvSpPr>
+        <p:spPr>
+          <a:xfrm>
+            <a:off x="4549866" y="2174784"/>
+            <a:ext cx="478971" cy="478971"/>
+          </a:xfrm>
+          <a:prstGeom prst="ellipse">
+            <a:avLst/>
+          </a:prstGeom>
+          <a:solidFill>
+            <a:schemeClr val="bg1"/>
+          </a:solidFill>
+          <a:ln>
+            <a:solidFill>
+              <a:schemeClr val="tx1"/>
+            </a:solidFill>
+          </a:ln>
+        </p:spPr>
+        <p:style>
+          <a:lnRef idx="2">
+            <a:schemeClr val="accent1">
+              <a:shade val="50000"/>
+            </a:schemeClr>
+          </a:lnRef>
+          <a:fillRef idx="1">
+            <a:schemeClr val="accent1"/>
+          </a:fillRef>
+          <a:effectRef idx="0">
+            <a:schemeClr val="accent1"/>
+          </a:effectRef>
+          <a:fontRef idx="minor">
+            <a:schemeClr val="lt1"/>
+          </a:fontRef>
+        </p:style>
+        <p:txBody>
+          <a:bodyPr rot="0" spcFirstLastPara="0" vertOverflow="overflow" horzOverflow="overflow" vert="horz" wrap="square" lIns="91440" tIns="45720" rIns="91440" bIns="45720" numCol="1" spcCol="0" rtlCol="0" fromWordArt="0" anchor="ctr" anchorCtr="0" forceAA="0" compatLnSpc="1">
+            <a:prstTxWarp prst="textNoShape">
+              <a:avLst/>
+            </a:prstTxWarp>
+            <a:noAutofit/>
+          </a:bodyPr>
+          <a:lstStyle/>
+          <a:p>
+            <a:pPr algn="ctr"/>
+            <a:r>
+              <a:rPr lang="en-CA" dirty="0">
+                <a:solidFill>
+                  <a:schemeClr val="tx1"/>
+                </a:solidFill>
+              </a:rPr>
+              <a:t>G</a:t>
+            </a:r>
+            <a:endParaRPr lang="en-US" dirty="0">
+              <a:solidFill>
+                <a:schemeClr val="tx1"/>
+              </a:solidFill>
+            </a:endParaRPr>
+          </a:p>
+        </p:txBody>
+      </p:sp>
+      <p:sp>
+        <p:nvSpPr>
+          <p:cNvPr id="18" name="云形 17">
+            <a:extLst>
+              <a:ext uri="{FF2B5EF4-FFF2-40B4-BE49-F238E27FC236}">
+                <a16:creationId xmlns:a16="http://schemas.microsoft.com/office/drawing/2014/main" id="{A9731C0B-401D-4176-8F98-4DF1CB59C478}"/>
+              </a:ext>
+            </a:extLst>
+          </p:cNvPr>
+          <p:cNvSpPr/>
+          <p:nvPr/>
+        </p:nvSpPr>
+        <p:spPr>
+          <a:xfrm>
+            <a:off x="5590540" y="923465"/>
+            <a:ext cx="1416234" cy="1920602"/>
+          </a:xfrm>
+          <a:prstGeom prst="cloud">
+            <a:avLst/>
+          </a:prstGeom>
+          <a:solidFill>
+            <a:schemeClr val="bg1"/>
+          </a:solidFill>
+          <a:ln>
+            <a:solidFill>
+              <a:schemeClr val="tx1"/>
+            </a:solidFill>
+          </a:ln>
+        </p:spPr>
+        <p:style>
+          <a:lnRef idx="2">
+            <a:schemeClr val="accent1">
+              <a:shade val="50000"/>
+            </a:schemeClr>
+          </a:lnRef>
+          <a:fillRef idx="1">
+            <a:schemeClr val="accent1"/>
+          </a:fillRef>
+          <a:effectRef idx="0">
+            <a:schemeClr val="accent1"/>
+          </a:effectRef>
+          <a:fontRef idx="minor">
+            <a:schemeClr val="lt1"/>
+          </a:fontRef>
+        </p:style>
+        <p:txBody>
+          <a:bodyPr vert="horz" rtlCol="0" anchor="ctr"/>
+          <a:lstStyle/>
+          <a:p>
+            <a:pPr algn="ctr"/>
+            <a:r>
+              <a:rPr lang="en-CA" dirty="0">
+                <a:solidFill>
+                  <a:schemeClr val="tx1"/>
+                </a:solidFill>
+              </a:rPr>
+              <a:t>Other vertices</a:t>
+            </a:r>
+            <a:endParaRPr lang="en-US" dirty="0">
+              <a:solidFill>
+                <a:schemeClr val="tx1"/>
+              </a:solidFill>
+            </a:endParaRPr>
+          </a:p>
+        </p:txBody>
+      </p:sp>
+      <p:cxnSp>
+        <p:nvCxnSpPr>
+          <p:cNvPr id="45" name="直接连接符 44">
+            <a:extLst>
+              <a:ext uri="{FF2B5EF4-FFF2-40B4-BE49-F238E27FC236}">
+                <a16:creationId xmlns:a16="http://schemas.microsoft.com/office/drawing/2014/main" id="{1036DF45-6443-4482-89DE-0434429558CC}"/>
+              </a:ext>
+            </a:extLst>
+          </p:cNvPr>
+          <p:cNvCxnSpPr>
+            <a:cxnSpLocks/>
+          </p:cNvCxnSpPr>
+          <p:nvPr/>
+        </p:nvCxnSpPr>
+        <p:spPr>
+          <a:xfrm flipV="1">
+            <a:off x="8725625" y="2689654"/>
+            <a:ext cx="1834969" cy="26519"/>
+          </a:xfrm>
+          <a:prstGeom prst="line">
+            <a:avLst/>
+          </a:prstGeom>
+        </p:spPr>
+        <p:style>
+          <a:lnRef idx="1">
+            <a:schemeClr val="dk1"/>
+          </a:lnRef>
+          <a:fillRef idx="0">
+            <a:schemeClr val="dk1"/>
+          </a:fillRef>
+          <a:effectRef idx="0">
+            <a:schemeClr val="dk1"/>
+          </a:effectRef>
+          <a:fontRef idx="minor">
+            <a:schemeClr val="tx1"/>
+          </a:fontRef>
+        </p:style>
+      </p:cxnSp>
+      <p:cxnSp>
+        <p:nvCxnSpPr>
+          <p:cNvPr id="46" name="直接连接符 45">
+            <a:extLst>
+              <a:ext uri="{FF2B5EF4-FFF2-40B4-BE49-F238E27FC236}">
+                <a16:creationId xmlns:a16="http://schemas.microsoft.com/office/drawing/2014/main" id="{B6A853C7-AF97-4F99-9E05-07EE23F876E2}"/>
+              </a:ext>
+            </a:extLst>
+          </p:cNvPr>
+          <p:cNvCxnSpPr>
+            <a:cxnSpLocks/>
+          </p:cNvCxnSpPr>
+          <p:nvPr/>
+        </p:nvCxnSpPr>
+        <p:spPr>
+          <a:xfrm flipV="1">
+            <a:off x="9695905" y="1446885"/>
+            <a:ext cx="1032692" cy="424891"/>
+          </a:xfrm>
+          <a:prstGeom prst="line">
+            <a:avLst/>
+          </a:prstGeom>
+        </p:spPr>
+        <p:style>
+          <a:lnRef idx="1">
+            <a:schemeClr val="dk1"/>
+          </a:lnRef>
+          <a:fillRef idx="0">
+            <a:schemeClr val="dk1"/>
+          </a:fillRef>
+          <a:effectRef idx="0">
+            <a:schemeClr val="dk1"/>
+          </a:effectRef>
+          <a:fontRef idx="minor">
+            <a:schemeClr val="tx1"/>
+          </a:fontRef>
+        </p:style>
+      </p:cxnSp>
+      <p:cxnSp>
+        <p:nvCxnSpPr>
+          <p:cNvPr id="47" name="直接连接符 46">
+            <a:extLst>
+              <a:ext uri="{FF2B5EF4-FFF2-40B4-BE49-F238E27FC236}">
+                <a16:creationId xmlns:a16="http://schemas.microsoft.com/office/drawing/2014/main" id="{31E9FF46-250B-4C24-AB45-1B9AB4588A09}"/>
+              </a:ext>
+            </a:extLst>
+          </p:cNvPr>
+          <p:cNvCxnSpPr>
+            <a:cxnSpLocks/>
+          </p:cNvCxnSpPr>
+          <p:nvPr/>
+        </p:nvCxnSpPr>
+        <p:spPr>
+          <a:xfrm flipH="1">
+            <a:off x="8725625" y="2401188"/>
+            <a:ext cx="640081" cy="314985"/>
+          </a:xfrm>
+          <a:prstGeom prst="line">
+            <a:avLst/>
+          </a:prstGeom>
+        </p:spPr>
+        <p:style>
+          <a:lnRef idx="1">
+            <a:schemeClr val="dk1"/>
+          </a:lnRef>
+          <a:fillRef idx="0">
+            <a:schemeClr val="dk1"/>
+          </a:fillRef>
+          <a:effectRef idx="0">
+            <a:schemeClr val="dk1"/>
+          </a:effectRef>
+          <a:fontRef idx="minor">
+            <a:schemeClr val="tx1"/>
+          </a:fontRef>
+        </p:style>
+      </p:cxnSp>
+      <p:cxnSp>
+        <p:nvCxnSpPr>
+          <p:cNvPr id="48" name="直接连接符 47">
+            <a:extLst>
+              <a:ext uri="{FF2B5EF4-FFF2-40B4-BE49-F238E27FC236}">
+                <a16:creationId xmlns:a16="http://schemas.microsoft.com/office/drawing/2014/main" id="{132CB718-165A-4812-8C48-7715F0480D01}"/>
+              </a:ext>
+            </a:extLst>
+          </p:cNvPr>
+          <p:cNvCxnSpPr>
+            <a:cxnSpLocks/>
+          </p:cNvCxnSpPr>
+          <p:nvPr/>
+        </p:nvCxnSpPr>
+        <p:spPr>
+          <a:xfrm>
+            <a:off x="7910103" y="2476687"/>
+            <a:ext cx="815522" cy="239486"/>
+          </a:xfrm>
+          <a:prstGeom prst="line">
+            <a:avLst/>
+          </a:prstGeom>
+        </p:spPr>
+        <p:style>
+          <a:lnRef idx="1">
+            <a:schemeClr val="dk1"/>
+          </a:lnRef>
+          <a:fillRef idx="0">
+            <a:schemeClr val="dk1"/>
+          </a:fillRef>
+          <a:effectRef idx="0">
+            <a:schemeClr val="dk1"/>
+          </a:effectRef>
+          <a:fontRef idx="minor">
+            <a:schemeClr val="tx1"/>
+          </a:fontRef>
+        </p:style>
+      </p:cxnSp>
+      <p:cxnSp>
+        <p:nvCxnSpPr>
+          <p:cNvPr id="49" name="直接连接符 48">
+            <a:extLst>
+              <a:ext uri="{FF2B5EF4-FFF2-40B4-BE49-F238E27FC236}">
+                <a16:creationId xmlns:a16="http://schemas.microsoft.com/office/drawing/2014/main" id="{BB801179-A9C3-46CF-990C-C612E895AA59}"/>
+              </a:ext>
+            </a:extLst>
+          </p:cNvPr>
+          <p:cNvCxnSpPr>
+            <a:cxnSpLocks/>
+          </p:cNvCxnSpPr>
+          <p:nvPr/>
+        </p:nvCxnSpPr>
+        <p:spPr>
+          <a:xfrm flipH="1" flipV="1">
+            <a:off x="7684952" y="1263268"/>
+            <a:ext cx="233861" cy="1213420"/>
+          </a:xfrm>
+          <a:prstGeom prst="line">
+            <a:avLst/>
+          </a:prstGeom>
+        </p:spPr>
+        <p:style>
+          <a:lnRef idx="1">
+            <a:schemeClr val="dk1"/>
+          </a:lnRef>
+          <a:fillRef idx="0">
+            <a:schemeClr val="dk1"/>
+          </a:fillRef>
+          <a:effectRef idx="0">
+            <a:schemeClr val="dk1"/>
+          </a:effectRef>
+          <a:fontRef idx="minor">
+            <a:schemeClr val="tx1"/>
+          </a:fontRef>
+        </p:style>
+      </p:cxnSp>
+      <p:cxnSp>
+        <p:nvCxnSpPr>
+          <p:cNvPr id="50" name="直接连接符 49">
+            <a:extLst>
+              <a:ext uri="{FF2B5EF4-FFF2-40B4-BE49-F238E27FC236}">
+                <a16:creationId xmlns:a16="http://schemas.microsoft.com/office/drawing/2014/main" id="{814DEDED-0800-4856-AE68-19EDEF1FC268}"/>
+              </a:ext>
+            </a:extLst>
+          </p:cNvPr>
+          <p:cNvCxnSpPr>
+            <a:cxnSpLocks/>
+          </p:cNvCxnSpPr>
+          <p:nvPr/>
+        </p:nvCxnSpPr>
+        <p:spPr>
+          <a:xfrm flipV="1">
+            <a:off x="7670617" y="1133733"/>
+            <a:ext cx="2069921" cy="135895"/>
+          </a:xfrm>
+          <a:prstGeom prst="line">
+            <a:avLst/>
+          </a:prstGeom>
+        </p:spPr>
+        <p:style>
+          <a:lnRef idx="1">
+            <a:schemeClr val="dk1"/>
+          </a:lnRef>
+          <a:fillRef idx="0">
+            <a:schemeClr val="dk1"/>
+          </a:fillRef>
+          <a:effectRef idx="0">
+            <a:schemeClr val="dk1"/>
+          </a:effectRef>
+          <a:fontRef idx="minor">
+            <a:schemeClr val="tx1"/>
+          </a:fontRef>
+        </p:style>
+      </p:cxnSp>
+      <p:cxnSp>
+        <p:nvCxnSpPr>
+          <p:cNvPr id="51" name="直接连接符 50">
+            <a:extLst>
+              <a:ext uri="{FF2B5EF4-FFF2-40B4-BE49-F238E27FC236}">
+                <a16:creationId xmlns:a16="http://schemas.microsoft.com/office/drawing/2014/main" id="{E3695BAF-9341-40E1-B250-7720C72824C8}"/>
+              </a:ext>
+            </a:extLst>
+          </p:cNvPr>
+          <p:cNvCxnSpPr>
+            <a:cxnSpLocks/>
+          </p:cNvCxnSpPr>
+          <p:nvPr/>
+        </p:nvCxnSpPr>
+        <p:spPr>
+          <a:xfrm flipH="1">
+            <a:off x="9695905" y="1133732"/>
+            <a:ext cx="44633" cy="738044"/>
+          </a:xfrm>
+          <a:prstGeom prst="line">
+            <a:avLst/>
+          </a:prstGeom>
+        </p:spPr>
+        <p:style>
+          <a:lnRef idx="1">
+            <a:schemeClr val="dk1"/>
+          </a:lnRef>
+          <a:fillRef idx="0">
+            <a:schemeClr val="dk1"/>
+          </a:fillRef>
+          <a:effectRef idx="0">
+            <a:schemeClr val="dk1"/>
+          </a:effectRef>
+          <a:fontRef idx="minor">
+            <a:schemeClr val="tx1"/>
+          </a:fontRef>
+        </p:style>
+      </p:cxnSp>
+      <p:cxnSp>
+        <p:nvCxnSpPr>
+          <p:cNvPr id="52" name="直接连接符 51">
+            <a:extLst>
+              <a:ext uri="{FF2B5EF4-FFF2-40B4-BE49-F238E27FC236}">
+                <a16:creationId xmlns:a16="http://schemas.microsoft.com/office/drawing/2014/main" id="{AD8BD7B4-E4C5-440C-82FF-443EA8774C3B}"/>
+              </a:ext>
+            </a:extLst>
+          </p:cNvPr>
+          <p:cNvCxnSpPr>
+            <a:cxnSpLocks/>
+          </p:cNvCxnSpPr>
+          <p:nvPr/>
+        </p:nvCxnSpPr>
+        <p:spPr>
+          <a:xfrm flipH="1">
+            <a:off x="9365705" y="1871776"/>
+            <a:ext cx="330200" cy="529415"/>
+          </a:xfrm>
+          <a:prstGeom prst="line">
+            <a:avLst/>
+          </a:prstGeom>
+        </p:spPr>
+        <p:style>
+          <a:lnRef idx="1">
+            <a:schemeClr val="dk1"/>
+          </a:lnRef>
+          <a:fillRef idx="0">
+            <a:schemeClr val="dk1"/>
+          </a:fillRef>
+          <a:effectRef idx="0">
+            <a:schemeClr val="dk1"/>
+          </a:effectRef>
+          <a:fontRef idx="minor">
+            <a:schemeClr val="tx1"/>
+          </a:fontRef>
+        </p:style>
+      </p:cxnSp>
+      <p:sp>
+        <p:nvSpPr>
+          <p:cNvPr id="53" name="椭圆 52">
+            <a:extLst>
+              <a:ext uri="{FF2B5EF4-FFF2-40B4-BE49-F238E27FC236}">
+                <a16:creationId xmlns:a16="http://schemas.microsoft.com/office/drawing/2014/main" id="{A37B1C98-61B7-4444-B669-13DF96C4AE52}"/>
+              </a:ext>
+            </a:extLst>
+          </p:cNvPr>
+          <p:cNvSpPr/>
+          <p:nvPr/>
+        </p:nvSpPr>
+        <p:spPr>
+          <a:xfrm>
+            <a:off x="8486140" y="2476688"/>
+            <a:ext cx="478971" cy="478971"/>
+          </a:xfrm>
+          <a:prstGeom prst="ellipse">
+            <a:avLst/>
+          </a:prstGeom>
+          <a:solidFill>
+            <a:schemeClr val="tx1">
+              <a:lumMod val="85000"/>
+              <a:lumOff val="15000"/>
+            </a:schemeClr>
+          </a:solidFill>
+        </p:spPr>
+        <p:style>
+          <a:lnRef idx="2">
+            <a:schemeClr val="accent1">
+              <a:shade val="50000"/>
+            </a:schemeClr>
+          </a:lnRef>
+          <a:fillRef idx="1">
+            <a:schemeClr val="accent1"/>
+          </a:fillRef>
+          <a:effectRef idx="0">
+            <a:schemeClr val="accent1"/>
+          </a:effectRef>
+          <a:fontRef idx="minor">
+            <a:schemeClr val="lt1"/>
+          </a:fontRef>
+        </p:style>
+        <p:txBody>
+          <a:bodyPr rtlCol="0" anchor="ctr"/>
+          <a:lstStyle/>
+          <a:p>
+            <a:pPr algn="ctr"/>
+            <a:r>
+              <a:rPr lang="en-CA" dirty="0"/>
+              <a:t>R</a:t>
+            </a:r>
+            <a:endParaRPr lang="en-US" dirty="0"/>
+          </a:p>
+        </p:txBody>
+      </p:sp>
+      <p:sp>
+        <p:nvSpPr>
+          <p:cNvPr id="54" name="椭圆 53">
+            <a:extLst>
+              <a:ext uri="{FF2B5EF4-FFF2-40B4-BE49-F238E27FC236}">
+                <a16:creationId xmlns:a16="http://schemas.microsoft.com/office/drawing/2014/main" id="{17C337B4-B295-43A8-B27A-DB1E103CCF41}"/>
+              </a:ext>
+            </a:extLst>
+          </p:cNvPr>
+          <p:cNvSpPr/>
+          <p:nvPr/>
+        </p:nvSpPr>
+        <p:spPr>
+          <a:xfrm>
+            <a:off x="7670618" y="2237202"/>
+            <a:ext cx="478971" cy="478971"/>
+          </a:xfrm>
+          <a:prstGeom prst="ellipse">
+            <a:avLst/>
+          </a:prstGeom>
+          <a:solidFill>
+            <a:schemeClr val="bg1"/>
+          </a:solidFill>
+          <a:ln>
+            <a:solidFill>
+              <a:schemeClr val="tx1"/>
+            </a:solidFill>
+          </a:ln>
+        </p:spPr>
+        <p:style>
+          <a:lnRef idx="2">
+            <a:schemeClr val="accent1">
+              <a:shade val="50000"/>
+            </a:schemeClr>
+          </a:lnRef>
+          <a:fillRef idx="1">
+            <a:schemeClr val="accent1"/>
+          </a:fillRef>
+          <a:effectRef idx="0">
+            <a:schemeClr val="accent1"/>
+          </a:effectRef>
+          <a:fontRef idx="minor">
+            <a:schemeClr val="lt1"/>
+          </a:fontRef>
+        </p:style>
+        <p:txBody>
+          <a:bodyPr rot="0" spcFirstLastPara="0" vertOverflow="overflow" horzOverflow="overflow" vert="horz" wrap="square" lIns="91440" tIns="45720" rIns="91440" bIns="45720" numCol="1" spcCol="0" rtlCol="0" fromWordArt="0" anchor="ctr" anchorCtr="0" forceAA="0" compatLnSpc="1">
+            <a:prstTxWarp prst="textNoShape">
+              <a:avLst/>
+            </a:prstTxWarp>
+            <a:noAutofit/>
+          </a:bodyPr>
+          <a:lstStyle/>
+          <a:p>
+            <a:pPr algn="ctr"/>
+            <a:r>
+              <a:rPr lang="en-CA">
+                <a:solidFill>
+                  <a:schemeClr val="tx1"/>
+                </a:solidFill>
+              </a:rPr>
+              <a:t>G</a:t>
+            </a:r>
+            <a:endParaRPr lang="en-US" dirty="0">
+              <a:solidFill>
+                <a:schemeClr val="tx1"/>
+              </a:solidFill>
+            </a:endParaRPr>
+          </a:p>
+        </p:txBody>
+      </p:sp>
+      <p:sp>
+        <p:nvSpPr>
+          <p:cNvPr id="55" name="椭圆 54">
+            <a:extLst>
+              <a:ext uri="{FF2B5EF4-FFF2-40B4-BE49-F238E27FC236}">
+                <a16:creationId xmlns:a16="http://schemas.microsoft.com/office/drawing/2014/main" id="{6939BD6A-FC7A-42CD-B0ED-4F8EF68A5725}"/>
+              </a:ext>
+            </a:extLst>
+          </p:cNvPr>
+          <p:cNvSpPr/>
+          <p:nvPr/>
+        </p:nvSpPr>
+        <p:spPr>
+          <a:xfrm>
+            <a:off x="7431132" y="1023783"/>
+            <a:ext cx="478971" cy="478971"/>
+          </a:xfrm>
+          <a:prstGeom prst="ellipse">
+            <a:avLst/>
+          </a:prstGeom>
+          <a:solidFill>
+            <a:schemeClr val="bg1"/>
+          </a:solidFill>
+          <a:ln>
+            <a:solidFill>
+              <a:schemeClr val="tx1"/>
+            </a:solidFill>
+          </a:ln>
+        </p:spPr>
+        <p:style>
+          <a:lnRef idx="2">
+            <a:schemeClr val="accent1">
+              <a:shade val="50000"/>
+            </a:schemeClr>
+          </a:lnRef>
+          <a:fillRef idx="1">
+            <a:schemeClr val="accent1"/>
+          </a:fillRef>
+          <a:effectRef idx="0">
+            <a:schemeClr val="accent1"/>
+          </a:effectRef>
+          <a:fontRef idx="minor">
+            <a:schemeClr val="lt1"/>
+          </a:fontRef>
+        </p:style>
+        <p:txBody>
+          <a:bodyPr rot="0" spcFirstLastPara="0" vertOverflow="overflow" horzOverflow="overflow" vert="horz" wrap="square" lIns="91440" tIns="45720" rIns="91440" bIns="45720" numCol="1" spcCol="0" rtlCol="0" fromWordArt="0" anchor="ctr" anchorCtr="0" forceAA="0" compatLnSpc="1">
+            <a:prstTxWarp prst="textNoShape">
+              <a:avLst/>
+            </a:prstTxWarp>
+            <a:noAutofit/>
+          </a:bodyPr>
+          <a:lstStyle/>
+          <a:p>
+            <a:pPr algn="ctr"/>
+            <a:r>
+              <a:rPr lang="en-CA" dirty="0">
+                <a:solidFill>
+                  <a:schemeClr val="tx1"/>
+                </a:solidFill>
+              </a:rPr>
+              <a:t>G</a:t>
+            </a:r>
+            <a:endParaRPr lang="en-US" dirty="0">
+              <a:solidFill>
+                <a:schemeClr val="tx1"/>
+              </a:solidFill>
+            </a:endParaRPr>
+          </a:p>
+        </p:txBody>
+      </p:sp>
+      <p:sp>
+        <p:nvSpPr>
+          <p:cNvPr id="56" name="椭圆 55">
+            <a:extLst>
+              <a:ext uri="{FF2B5EF4-FFF2-40B4-BE49-F238E27FC236}">
+                <a16:creationId xmlns:a16="http://schemas.microsoft.com/office/drawing/2014/main" id="{BB5A7042-9848-4AE8-917B-526A32B9BFF2}"/>
+              </a:ext>
+            </a:extLst>
+          </p:cNvPr>
+          <p:cNvSpPr/>
+          <p:nvPr/>
+        </p:nvSpPr>
+        <p:spPr>
+          <a:xfrm>
+            <a:off x="9501053" y="894247"/>
+            <a:ext cx="478971" cy="478971"/>
+          </a:xfrm>
+          <a:prstGeom prst="ellipse">
+            <a:avLst/>
+          </a:prstGeom>
+          <a:solidFill>
+            <a:schemeClr val="bg1"/>
+          </a:solidFill>
+          <a:ln>
+            <a:solidFill>
+              <a:schemeClr val="tx1"/>
+            </a:solidFill>
+          </a:ln>
+        </p:spPr>
+        <p:style>
+          <a:lnRef idx="2">
+            <a:schemeClr val="accent1">
+              <a:shade val="50000"/>
+            </a:schemeClr>
+          </a:lnRef>
+          <a:fillRef idx="1">
+            <a:schemeClr val="accent1"/>
+          </a:fillRef>
+          <a:effectRef idx="0">
+            <a:schemeClr val="accent1"/>
+          </a:effectRef>
+          <a:fontRef idx="minor">
+            <a:schemeClr val="lt1"/>
+          </a:fontRef>
+        </p:style>
+        <p:txBody>
+          <a:bodyPr rot="0" spcFirstLastPara="0" vertOverflow="overflow" horzOverflow="overflow" vert="horz" wrap="square" lIns="91440" tIns="45720" rIns="91440" bIns="45720" numCol="1" spcCol="0" rtlCol="0" fromWordArt="0" anchor="ctr" anchorCtr="0" forceAA="0" compatLnSpc="1">
+            <a:prstTxWarp prst="textNoShape">
+              <a:avLst/>
+            </a:prstTxWarp>
+            <a:noAutofit/>
+          </a:bodyPr>
+          <a:lstStyle/>
+          <a:p>
+            <a:pPr algn="ctr"/>
+            <a:r>
+              <a:rPr lang="en-CA" dirty="0">
+                <a:solidFill>
+                  <a:schemeClr val="tx1"/>
+                </a:solidFill>
+              </a:rPr>
+              <a:t>G</a:t>
+            </a:r>
+            <a:endParaRPr lang="en-US" dirty="0">
+              <a:solidFill>
+                <a:schemeClr val="tx1"/>
+              </a:solidFill>
+            </a:endParaRPr>
+          </a:p>
+        </p:txBody>
+      </p:sp>
+      <p:sp>
+        <p:nvSpPr>
+          <p:cNvPr id="57" name="椭圆 56">
+            <a:extLst>
+              <a:ext uri="{FF2B5EF4-FFF2-40B4-BE49-F238E27FC236}">
+                <a16:creationId xmlns:a16="http://schemas.microsoft.com/office/drawing/2014/main" id="{20627F29-57C2-488E-84B7-6AA51FA44DA5}"/>
+              </a:ext>
+            </a:extLst>
+          </p:cNvPr>
+          <p:cNvSpPr/>
+          <p:nvPr/>
+        </p:nvSpPr>
+        <p:spPr>
+          <a:xfrm>
+            <a:off x="9422675" y="1583313"/>
+            <a:ext cx="478971" cy="478971"/>
+          </a:xfrm>
+          <a:prstGeom prst="ellipse">
+            <a:avLst/>
+          </a:prstGeom>
+          <a:solidFill>
+            <a:schemeClr val="tx1">
+              <a:lumMod val="85000"/>
+              <a:lumOff val="15000"/>
+            </a:schemeClr>
+          </a:solidFill>
+        </p:spPr>
+        <p:style>
+          <a:lnRef idx="2">
+            <a:schemeClr val="accent1">
+              <a:shade val="50000"/>
+            </a:schemeClr>
+          </a:lnRef>
+          <a:fillRef idx="1">
+            <a:schemeClr val="accent1"/>
+          </a:fillRef>
+          <a:effectRef idx="0">
+            <a:schemeClr val="accent1"/>
+          </a:effectRef>
+          <a:fontRef idx="minor">
+            <a:schemeClr val="lt1"/>
+          </a:fontRef>
+        </p:style>
+        <p:txBody>
+          <a:bodyPr rot="0" spcFirstLastPara="0" vertOverflow="overflow" horzOverflow="overflow" vert="horz" wrap="square" lIns="91440" tIns="45720" rIns="91440" bIns="45720" numCol="1" spcCol="0" rtlCol="0" fromWordArt="0" anchor="ctr" anchorCtr="0" forceAA="0" compatLnSpc="1">
+            <a:prstTxWarp prst="textNoShape">
+              <a:avLst/>
+            </a:prstTxWarp>
+            <a:noAutofit/>
+          </a:bodyPr>
+          <a:lstStyle/>
+          <a:p>
+            <a:pPr algn="ctr"/>
+            <a:r>
+              <a:rPr lang="en-CA" dirty="0"/>
+              <a:t>R</a:t>
+            </a:r>
+            <a:endParaRPr lang="en-US" dirty="0"/>
+          </a:p>
+        </p:txBody>
+      </p:sp>
+      <p:sp>
+        <p:nvSpPr>
+          <p:cNvPr id="58" name="椭圆 57">
+            <a:extLst>
+              <a:ext uri="{FF2B5EF4-FFF2-40B4-BE49-F238E27FC236}">
+                <a16:creationId xmlns:a16="http://schemas.microsoft.com/office/drawing/2014/main" id="{0D7ACC9C-E0D6-4ED0-B501-8ECB855A9CE3}"/>
+              </a:ext>
+            </a:extLst>
+          </p:cNvPr>
+          <p:cNvSpPr/>
+          <p:nvPr/>
+        </p:nvSpPr>
+        <p:spPr>
+          <a:xfrm>
+            <a:off x="9126220" y="2168789"/>
+            <a:ext cx="478971" cy="478971"/>
+          </a:xfrm>
+          <a:prstGeom prst="ellipse">
+            <a:avLst/>
+          </a:prstGeom>
+          <a:solidFill>
+            <a:schemeClr val="bg1"/>
+          </a:solidFill>
+          <a:ln>
+            <a:solidFill>
+              <a:schemeClr val="tx1"/>
+            </a:solidFill>
+          </a:ln>
+        </p:spPr>
+        <p:style>
+          <a:lnRef idx="2">
+            <a:schemeClr val="accent1">
+              <a:shade val="50000"/>
+            </a:schemeClr>
+          </a:lnRef>
+          <a:fillRef idx="1">
+            <a:schemeClr val="accent1"/>
+          </a:fillRef>
+          <a:effectRef idx="0">
+            <a:schemeClr val="accent1"/>
+          </a:effectRef>
+          <a:fontRef idx="minor">
+            <a:schemeClr val="lt1"/>
+          </a:fontRef>
+        </p:style>
+        <p:txBody>
+          <a:bodyPr rot="0" spcFirstLastPara="0" vertOverflow="overflow" horzOverflow="overflow" vert="horz" wrap="square" lIns="91440" tIns="45720" rIns="91440" bIns="45720" numCol="1" spcCol="0" rtlCol="0" fromWordArt="0" anchor="ctr" anchorCtr="0" forceAA="0" compatLnSpc="1">
+            <a:prstTxWarp prst="textNoShape">
+              <a:avLst/>
+            </a:prstTxWarp>
+            <a:noAutofit/>
+          </a:bodyPr>
+          <a:lstStyle/>
+          <a:p>
+            <a:pPr algn="ctr"/>
+            <a:r>
+              <a:rPr lang="en-CA" dirty="0">
+                <a:solidFill>
+                  <a:schemeClr val="tx1"/>
+                </a:solidFill>
+              </a:rPr>
+              <a:t>G</a:t>
+            </a:r>
+            <a:endParaRPr lang="en-US" dirty="0">
+              <a:solidFill>
+                <a:schemeClr val="tx1"/>
+              </a:solidFill>
+            </a:endParaRPr>
+          </a:p>
+        </p:txBody>
+      </p:sp>
+      <p:sp>
+        <p:nvSpPr>
+          <p:cNvPr id="59" name="云形 58">
+            <a:extLst>
+              <a:ext uri="{FF2B5EF4-FFF2-40B4-BE49-F238E27FC236}">
+                <a16:creationId xmlns:a16="http://schemas.microsoft.com/office/drawing/2014/main" id="{1E396022-F5D5-4C10-9ADB-E7F5C4775AD1}"/>
+              </a:ext>
+            </a:extLst>
+          </p:cNvPr>
+          <p:cNvSpPr/>
+          <p:nvPr/>
+        </p:nvSpPr>
+        <p:spPr>
+          <a:xfrm>
+            <a:off x="10166894" y="917470"/>
+            <a:ext cx="1416234" cy="1920602"/>
+          </a:xfrm>
+          <a:prstGeom prst="cloud">
+            <a:avLst/>
+          </a:prstGeom>
+          <a:solidFill>
+            <a:schemeClr val="bg1"/>
+          </a:solidFill>
+          <a:ln>
+            <a:solidFill>
+              <a:schemeClr val="tx1"/>
+            </a:solidFill>
+          </a:ln>
+        </p:spPr>
+        <p:style>
+          <a:lnRef idx="2">
+            <a:schemeClr val="accent1">
+              <a:shade val="50000"/>
+            </a:schemeClr>
+          </a:lnRef>
+          <a:fillRef idx="1">
+            <a:schemeClr val="accent1"/>
+          </a:fillRef>
+          <a:effectRef idx="0">
+            <a:schemeClr val="accent1"/>
+          </a:effectRef>
+          <a:fontRef idx="minor">
+            <a:schemeClr val="lt1"/>
+          </a:fontRef>
+        </p:style>
+        <p:txBody>
+          <a:bodyPr vert="horz" rtlCol="0" anchor="ctr"/>
+          <a:lstStyle/>
+          <a:p>
+            <a:pPr algn="ctr"/>
+            <a:r>
+              <a:rPr lang="en-CA" dirty="0">
+                <a:solidFill>
+                  <a:schemeClr val="tx1"/>
+                </a:solidFill>
+              </a:rPr>
+              <a:t>Other vertices</a:t>
+            </a:r>
+            <a:endParaRPr lang="en-US" dirty="0">
+              <a:solidFill>
+                <a:schemeClr val="tx1"/>
+              </a:solidFill>
+            </a:endParaRPr>
+          </a:p>
+        </p:txBody>
+      </p:sp>
+    </p:spTree>
+    <p:extLst>
+      <p:ext uri="{BB962C8B-B14F-4D97-AF65-F5344CB8AC3E}">
+        <p14:creationId xmlns:p14="http://schemas.microsoft.com/office/powerpoint/2010/main" val="3554722293"/>
+      </p:ext>
+    </p:extLst>
+  </p:cSld>
+  <p:clrMapOvr>
+    <a:masterClrMapping/>
+  </p:clrMapOvr>
+</p:sld>
+</file>
+
+<file path=ppt/slides/slide5.xml><?xml version="1.0" encoding="utf-8"?>
+<p:sld xmlns:a="http://schemas.openxmlformats.org/drawingml/2006/main" xmlns:r="http://schemas.openxmlformats.org/officeDocument/2006/relationships" xmlns:p="http://schemas.openxmlformats.org/presentationml/2006/main">
+  <p:cSld>
+    <p:spTree>
+      <p:nvGrpSpPr>
+        <p:cNvPr id="1" name=""/>
+        <p:cNvGrpSpPr/>
+        <p:nvPr/>
+      </p:nvGrpSpPr>
+      <p:grpSpPr>
+        <a:xfrm>
+          <a:off x="0" y="0"/>
+          <a:ext cx="0" cy="0"/>
+          <a:chOff x="0" y="0"/>
+          <a:chExt cx="0" cy="0"/>
+        </a:xfrm>
+      </p:grpSpPr>
+      <p:cxnSp>
+        <p:nvCxnSpPr>
+          <p:cNvPr id="4" name="直接连接符 3">
+            <a:extLst>
+              <a:ext uri="{FF2B5EF4-FFF2-40B4-BE49-F238E27FC236}">
+                <a16:creationId xmlns:a16="http://schemas.microsoft.com/office/drawing/2014/main" id="{DBBC9F41-D264-4C11-BA03-4110E35A3BBA}"/>
+              </a:ext>
+            </a:extLst>
+          </p:cNvPr>
+          <p:cNvCxnSpPr>
+            <a:cxnSpLocks/>
+          </p:cNvCxnSpPr>
+          <p:nvPr/>
+        </p:nvCxnSpPr>
+        <p:spPr>
+          <a:xfrm flipV="1">
+            <a:off x="4149271" y="2695649"/>
+            <a:ext cx="1834969" cy="26519"/>
+          </a:xfrm>
+          <a:prstGeom prst="line">
+            <a:avLst/>
+          </a:prstGeom>
+        </p:spPr>
+        <p:style>
+          <a:lnRef idx="1">
+            <a:schemeClr val="dk1"/>
+          </a:lnRef>
+          <a:fillRef idx="0">
+            <a:schemeClr val="dk1"/>
+          </a:fillRef>
+          <a:effectRef idx="0">
+            <a:schemeClr val="dk1"/>
+          </a:effectRef>
+          <a:fontRef idx="minor">
+            <a:schemeClr val="tx1"/>
+          </a:fontRef>
+        </p:style>
+      </p:cxnSp>
+      <p:cxnSp>
+        <p:nvCxnSpPr>
+          <p:cNvPr id="5" name="直接连接符 4">
+            <a:extLst>
+              <a:ext uri="{FF2B5EF4-FFF2-40B4-BE49-F238E27FC236}">
+                <a16:creationId xmlns:a16="http://schemas.microsoft.com/office/drawing/2014/main" id="{AB2CCEFE-C70E-4ADC-BBBD-D72D963A29CB}"/>
+              </a:ext>
+            </a:extLst>
+          </p:cNvPr>
+          <p:cNvCxnSpPr>
+            <a:cxnSpLocks/>
+          </p:cNvCxnSpPr>
+          <p:nvPr/>
+        </p:nvCxnSpPr>
+        <p:spPr>
+          <a:xfrm flipV="1">
+            <a:off x="5119551" y="1452880"/>
+            <a:ext cx="1032692" cy="424891"/>
+          </a:xfrm>
+          <a:prstGeom prst="line">
+            <a:avLst/>
+          </a:prstGeom>
+        </p:spPr>
+        <p:style>
+          <a:lnRef idx="1">
+            <a:schemeClr val="dk1"/>
+          </a:lnRef>
+          <a:fillRef idx="0">
+            <a:schemeClr val="dk1"/>
+          </a:fillRef>
+          <a:effectRef idx="0">
+            <a:schemeClr val="dk1"/>
+          </a:effectRef>
+          <a:fontRef idx="minor">
+            <a:schemeClr val="tx1"/>
+          </a:fontRef>
+        </p:style>
+      </p:cxnSp>
+      <p:cxnSp>
+        <p:nvCxnSpPr>
+          <p:cNvPr id="6" name="直接连接符 5">
+            <a:extLst>
+              <a:ext uri="{FF2B5EF4-FFF2-40B4-BE49-F238E27FC236}">
+                <a16:creationId xmlns:a16="http://schemas.microsoft.com/office/drawing/2014/main" id="{EC968A0C-B878-48FB-98DD-9C31E12A15E9}"/>
+              </a:ext>
+            </a:extLst>
+          </p:cNvPr>
+          <p:cNvCxnSpPr>
+            <a:cxnSpLocks/>
+          </p:cNvCxnSpPr>
+          <p:nvPr/>
+        </p:nvCxnSpPr>
+        <p:spPr>
+          <a:xfrm flipH="1">
+            <a:off x="4149271" y="2407183"/>
+            <a:ext cx="640081" cy="314985"/>
+          </a:xfrm>
+          <a:prstGeom prst="line">
+            <a:avLst/>
+          </a:prstGeom>
+        </p:spPr>
+        <p:style>
+          <a:lnRef idx="1">
+            <a:schemeClr val="dk1"/>
+          </a:lnRef>
+          <a:fillRef idx="0">
+            <a:schemeClr val="dk1"/>
+          </a:fillRef>
+          <a:effectRef idx="0">
+            <a:schemeClr val="dk1"/>
+          </a:effectRef>
+          <a:fontRef idx="minor">
+            <a:schemeClr val="tx1"/>
+          </a:fontRef>
+        </p:style>
+      </p:cxnSp>
+      <p:cxnSp>
+        <p:nvCxnSpPr>
+          <p:cNvPr id="7" name="直接连接符 6">
+            <a:extLst>
+              <a:ext uri="{FF2B5EF4-FFF2-40B4-BE49-F238E27FC236}">
+                <a16:creationId xmlns:a16="http://schemas.microsoft.com/office/drawing/2014/main" id="{531E76D6-27F9-46D2-9790-1CC51F250FF5}"/>
+              </a:ext>
+            </a:extLst>
+          </p:cNvPr>
+          <p:cNvCxnSpPr>
+            <a:cxnSpLocks/>
+          </p:cNvCxnSpPr>
+          <p:nvPr/>
+        </p:nvCxnSpPr>
+        <p:spPr>
+          <a:xfrm>
+            <a:off x="3333749" y="2482682"/>
+            <a:ext cx="815522" cy="239486"/>
+          </a:xfrm>
+          <a:prstGeom prst="line">
+            <a:avLst/>
+          </a:prstGeom>
+        </p:spPr>
+        <p:style>
+          <a:lnRef idx="1">
+            <a:schemeClr val="dk1"/>
+          </a:lnRef>
+          <a:fillRef idx="0">
+            <a:schemeClr val="dk1"/>
+          </a:fillRef>
+          <a:effectRef idx="0">
+            <a:schemeClr val="dk1"/>
+          </a:effectRef>
+          <a:fontRef idx="minor">
+            <a:schemeClr val="tx1"/>
+          </a:fontRef>
+        </p:style>
+      </p:cxnSp>
+      <p:cxnSp>
+        <p:nvCxnSpPr>
+          <p:cNvPr id="8" name="直接连接符 7">
+            <a:extLst>
+              <a:ext uri="{FF2B5EF4-FFF2-40B4-BE49-F238E27FC236}">
+                <a16:creationId xmlns:a16="http://schemas.microsoft.com/office/drawing/2014/main" id="{6EC3C086-0E1A-4958-B48E-392FB834CD8C}"/>
+              </a:ext>
+            </a:extLst>
+          </p:cNvPr>
+          <p:cNvCxnSpPr>
+            <a:cxnSpLocks/>
+          </p:cNvCxnSpPr>
+          <p:nvPr/>
+        </p:nvCxnSpPr>
+        <p:spPr>
+          <a:xfrm flipH="1" flipV="1">
+            <a:off x="3108598" y="1269263"/>
+            <a:ext cx="233861" cy="1213420"/>
+          </a:xfrm>
+          <a:prstGeom prst="line">
+            <a:avLst/>
+          </a:prstGeom>
+        </p:spPr>
+        <p:style>
+          <a:lnRef idx="1">
+            <a:schemeClr val="dk1"/>
+          </a:lnRef>
+          <a:fillRef idx="0">
+            <a:schemeClr val="dk1"/>
+          </a:fillRef>
+          <a:effectRef idx="0">
+            <a:schemeClr val="dk1"/>
+          </a:effectRef>
+          <a:fontRef idx="minor">
+            <a:schemeClr val="tx1"/>
+          </a:fontRef>
+        </p:style>
+      </p:cxnSp>
+      <p:cxnSp>
+        <p:nvCxnSpPr>
+          <p:cNvPr id="9" name="直接连接符 8">
+            <a:extLst>
+              <a:ext uri="{FF2B5EF4-FFF2-40B4-BE49-F238E27FC236}">
+                <a16:creationId xmlns:a16="http://schemas.microsoft.com/office/drawing/2014/main" id="{3A6D7C91-9A67-4700-8A9B-947E65E0A888}"/>
+              </a:ext>
+            </a:extLst>
+          </p:cNvPr>
+          <p:cNvCxnSpPr>
+            <a:cxnSpLocks/>
+          </p:cNvCxnSpPr>
+          <p:nvPr/>
+        </p:nvCxnSpPr>
+        <p:spPr>
+          <a:xfrm flipV="1">
+            <a:off x="3094263" y="1139728"/>
+            <a:ext cx="2069921" cy="135895"/>
+          </a:xfrm>
+          <a:prstGeom prst="line">
+            <a:avLst/>
+          </a:prstGeom>
+        </p:spPr>
+        <p:style>
+          <a:lnRef idx="1">
+            <a:schemeClr val="dk1"/>
+          </a:lnRef>
+          <a:fillRef idx="0">
+            <a:schemeClr val="dk1"/>
+          </a:fillRef>
+          <a:effectRef idx="0">
+            <a:schemeClr val="dk1"/>
+          </a:effectRef>
+          <a:fontRef idx="minor">
+            <a:schemeClr val="tx1"/>
+          </a:fontRef>
+        </p:style>
+      </p:cxnSp>
+      <p:cxnSp>
+        <p:nvCxnSpPr>
+          <p:cNvPr id="10" name="直接连接符 9">
+            <a:extLst>
+              <a:ext uri="{FF2B5EF4-FFF2-40B4-BE49-F238E27FC236}">
+                <a16:creationId xmlns:a16="http://schemas.microsoft.com/office/drawing/2014/main" id="{54BFC854-C0E3-44EA-95BE-3ED2E816DBFC}"/>
+              </a:ext>
+            </a:extLst>
+          </p:cNvPr>
+          <p:cNvCxnSpPr>
+            <a:cxnSpLocks/>
+          </p:cNvCxnSpPr>
+          <p:nvPr/>
+        </p:nvCxnSpPr>
+        <p:spPr>
+          <a:xfrm flipH="1">
+            <a:off x="5119551" y="1139727"/>
+            <a:ext cx="44633" cy="738044"/>
+          </a:xfrm>
+          <a:prstGeom prst="line">
+            <a:avLst/>
+          </a:prstGeom>
+        </p:spPr>
+        <p:style>
+          <a:lnRef idx="1">
+            <a:schemeClr val="dk1"/>
+          </a:lnRef>
+          <a:fillRef idx="0">
+            <a:schemeClr val="dk1"/>
+          </a:fillRef>
+          <a:effectRef idx="0">
+            <a:schemeClr val="dk1"/>
+          </a:effectRef>
+          <a:fontRef idx="minor">
+            <a:schemeClr val="tx1"/>
+          </a:fontRef>
+        </p:style>
+      </p:cxnSp>
+      <p:cxnSp>
+        <p:nvCxnSpPr>
+          <p:cNvPr id="11" name="直接连接符 10">
+            <a:extLst>
+              <a:ext uri="{FF2B5EF4-FFF2-40B4-BE49-F238E27FC236}">
+                <a16:creationId xmlns:a16="http://schemas.microsoft.com/office/drawing/2014/main" id="{2FF4ADA7-1DF0-4498-AFCA-9D72CD91AD61}"/>
+              </a:ext>
+            </a:extLst>
+          </p:cNvPr>
+          <p:cNvCxnSpPr>
+            <a:cxnSpLocks/>
+          </p:cNvCxnSpPr>
+          <p:nvPr/>
+        </p:nvCxnSpPr>
+        <p:spPr>
+          <a:xfrm flipH="1">
+            <a:off x="4789351" y="1877771"/>
+            <a:ext cx="330200" cy="529415"/>
+          </a:xfrm>
+          <a:prstGeom prst="line">
+            <a:avLst/>
+          </a:prstGeom>
+        </p:spPr>
+        <p:style>
+          <a:lnRef idx="1">
+            <a:schemeClr val="dk1"/>
+          </a:lnRef>
+          <a:fillRef idx="0">
+            <a:schemeClr val="dk1"/>
+          </a:fillRef>
+          <a:effectRef idx="0">
+            <a:schemeClr val="dk1"/>
+          </a:effectRef>
+          <a:fontRef idx="minor">
+            <a:schemeClr val="tx1"/>
+          </a:fontRef>
+        </p:style>
+      </p:cxnSp>
+      <p:sp>
+        <p:nvSpPr>
+          <p:cNvPr id="12" name="椭圆 11">
+            <a:extLst>
+              <a:ext uri="{FF2B5EF4-FFF2-40B4-BE49-F238E27FC236}">
+                <a16:creationId xmlns:a16="http://schemas.microsoft.com/office/drawing/2014/main" id="{50E7882E-8152-4E7A-B57B-C1CE373E6169}"/>
+              </a:ext>
+            </a:extLst>
+          </p:cNvPr>
+          <p:cNvSpPr/>
+          <p:nvPr/>
+        </p:nvSpPr>
+        <p:spPr>
+          <a:xfrm>
+            <a:off x="3909786" y="2482683"/>
+            <a:ext cx="478971" cy="478971"/>
+          </a:xfrm>
+          <a:prstGeom prst="ellipse">
+            <a:avLst/>
+          </a:prstGeom>
+          <a:solidFill>
+            <a:schemeClr val="tx1">
+              <a:lumMod val="85000"/>
+              <a:lumOff val="15000"/>
+            </a:schemeClr>
+          </a:solidFill>
+        </p:spPr>
+        <p:style>
+          <a:lnRef idx="2">
+            <a:schemeClr val="accent1">
+              <a:shade val="50000"/>
+            </a:schemeClr>
+          </a:lnRef>
+          <a:fillRef idx="1">
+            <a:schemeClr val="accent1"/>
+          </a:fillRef>
+          <a:effectRef idx="0">
+            <a:schemeClr val="accent1"/>
+          </a:effectRef>
+          <a:fontRef idx="minor">
+            <a:schemeClr val="lt1"/>
+          </a:fontRef>
+        </p:style>
+        <p:txBody>
+          <a:bodyPr rtlCol="0" anchor="ctr"/>
+          <a:lstStyle/>
+          <a:p>
+            <a:pPr algn="ctr"/>
+            <a:r>
+              <a:rPr lang="en-CA" dirty="0"/>
+              <a:t>R</a:t>
+            </a:r>
+            <a:endParaRPr lang="en-US" dirty="0"/>
+          </a:p>
+        </p:txBody>
+      </p:sp>
+      <p:sp>
+        <p:nvSpPr>
+          <p:cNvPr id="13" name="椭圆 12">
+            <a:extLst>
+              <a:ext uri="{FF2B5EF4-FFF2-40B4-BE49-F238E27FC236}">
+                <a16:creationId xmlns:a16="http://schemas.microsoft.com/office/drawing/2014/main" id="{EDDAFB3D-2BFA-41E2-920E-D4F32971C081}"/>
+              </a:ext>
+            </a:extLst>
+          </p:cNvPr>
+          <p:cNvSpPr/>
+          <p:nvPr/>
+        </p:nvSpPr>
+        <p:spPr>
+          <a:xfrm>
+            <a:off x="3094264" y="2243197"/>
+            <a:ext cx="478971" cy="478971"/>
+          </a:xfrm>
+          <a:prstGeom prst="ellipse">
+            <a:avLst/>
+          </a:prstGeom>
+          <a:solidFill>
+            <a:schemeClr val="bg1"/>
+          </a:solidFill>
+          <a:ln>
+            <a:solidFill>
+              <a:schemeClr val="tx1"/>
+            </a:solidFill>
+          </a:ln>
+        </p:spPr>
+        <p:style>
+          <a:lnRef idx="2">
+            <a:schemeClr val="accent1">
+              <a:shade val="50000"/>
+            </a:schemeClr>
+          </a:lnRef>
+          <a:fillRef idx="1">
+            <a:schemeClr val="accent1"/>
+          </a:fillRef>
+          <a:effectRef idx="0">
+            <a:schemeClr val="accent1"/>
+          </a:effectRef>
+          <a:fontRef idx="minor">
+            <a:schemeClr val="lt1"/>
+          </a:fontRef>
+        </p:style>
+        <p:txBody>
+          <a:bodyPr rot="0" spcFirstLastPara="0" vertOverflow="overflow" horzOverflow="overflow" vert="horz" wrap="square" lIns="91440" tIns="45720" rIns="91440" bIns="45720" numCol="1" spcCol="0" rtlCol="0" fromWordArt="0" anchor="ctr" anchorCtr="0" forceAA="0" compatLnSpc="1">
+            <a:prstTxWarp prst="textNoShape">
+              <a:avLst/>
+            </a:prstTxWarp>
+            <a:noAutofit/>
+          </a:bodyPr>
+          <a:lstStyle/>
+          <a:p>
+            <a:pPr algn="ctr"/>
+            <a:r>
+              <a:rPr lang="en-CA">
+                <a:solidFill>
+                  <a:schemeClr val="tx1"/>
+                </a:solidFill>
+              </a:rPr>
+              <a:t>G</a:t>
+            </a:r>
+            <a:endParaRPr lang="en-US" dirty="0">
+              <a:solidFill>
+                <a:schemeClr val="tx1"/>
+              </a:solidFill>
+            </a:endParaRPr>
+          </a:p>
+        </p:txBody>
+      </p:sp>
+      <p:sp>
+        <p:nvSpPr>
+          <p:cNvPr id="14" name="椭圆 13">
+            <a:extLst>
+              <a:ext uri="{FF2B5EF4-FFF2-40B4-BE49-F238E27FC236}">
+                <a16:creationId xmlns:a16="http://schemas.microsoft.com/office/drawing/2014/main" id="{16027FF4-857C-4CC1-923E-7CEC3A3A257D}"/>
+              </a:ext>
+            </a:extLst>
+          </p:cNvPr>
+          <p:cNvSpPr/>
+          <p:nvPr/>
+        </p:nvSpPr>
+        <p:spPr>
+          <a:xfrm>
+            <a:off x="2854778" y="1029778"/>
+            <a:ext cx="478971" cy="478971"/>
+          </a:xfrm>
+          <a:prstGeom prst="ellipse">
+            <a:avLst/>
+          </a:prstGeom>
+          <a:solidFill>
+            <a:schemeClr val="bg1"/>
+          </a:solidFill>
+          <a:ln>
+            <a:solidFill>
+              <a:schemeClr val="tx1"/>
+            </a:solidFill>
+          </a:ln>
+        </p:spPr>
+        <p:style>
+          <a:lnRef idx="2">
+            <a:schemeClr val="accent1">
+              <a:shade val="50000"/>
+            </a:schemeClr>
+          </a:lnRef>
+          <a:fillRef idx="1">
+            <a:schemeClr val="accent1"/>
+          </a:fillRef>
+          <a:effectRef idx="0">
+            <a:schemeClr val="accent1"/>
+          </a:effectRef>
+          <a:fontRef idx="minor">
+            <a:schemeClr val="lt1"/>
+          </a:fontRef>
+        </p:style>
+        <p:txBody>
+          <a:bodyPr rot="0" spcFirstLastPara="0" vertOverflow="overflow" horzOverflow="overflow" vert="horz" wrap="square" lIns="91440" tIns="45720" rIns="91440" bIns="45720" numCol="1" spcCol="0" rtlCol="0" fromWordArt="0" anchor="ctr" anchorCtr="0" forceAA="0" compatLnSpc="1">
+            <a:prstTxWarp prst="textNoShape">
+              <a:avLst/>
+            </a:prstTxWarp>
+            <a:noAutofit/>
+          </a:bodyPr>
+          <a:lstStyle/>
+          <a:p>
+            <a:pPr algn="ctr"/>
+            <a:r>
+              <a:rPr lang="en-CA" dirty="0">
+                <a:solidFill>
+                  <a:schemeClr val="tx1"/>
+                </a:solidFill>
+              </a:rPr>
+              <a:t>G</a:t>
+            </a:r>
+            <a:endParaRPr lang="en-US" dirty="0">
+              <a:solidFill>
+                <a:schemeClr val="tx1"/>
+              </a:solidFill>
+            </a:endParaRPr>
+          </a:p>
+        </p:txBody>
+      </p:sp>
+      <p:sp>
+        <p:nvSpPr>
+          <p:cNvPr id="15" name="椭圆 14">
+            <a:extLst>
+              <a:ext uri="{FF2B5EF4-FFF2-40B4-BE49-F238E27FC236}">
+                <a16:creationId xmlns:a16="http://schemas.microsoft.com/office/drawing/2014/main" id="{F0FC1DA4-95F6-47B4-861E-A22C8F86359F}"/>
+              </a:ext>
+            </a:extLst>
+          </p:cNvPr>
+          <p:cNvSpPr/>
+          <p:nvPr/>
+        </p:nvSpPr>
+        <p:spPr>
+          <a:xfrm>
+            <a:off x="4924699" y="900242"/>
+            <a:ext cx="478971" cy="478971"/>
+          </a:xfrm>
+          <a:prstGeom prst="ellipse">
+            <a:avLst/>
+          </a:prstGeom>
+          <a:solidFill>
+            <a:schemeClr val="bg1"/>
+          </a:solidFill>
+          <a:ln>
+            <a:solidFill>
+              <a:schemeClr val="tx1"/>
+            </a:solidFill>
+          </a:ln>
+        </p:spPr>
+        <p:style>
+          <a:lnRef idx="2">
+            <a:schemeClr val="accent1">
+              <a:shade val="50000"/>
+            </a:schemeClr>
+          </a:lnRef>
+          <a:fillRef idx="1">
+            <a:schemeClr val="accent1"/>
+          </a:fillRef>
+          <a:effectRef idx="0">
+            <a:schemeClr val="accent1"/>
+          </a:effectRef>
+          <a:fontRef idx="minor">
+            <a:schemeClr val="lt1"/>
+          </a:fontRef>
+        </p:style>
+        <p:txBody>
+          <a:bodyPr rot="0" spcFirstLastPara="0" vertOverflow="overflow" horzOverflow="overflow" vert="horz" wrap="square" lIns="91440" tIns="45720" rIns="91440" bIns="45720" numCol="1" spcCol="0" rtlCol="0" fromWordArt="0" anchor="ctr" anchorCtr="0" forceAA="0" compatLnSpc="1">
+            <a:prstTxWarp prst="textNoShape">
+              <a:avLst/>
+            </a:prstTxWarp>
+            <a:noAutofit/>
+          </a:bodyPr>
+          <a:lstStyle/>
+          <a:p>
+            <a:pPr algn="ctr"/>
+            <a:r>
+              <a:rPr lang="en-CA" dirty="0">
+                <a:solidFill>
+                  <a:schemeClr val="tx1"/>
+                </a:solidFill>
+              </a:rPr>
+              <a:t>G</a:t>
+            </a:r>
+            <a:endParaRPr lang="en-US" dirty="0">
+              <a:solidFill>
+                <a:schemeClr val="tx1"/>
+              </a:solidFill>
+            </a:endParaRPr>
+          </a:p>
+        </p:txBody>
+      </p:sp>
+      <p:sp>
+        <p:nvSpPr>
+          <p:cNvPr id="16" name="椭圆 15">
+            <a:extLst>
+              <a:ext uri="{FF2B5EF4-FFF2-40B4-BE49-F238E27FC236}">
+                <a16:creationId xmlns:a16="http://schemas.microsoft.com/office/drawing/2014/main" id="{158DF408-4165-47BC-925C-B035070EC2CA}"/>
+              </a:ext>
+            </a:extLst>
+          </p:cNvPr>
+          <p:cNvSpPr/>
+          <p:nvPr/>
+        </p:nvSpPr>
+        <p:spPr>
+          <a:xfrm>
+            <a:off x="4846321" y="1589308"/>
+            <a:ext cx="478971" cy="478971"/>
+          </a:xfrm>
+          <a:prstGeom prst="ellipse">
+            <a:avLst/>
+          </a:prstGeom>
+          <a:solidFill>
+            <a:schemeClr val="tx1">
+              <a:lumMod val="85000"/>
+              <a:lumOff val="15000"/>
+            </a:schemeClr>
+          </a:solidFill>
+        </p:spPr>
+        <p:style>
+          <a:lnRef idx="2">
+            <a:schemeClr val="accent1">
+              <a:shade val="50000"/>
+            </a:schemeClr>
+          </a:lnRef>
+          <a:fillRef idx="1">
+            <a:schemeClr val="accent1"/>
+          </a:fillRef>
+          <a:effectRef idx="0">
+            <a:schemeClr val="accent1"/>
+          </a:effectRef>
+          <a:fontRef idx="minor">
+            <a:schemeClr val="lt1"/>
+          </a:fontRef>
+        </p:style>
+        <p:txBody>
+          <a:bodyPr rot="0" spcFirstLastPara="0" vertOverflow="overflow" horzOverflow="overflow" vert="horz" wrap="square" lIns="91440" tIns="45720" rIns="91440" bIns="45720" numCol="1" spcCol="0" rtlCol="0" fromWordArt="0" anchor="ctr" anchorCtr="0" forceAA="0" compatLnSpc="1">
+            <a:prstTxWarp prst="textNoShape">
+              <a:avLst/>
+            </a:prstTxWarp>
+            <a:noAutofit/>
+          </a:bodyPr>
+          <a:lstStyle/>
+          <a:p>
+            <a:pPr algn="ctr"/>
+            <a:r>
+              <a:rPr lang="en-CA" dirty="0"/>
+              <a:t>R</a:t>
+            </a:r>
+            <a:endParaRPr lang="en-US" dirty="0"/>
+          </a:p>
+        </p:txBody>
+      </p:sp>
+      <p:sp>
+        <p:nvSpPr>
+          <p:cNvPr id="17" name="椭圆 16">
+            <a:extLst>
+              <a:ext uri="{FF2B5EF4-FFF2-40B4-BE49-F238E27FC236}">
+                <a16:creationId xmlns:a16="http://schemas.microsoft.com/office/drawing/2014/main" id="{2CA1BC1C-BF33-4739-8E36-0ABB01481ECE}"/>
+              </a:ext>
+            </a:extLst>
+          </p:cNvPr>
+          <p:cNvSpPr/>
+          <p:nvPr/>
+        </p:nvSpPr>
+        <p:spPr>
+          <a:xfrm>
+            <a:off x="4549866" y="2174784"/>
+            <a:ext cx="478971" cy="478971"/>
+          </a:xfrm>
+          <a:prstGeom prst="ellipse">
+            <a:avLst/>
+          </a:prstGeom>
+          <a:solidFill>
+            <a:schemeClr val="bg1"/>
+          </a:solidFill>
+          <a:ln>
+            <a:solidFill>
+              <a:schemeClr val="tx1"/>
+            </a:solidFill>
+          </a:ln>
+        </p:spPr>
+        <p:style>
+          <a:lnRef idx="2">
+            <a:schemeClr val="accent1">
+              <a:shade val="50000"/>
+            </a:schemeClr>
+          </a:lnRef>
+          <a:fillRef idx="1">
+            <a:schemeClr val="accent1"/>
+          </a:fillRef>
+          <a:effectRef idx="0">
+            <a:schemeClr val="accent1"/>
+          </a:effectRef>
+          <a:fontRef idx="minor">
+            <a:schemeClr val="lt1"/>
+          </a:fontRef>
+        </p:style>
+        <p:txBody>
+          <a:bodyPr rot="0" spcFirstLastPara="0" vertOverflow="overflow" horzOverflow="overflow" vert="horz" wrap="square" lIns="91440" tIns="45720" rIns="91440" bIns="45720" numCol="1" spcCol="0" rtlCol="0" fromWordArt="0" anchor="ctr" anchorCtr="0" forceAA="0" compatLnSpc="1">
+            <a:prstTxWarp prst="textNoShape">
+              <a:avLst/>
+            </a:prstTxWarp>
+            <a:noAutofit/>
+          </a:bodyPr>
+          <a:lstStyle/>
+          <a:p>
+            <a:pPr algn="ctr"/>
+            <a:r>
+              <a:rPr lang="en-CA" dirty="0">
+                <a:solidFill>
+                  <a:schemeClr val="tx1"/>
+                </a:solidFill>
+              </a:rPr>
+              <a:t>G</a:t>
+            </a:r>
+            <a:endParaRPr lang="en-US" dirty="0">
+              <a:solidFill>
+                <a:schemeClr val="tx1"/>
+              </a:solidFill>
+            </a:endParaRPr>
+          </a:p>
+        </p:txBody>
+      </p:sp>
+      <p:sp>
+        <p:nvSpPr>
+          <p:cNvPr id="18" name="云形 17">
+            <a:extLst>
+              <a:ext uri="{FF2B5EF4-FFF2-40B4-BE49-F238E27FC236}">
+                <a16:creationId xmlns:a16="http://schemas.microsoft.com/office/drawing/2014/main" id="{A9731C0B-401D-4176-8F98-4DF1CB59C478}"/>
+              </a:ext>
+            </a:extLst>
+          </p:cNvPr>
+          <p:cNvSpPr/>
+          <p:nvPr/>
+        </p:nvSpPr>
+        <p:spPr>
+          <a:xfrm>
+            <a:off x="5590540" y="923465"/>
+            <a:ext cx="1416234" cy="1920602"/>
+          </a:xfrm>
+          <a:prstGeom prst="cloud">
+            <a:avLst/>
+          </a:prstGeom>
+          <a:solidFill>
+            <a:schemeClr val="bg1"/>
+          </a:solidFill>
+          <a:ln>
+            <a:solidFill>
+              <a:schemeClr val="tx1"/>
+            </a:solidFill>
+          </a:ln>
+        </p:spPr>
+        <p:style>
+          <a:lnRef idx="2">
+            <a:schemeClr val="accent1">
+              <a:shade val="50000"/>
+            </a:schemeClr>
+          </a:lnRef>
+          <a:fillRef idx="1">
+            <a:schemeClr val="accent1"/>
+          </a:fillRef>
+          <a:effectRef idx="0">
+            <a:schemeClr val="accent1"/>
+          </a:effectRef>
+          <a:fontRef idx="minor">
+            <a:schemeClr val="lt1"/>
+          </a:fontRef>
+        </p:style>
+        <p:txBody>
+          <a:bodyPr vert="horz" rtlCol="0" anchor="ctr"/>
+          <a:lstStyle/>
+          <a:p>
+            <a:pPr algn="ctr"/>
+            <a:r>
+              <a:rPr lang="en-CA" dirty="0">
+                <a:solidFill>
+                  <a:schemeClr val="tx1"/>
+                </a:solidFill>
+              </a:rPr>
+              <a:t>Other vertices</a:t>
+            </a:r>
+            <a:endParaRPr lang="en-US" dirty="0">
+              <a:solidFill>
+                <a:schemeClr val="tx1"/>
+              </a:solidFill>
+            </a:endParaRPr>
+          </a:p>
+        </p:txBody>
+      </p:sp>
+      <p:cxnSp>
+        <p:nvCxnSpPr>
+          <p:cNvPr id="45" name="直接连接符 44">
+            <a:extLst>
+              <a:ext uri="{FF2B5EF4-FFF2-40B4-BE49-F238E27FC236}">
+                <a16:creationId xmlns:a16="http://schemas.microsoft.com/office/drawing/2014/main" id="{1036DF45-6443-4482-89DE-0434429558CC}"/>
+              </a:ext>
+            </a:extLst>
+          </p:cNvPr>
+          <p:cNvCxnSpPr>
+            <a:cxnSpLocks/>
+          </p:cNvCxnSpPr>
+          <p:nvPr/>
+        </p:nvCxnSpPr>
+        <p:spPr>
+          <a:xfrm flipV="1">
+            <a:off x="8725625" y="2689654"/>
+            <a:ext cx="1834969" cy="26519"/>
+          </a:xfrm>
+          <a:prstGeom prst="line">
+            <a:avLst/>
+          </a:prstGeom>
+        </p:spPr>
+        <p:style>
+          <a:lnRef idx="1">
+            <a:schemeClr val="dk1"/>
+          </a:lnRef>
+          <a:fillRef idx="0">
+            <a:schemeClr val="dk1"/>
+          </a:fillRef>
+          <a:effectRef idx="0">
+            <a:schemeClr val="dk1"/>
+          </a:effectRef>
+          <a:fontRef idx="minor">
+            <a:schemeClr val="tx1"/>
+          </a:fontRef>
+        </p:style>
+      </p:cxnSp>
+      <p:cxnSp>
+        <p:nvCxnSpPr>
+          <p:cNvPr id="46" name="直接连接符 45">
+            <a:extLst>
+              <a:ext uri="{FF2B5EF4-FFF2-40B4-BE49-F238E27FC236}">
+                <a16:creationId xmlns:a16="http://schemas.microsoft.com/office/drawing/2014/main" id="{B6A853C7-AF97-4F99-9E05-07EE23F876E2}"/>
+              </a:ext>
+            </a:extLst>
+          </p:cNvPr>
+          <p:cNvCxnSpPr>
+            <a:cxnSpLocks/>
+          </p:cNvCxnSpPr>
+          <p:nvPr/>
+        </p:nvCxnSpPr>
+        <p:spPr>
+          <a:xfrm flipV="1">
+            <a:off x="9695905" y="1446885"/>
+            <a:ext cx="1032692" cy="424891"/>
+          </a:xfrm>
+          <a:prstGeom prst="line">
+            <a:avLst/>
+          </a:prstGeom>
+        </p:spPr>
+        <p:style>
+          <a:lnRef idx="1">
+            <a:schemeClr val="dk1"/>
+          </a:lnRef>
+          <a:fillRef idx="0">
+            <a:schemeClr val="dk1"/>
+          </a:fillRef>
+          <a:effectRef idx="0">
+            <a:schemeClr val="dk1"/>
+          </a:effectRef>
+          <a:fontRef idx="minor">
+            <a:schemeClr val="tx1"/>
+          </a:fontRef>
+        </p:style>
+      </p:cxnSp>
+      <p:cxnSp>
+        <p:nvCxnSpPr>
+          <p:cNvPr id="47" name="直接连接符 46">
+            <a:extLst>
+              <a:ext uri="{FF2B5EF4-FFF2-40B4-BE49-F238E27FC236}">
+                <a16:creationId xmlns:a16="http://schemas.microsoft.com/office/drawing/2014/main" id="{31E9FF46-250B-4C24-AB45-1B9AB4588A09}"/>
+              </a:ext>
+            </a:extLst>
+          </p:cNvPr>
+          <p:cNvCxnSpPr>
+            <a:cxnSpLocks/>
+          </p:cNvCxnSpPr>
+          <p:nvPr/>
+        </p:nvCxnSpPr>
+        <p:spPr>
+          <a:xfrm flipH="1">
+            <a:off x="8725626" y="2401191"/>
+            <a:ext cx="640079" cy="314982"/>
+          </a:xfrm>
+          <a:prstGeom prst="line">
+            <a:avLst/>
+          </a:prstGeom>
+          <a:ln w="44450" cap="rnd"/>
+        </p:spPr>
+        <p:style>
+          <a:lnRef idx="1">
+            <a:schemeClr val="dk1"/>
+          </a:lnRef>
+          <a:fillRef idx="0">
+            <a:schemeClr val="dk1"/>
+          </a:fillRef>
+          <a:effectRef idx="0">
+            <a:schemeClr val="dk1"/>
+          </a:effectRef>
+          <a:fontRef idx="minor">
+            <a:schemeClr val="tx1"/>
+          </a:fontRef>
+        </p:style>
+      </p:cxnSp>
+      <p:cxnSp>
+        <p:nvCxnSpPr>
+          <p:cNvPr id="48" name="直接连接符 47">
+            <a:extLst>
+              <a:ext uri="{FF2B5EF4-FFF2-40B4-BE49-F238E27FC236}">
+                <a16:creationId xmlns:a16="http://schemas.microsoft.com/office/drawing/2014/main" id="{132CB718-165A-4812-8C48-7715F0480D01}"/>
+              </a:ext>
+            </a:extLst>
+          </p:cNvPr>
+          <p:cNvCxnSpPr>
+            <a:cxnSpLocks/>
+          </p:cNvCxnSpPr>
+          <p:nvPr/>
+        </p:nvCxnSpPr>
+        <p:spPr>
+          <a:xfrm>
+            <a:off x="7910103" y="2476687"/>
+            <a:ext cx="815522" cy="239486"/>
+          </a:xfrm>
+          <a:prstGeom prst="line">
+            <a:avLst/>
+          </a:prstGeom>
+        </p:spPr>
+        <p:style>
+          <a:lnRef idx="1">
+            <a:schemeClr val="dk1"/>
+          </a:lnRef>
+          <a:fillRef idx="0">
+            <a:schemeClr val="dk1"/>
+          </a:fillRef>
+          <a:effectRef idx="0">
+            <a:schemeClr val="dk1"/>
+          </a:effectRef>
+          <a:fontRef idx="minor">
+            <a:schemeClr val="tx1"/>
+          </a:fontRef>
+        </p:style>
+      </p:cxnSp>
+      <p:cxnSp>
+        <p:nvCxnSpPr>
+          <p:cNvPr id="49" name="直接连接符 48">
+            <a:extLst>
+              <a:ext uri="{FF2B5EF4-FFF2-40B4-BE49-F238E27FC236}">
+                <a16:creationId xmlns:a16="http://schemas.microsoft.com/office/drawing/2014/main" id="{BB801179-A9C3-46CF-990C-C612E895AA59}"/>
+              </a:ext>
+            </a:extLst>
+          </p:cNvPr>
+          <p:cNvCxnSpPr>
+            <a:cxnSpLocks/>
+          </p:cNvCxnSpPr>
+          <p:nvPr/>
+        </p:nvCxnSpPr>
+        <p:spPr>
+          <a:xfrm flipH="1" flipV="1">
+            <a:off x="7670617" y="1269263"/>
+            <a:ext cx="248197" cy="1207425"/>
+          </a:xfrm>
+          <a:prstGeom prst="line">
+            <a:avLst/>
+          </a:prstGeom>
+        </p:spPr>
+        <p:style>
+          <a:lnRef idx="1">
+            <a:schemeClr val="dk1"/>
+          </a:lnRef>
+          <a:fillRef idx="0">
+            <a:schemeClr val="dk1"/>
+          </a:fillRef>
+          <a:effectRef idx="0">
+            <a:schemeClr val="dk1"/>
+          </a:effectRef>
+          <a:fontRef idx="minor">
+            <a:schemeClr val="tx1"/>
+          </a:fontRef>
+        </p:style>
+      </p:cxnSp>
+      <p:cxnSp>
+        <p:nvCxnSpPr>
+          <p:cNvPr id="50" name="直接连接符 49">
+            <a:extLst>
+              <a:ext uri="{FF2B5EF4-FFF2-40B4-BE49-F238E27FC236}">
+                <a16:creationId xmlns:a16="http://schemas.microsoft.com/office/drawing/2014/main" id="{814DEDED-0800-4856-AE68-19EDEF1FC268}"/>
+              </a:ext>
+            </a:extLst>
+          </p:cNvPr>
+          <p:cNvCxnSpPr>
+            <a:cxnSpLocks/>
+          </p:cNvCxnSpPr>
+          <p:nvPr/>
+        </p:nvCxnSpPr>
+        <p:spPr>
+          <a:xfrm flipV="1">
+            <a:off x="7670617" y="1133733"/>
+            <a:ext cx="2069921" cy="135895"/>
+          </a:xfrm>
+          <a:prstGeom prst="line">
+            <a:avLst/>
+          </a:prstGeom>
+        </p:spPr>
+        <p:style>
+          <a:lnRef idx="1">
+            <a:schemeClr val="dk1"/>
+          </a:lnRef>
+          <a:fillRef idx="0">
+            <a:schemeClr val="dk1"/>
+          </a:fillRef>
+          <a:effectRef idx="0">
+            <a:schemeClr val="dk1"/>
+          </a:effectRef>
+          <a:fontRef idx="minor">
+            <a:schemeClr val="tx1"/>
+          </a:fontRef>
+        </p:style>
+      </p:cxnSp>
+      <p:cxnSp>
+        <p:nvCxnSpPr>
+          <p:cNvPr id="51" name="直接连接符 50">
+            <a:extLst>
+              <a:ext uri="{FF2B5EF4-FFF2-40B4-BE49-F238E27FC236}">
+                <a16:creationId xmlns:a16="http://schemas.microsoft.com/office/drawing/2014/main" id="{E3695BAF-9341-40E1-B250-7720C72824C8}"/>
+              </a:ext>
+            </a:extLst>
+          </p:cNvPr>
+          <p:cNvCxnSpPr>
+            <a:cxnSpLocks/>
+          </p:cNvCxnSpPr>
+          <p:nvPr/>
+        </p:nvCxnSpPr>
+        <p:spPr>
+          <a:xfrm flipH="1">
+            <a:off x="9695905" y="1133732"/>
+            <a:ext cx="44633" cy="738044"/>
+          </a:xfrm>
+          <a:prstGeom prst="line">
+            <a:avLst/>
+          </a:prstGeom>
+        </p:spPr>
+        <p:style>
+          <a:lnRef idx="1">
+            <a:schemeClr val="dk1"/>
+          </a:lnRef>
+          <a:fillRef idx="0">
+            <a:schemeClr val="dk1"/>
+          </a:fillRef>
+          <a:effectRef idx="0">
+            <a:schemeClr val="dk1"/>
+          </a:effectRef>
+          <a:fontRef idx="minor">
+            <a:schemeClr val="tx1"/>
+          </a:fontRef>
+        </p:style>
+      </p:cxnSp>
+      <p:cxnSp>
+        <p:nvCxnSpPr>
+          <p:cNvPr id="52" name="直接连接符 51">
+            <a:extLst>
+              <a:ext uri="{FF2B5EF4-FFF2-40B4-BE49-F238E27FC236}">
+                <a16:creationId xmlns:a16="http://schemas.microsoft.com/office/drawing/2014/main" id="{AD8BD7B4-E4C5-440C-82FF-443EA8774C3B}"/>
+              </a:ext>
+            </a:extLst>
+          </p:cNvPr>
+          <p:cNvCxnSpPr>
+            <a:cxnSpLocks/>
+          </p:cNvCxnSpPr>
+          <p:nvPr/>
+        </p:nvCxnSpPr>
+        <p:spPr>
+          <a:xfrm flipH="1">
+            <a:off x="9365705" y="1871776"/>
+            <a:ext cx="330200" cy="529415"/>
+          </a:xfrm>
+          <a:prstGeom prst="line">
+            <a:avLst/>
+          </a:prstGeom>
+          <a:ln w="44450" cap="rnd"/>
+        </p:spPr>
+        <p:style>
+          <a:lnRef idx="1">
+            <a:schemeClr val="dk1"/>
+          </a:lnRef>
+          <a:fillRef idx="0">
+            <a:schemeClr val="dk1"/>
+          </a:fillRef>
+          <a:effectRef idx="0">
+            <a:schemeClr val="dk1"/>
+          </a:effectRef>
+          <a:fontRef idx="minor">
+            <a:schemeClr val="tx1"/>
+          </a:fontRef>
+        </p:style>
+      </p:cxnSp>
+      <p:sp>
+        <p:nvSpPr>
+          <p:cNvPr id="53" name="椭圆 52">
+            <a:extLst>
+              <a:ext uri="{FF2B5EF4-FFF2-40B4-BE49-F238E27FC236}">
+                <a16:creationId xmlns:a16="http://schemas.microsoft.com/office/drawing/2014/main" id="{A37B1C98-61B7-4444-B669-13DF96C4AE52}"/>
+              </a:ext>
+            </a:extLst>
+          </p:cNvPr>
+          <p:cNvSpPr/>
+          <p:nvPr/>
+        </p:nvSpPr>
+        <p:spPr>
+          <a:xfrm>
+            <a:off x="8486140" y="2476688"/>
+            <a:ext cx="478971" cy="478971"/>
+          </a:xfrm>
+          <a:prstGeom prst="ellipse">
+            <a:avLst/>
+          </a:prstGeom>
+          <a:solidFill>
+            <a:schemeClr val="tx1">
+              <a:lumMod val="85000"/>
+              <a:lumOff val="15000"/>
+            </a:schemeClr>
+          </a:solidFill>
+        </p:spPr>
+        <p:style>
+          <a:lnRef idx="2">
+            <a:schemeClr val="accent1">
+              <a:shade val="50000"/>
+            </a:schemeClr>
+          </a:lnRef>
+          <a:fillRef idx="1">
+            <a:schemeClr val="accent1"/>
+          </a:fillRef>
+          <a:effectRef idx="0">
+            <a:schemeClr val="accent1"/>
+          </a:effectRef>
+          <a:fontRef idx="minor">
+            <a:schemeClr val="lt1"/>
+          </a:fontRef>
+        </p:style>
+        <p:txBody>
+          <a:bodyPr rtlCol="0" anchor="ctr"/>
+          <a:lstStyle/>
+          <a:p>
+            <a:pPr algn="ctr"/>
+            <a:r>
+              <a:rPr lang="en-CA" dirty="0"/>
+              <a:t>R</a:t>
+            </a:r>
+            <a:endParaRPr lang="en-US" dirty="0"/>
+          </a:p>
+        </p:txBody>
+      </p:sp>
+      <p:sp>
+        <p:nvSpPr>
+          <p:cNvPr id="57" name="椭圆 56">
+            <a:extLst>
+              <a:ext uri="{FF2B5EF4-FFF2-40B4-BE49-F238E27FC236}">
+                <a16:creationId xmlns:a16="http://schemas.microsoft.com/office/drawing/2014/main" id="{20627F29-57C2-488E-84B7-6AA51FA44DA5}"/>
+              </a:ext>
+            </a:extLst>
+          </p:cNvPr>
+          <p:cNvSpPr/>
+          <p:nvPr/>
+        </p:nvSpPr>
+        <p:spPr>
+          <a:xfrm>
+            <a:off x="9422675" y="1583313"/>
+            <a:ext cx="478971" cy="478971"/>
+          </a:xfrm>
+          <a:prstGeom prst="ellipse">
+            <a:avLst/>
+          </a:prstGeom>
+          <a:solidFill>
+            <a:schemeClr val="tx1">
+              <a:lumMod val="85000"/>
+              <a:lumOff val="15000"/>
+            </a:schemeClr>
+          </a:solidFill>
+        </p:spPr>
+        <p:style>
+          <a:lnRef idx="2">
+            <a:schemeClr val="accent1">
+              <a:shade val="50000"/>
+            </a:schemeClr>
+          </a:lnRef>
+          <a:fillRef idx="1">
+            <a:schemeClr val="accent1"/>
+          </a:fillRef>
+          <a:effectRef idx="0">
+            <a:schemeClr val="accent1"/>
+          </a:effectRef>
+          <a:fontRef idx="minor">
+            <a:schemeClr val="lt1"/>
+          </a:fontRef>
+        </p:style>
+        <p:txBody>
+          <a:bodyPr rot="0" spcFirstLastPara="0" vertOverflow="overflow" horzOverflow="overflow" vert="horz" wrap="square" lIns="91440" tIns="45720" rIns="91440" bIns="45720" numCol="1" spcCol="0" rtlCol="0" fromWordArt="0" anchor="ctr" anchorCtr="0" forceAA="0" compatLnSpc="1">
+            <a:prstTxWarp prst="textNoShape">
+              <a:avLst/>
+            </a:prstTxWarp>
+            <a:noAutofit/>
+          </a:bodyPr>
+          <a:lstStyle/>
+          <a:p>
+            <a:pPr algn="ctr"/>
+            <a:r>
+              <a:rPr lang="en-CA" dirty="0"/>
+              <a:t>R</a:t>
+            </a:r>
+            <a:endParaRPr lang="en-US" dirty="0"/>
+          </a:p>
+        </p:txBody>
+      </p:sp>
+      <p:sp>
+        <p:nvSpPr>
+          <p:cNvPr id="59" name="云形 58">
+            <a:extLst>
+              <a:ext uri="{FF2B5EF4-FFF2-40B4-BE49-F238E27FC236}">
+                <a16:creationId xmlns:a16="http://schemas.microsoft.com/office/drawing/2014/main" id="{1E396022-F5D5-4C10-9ADB-E7F5C4775AD1}"/>
+              </a:ext>
+            </a:extLst>
+          </p:cNvPr>
+          <p:cNvSpPr/>
+          <p:nvPr/>
+        </p:nvSpPr>
+        <p:spPr>
+          <a:xfrm>
+            <a:off x="10166894" y="917470"/>
+            <a:ext cx="1416234" cy="1920602"/>
+          </a:xfrm>
+          <a:prstGeom prst="cloud">
+            <a:avLst/>
+          </a:prstGeom>
+          <a:solidFill>
+            <a:schemeClr val="bg1"/>
+          </a:solidFill>
+          <a:ln>
+            <a:solidFill>
+              <a:schemeClr val="tx1"/>
+            </a:solidFill>
+          </a:ln>
+        </p:spPr>
+        <p:style>
+          <a:lnRef idx="2">
+            <a:schemeClr val="accent1">
+              <a:shade val="50000"/>
+            </a:schemeClr>
+          </a:lnRef>
+          <a:fillRef idx="1">
+            <a:schemeClr val="accent1"/>
+          </a:fillRef>
+          <a:effectRef idx="0">
+            <a:schemeClr val="accent1"/>
+          </a:effectRef>
+          <a:fontRef idx="minor">
+            <a:schemeClr val="lt1"/>
+          </a:fontRef>
+        </p:style>
+        <p:txBody>
+          <a:bodyPr vert="horz" rtlCol="0" anchor="ctr"/>
+          <a:lstStyle/>
+          <a:p>
+            <a:pPr algn="ctr"/>
+            <a:r>
+              <a:rPr lang="en-CA" dirty="0">
+                <a:solidFill>
+                  <a:schemeClr val="tx1"/>
+                </a:solidFill>
+              </a:rPr>
+              <a:t>Other vertices</a:t>
+            </a:r>
+            <a:endParaRPr lang="en-US" dirty="0">
+              <a:solidFill>
+                <a:schemeClr val="tx1"/>
+              </a:solidFill>
+            </a:endParaRPr>
+          </a:p>
+        </p:txBody>
+      </p:sp>
+    </p:spTree>
+    <p:extLst>
+      <p:ext uri="{BB962C8B-B14F-4D97-AF65-F5344CB8AC3E}">
+        <p14:creationId xmlns:p14="http://schemas.microsoft.com/office/powerpoint/2010/main" val="2968444247"/>
+      </p:ext>
+    </p:extLst>
+  </p:cSld>
+  <p:clrMapOvr>
+    <a:masterClrMapping/>
+  </p:clrMapOvr>
+</p:sld>
+</file>
+
+<file path=ppt/slides/slide6.xml><?xml version="1.0" encoding="utf-8"?>
+<p:sld xmlns:a="http://schemas.openxmlformats.org/drawingml/2006/main" xmlns:r="http://schemas.openxmlformats.org/officeDocument/2006/relationships" xmlns:p="http://schemas.openxmlformats.org/presentationml/2006/main">
+  <p:cSld>
+    <p:spTree>
+      <p:nvGrpSpPr>
+        <p:cNvPr id="1" name=""/>
+        <p:cNvGrpSpPr/>
+        <p:nvPr/>
+      </p:nvGrpSpPr>
+      <p:grpSpPr>
+        <a:xfrm>
+          <a:off x="0" y="0"/>
+          <a:ext cx="0" cy="0"/>
+          <a:chOff x="0" y="0"/>
+          <a:chExt cx="0" cy="0"/>
+        </a:xfrm>
+      </p:grpSpPr>
+      <p:cxnSp>
+        <p:nvCxnSpPr>
+          <p:cNvPr id="4" name="直接连接符 3">
+            <a:extLst>
+              <a:ext uri="{FF2B5EF4-FFF2-40B4-BE49-F238E27FC236}">
+                <a16:creationId xmlns:a16="http://schemas.microsoft.com/office/drawing/2014/main" id="{DBBC9F41-D264-4C11-BA03-4110E35A3BBA}"/>
+              </a:ext>
+            </a:extLst>
+          </p:cNvPr>
+          <p:cNvCxnSpPr>
+            <a:cxnSpLocks/>
+          </p:cNvCxnSpPr>
+          <p:nvPr/>
+        </p:nvCxnSpPr>
+        <p:spPr>
+          <a:xfrm flipV="1">
+            <a:off x="4149271" y="2695649"/>
+            <a:ext cx="1834969" cy="26519"/>
+          </a:xfrm>
+          <a:prstGeom prst="line">
+            <a:avLst/>
+          </a:prstGeom>
+        </p:spPr>
+        <p:style>
+          <a:lnRef idx="1">
+            <a:schemeClr val="dk1"/>
+          </a:lnRef>
+          <a:fillRef idx="0">
+            <a:schemeClr val="dk1"/>
+          </a:fillRef>
+          <a:effectRef idx="0">
+            <a:schemeClr val="dk1"/>
+          </a:effectRef>
+          <a:fontRef idx="minor">
+            <a:schemeClr val="tx1"/>
+          </a:fontRef>
+        </p:style>
+      </p:cxnSp>
+      <p:cxnSp>
+        <p:nvCxnSpPr>
+          <p:cNvPr id="5" name="直接连接符 4">
+            <a:extLst>
+              <a:ext uri="{FF2B5EF4-FFF2-40B4-BE49-F238E27FC236}">
+                <a16:creationId xmlns:a16="http://schemas.microsoft.com/office/drawing/2014/main" id="{AB2CCEFE-C70E-4ADC-BBBD-D72D963A29CB}"/>
+              </a:ext>
+            </a:extLst>
+          </p:cNvPr>
+          <p:cNvCxnSpPr>
+            <a:cxnSpLocks/>
+          </p:cNvCxnSpPr>
+          <p:nvPr/>
+        </p:nvCxnSpPr>
+        <p:spPr>
+          <a:xfrm flipV="1">
+            <a:off x="5119551" y="1452880"/>
+            <a:ext cx="1032692" cy="424891"/>
+          </a:xfrm>
+          <a:prstGeom prst="line">
+            <a:avLst/>
+          </a:prstGeom>
+        </p:spPr>
+        <p:style>
+          <a:lnRef idx="1">
+            <a:schemeClr val="dk1"/>
+          </a:lnRef>
+          <a:fillRef idx="0">
+            <a:schemeClr val="dk1"/>
+          </a:fillRef>
+          <a:effectRef idx="0">
+            <a:schemeClr val="dk1"/>
+          </a:effectRef>
+          <a:fontRef idx="minor">
+            <a:schemeClr val="tx1"/>
+          </a:fontRef>
+        </p:style>
+      </p:cxnSp>
+      <p:cxnSp>
+        <p:nvCxnSpPr>
+          <p:cNvPr id="6" name="直接连接符 5">
+            <a:extLst>
+              <a:ext uri="{FF2B5EF4-FFF2-40B4-BE49-F238E27FC236}">
+                <a16:creationId xmlns:a16="http://schemas.microsoft.com/office/drawing/2014/main" id="{EC968A0C-B878-48FB-98DD-9C31E12A15E9}"/>
+              </a:ext>
+            </a:extLst>
+          </p:cNvPr>
+          <p:cNvCxnSpPr>
+            <a:cxnSpLocks/>
+          </p:cNvCxnSpPr>
+          <p:nvPr/>
+        </p:nvCxnSpPr>
+        <p:spPr>
+          <a:xfrm flipH="1">
+            <a:off x="4149271" y="2407183"/>
+            <a:ext cx="640081" cy="314985"/>
+          </a:xfrm>
+          <a:prstGeom prst="line">
+            <a:avLst/>
+          </a:prstGeom>
+        </p:spPr>
+        <p:style>
+          <a:lnRef idx="1">
+            <a:schemeClr val="dk1"/>
+          </a:lnRef>
+          <a:fillRef idx="0">
+            <a:schemeClr val="dk1"/>
+          </a:fillRef>
+          <a:effectRef idx="0">
+            <a:schemeClr val="dk1"/>
+          </a:effectRef>
+          <a:fontRef idx="minor">
+            <a:schemeClr val="tx1"/>
+          </a:fontRef>
+        </p:style>
+      </p:cxnSp>
+      <p:cxnSp>
+        <p:nvCxnSpPr>
+          <p:cNvPr id="7" name="直接连接符 6">
+            <a:extLst>
+              <a:ext uri="{FF2B5EF4-FFF2-40B4-BE49-F238E27FC236}">
+                <a16:creationId xmlns:a16="http://schemas.microsoft.com/office/drawing/2014/main" id="{531E76D6-27F9-46D2-9790-1CC51F250FF5}"/>
+              </a:ext>
+            </a:extLst>
+          </p:cNvPr>
+          <p:cNvCxnSpPr>
+            <a:cxnSpLocks/>
+          </p:cNvCxnSpPr>
+          <p:nvPr/>
+        </p:nvCxnSpPr>
+        <p:spPr>
+          <a:xfrm>
+            <a:off x="3333749" y="2482682"/>
+            <a:ext cx="815522" cy="239486"/>
+          </a:xfrm>
+          <a:prstGeom prst="line">
+            <a:avLst/>
+          </a:prstGeom>
+        </p:spPr>
+        <p:style>
+          <a:lnRef idx="1">
+            <a:schemeClr val="dk1"/>
+          </a:lnRef>
+          <a:fillRef idx="0">
+            <a:schemeClr val="dk1"/>
+          </a:fillRef>
+          <a:effectRef idx="0">
+            <a:schemeClr val="dk1"/>
+          </a:effectRef>
+          <a:fontRef idx="minor">
+            <a:schemeClr val="tx1"/>
+          </a:fontRef>
+        </p:style>
+      </p:cxnSp>
+      <p:cxnSp>
+        <p:nvCxnSpPr>
+          <p:cNvPr id="8" name="直接连接符 7">
+            <a:extLst>
+              <a:ext uri="{FF2B5EF4-FFF2-40B4-BE49-F238E27FC236}">
+                <a16:creationId xmlns:a16="http://schemas.microsoft.com/office/drawing/2014/main" id="{6EC3C086-0E1A-4958-B48E-392FB834CD8C}"/>
+              </a:ext>
+            </a:extLst>
+          </p:cNvPr>
+          <p:cNvCxnSpPr>
+            <a:cxnSpLocks/>
+          </p:cNvCxnSpPr>
+          <p:nvPr/>
+        </p:nvCxnSpPr>
+        <p:spPr>
+          <a:xfrm flipH="1" flipV="1">
+            <a:off x="3108598" y="1269263"/>
+            <a:ext cx="233861" cy="1213420"/>
+          </a:xfrm>
+          <a:prstGeom prst="line">
+            <a:avLst/>
+          </a:prstGeom>
+        </p:spPr>
+        <p:style>
+          <a:lnRef idx="1">
+            <a:schemeClr val="dk1"/>
+          </a:lnRef>
+          <a:fillRef idx="0">
+            <a:schemeClr val="dk1"/>
+          </a:fillRef>
+          <a:effectRef idx="0">
+            <a:schemeClr val="dk1"/>
+          </a:effectRef>
+          <a:fontRef idx="minor">
+            <a:schemeClr val="tx1"/>
+          </a:fontRef>
+        </p:style>
+      </p:cxnSp>
+      <p:cxnSp>
+        <p:nvCxnSpPr>
+          <p:cNvPr id="9" name="直接连接符 8">
+            <a:extLst>
+              <a:ext uri="{FF2B5EF4-FFF2-40B4-BE49-F238E27FC236}">
+                <a16:creationId xmlns:a16="http://schemas.microsoft.com/office/drawing/2014/main" id="{3A6D7C91-9A67-4700-8A9B-947E65E0A888}"/>
+              </a:ext>
+            </a:extLst>
+          </p:cNvPr>
+          <p:cNvCxnSpPr>
+            <a:cxnSpLocks/>
+          </p:cNvCxnSpPr>
+          <p:nvPr/>
+        </p:nvCxnSpPr>
+        <p:spPr>
+          <a:xfrm flipV="1">
+            <a:off x="3094263" y="1139728"/>
+            <a:ext cx="2069921" cy="135895"/>
+          </a:xfrm>
+          <a:prstGeom prst="line">
+            <a:avLst/>
+          </a:prstGeom>
+        </p:spPr>
+        <p:style>
+          <a:lnRef idx="1">
+            <a:schemeClr val="dk1"/>
+          </a:lnRef>
+          <a:fillRef idx="0">
+            <a:schemeClr val="dk1"/>
+          </a:fillRef>
+          <a:effectRef idx="0">
+            <a:schemeClr val="dk1"/>
+          </a:effectRef>
+          <a:fontRef idx="minor">
+            <a:schemeClr val="tx1"/>
+          </a:fontRef>
+        </p:style>
+      </p:cxnSp>
+      <p:cxnSp>
+        <p:nvCxnSpPr>
+          <p:cNvPr id="10" name="直接连接符 9">
+            <a:extLst>
+              <a:ext uri="{FF2B5EF4-FFF2-40B4-BE49-F238E27FC236}">
+                <a16:creationId xmlns:a16="http://schemas.microsoft.com/office/drawing/2014/main" id="{54BFC854-C0E3-44EA-95BE-3ED2E816DBFC}"/>
+              </a:ext>
+            </a:extLst>
+          </p:cNvPr>
+          <p:cNvCxnSpPr>
+            <a:cxnSpLocks/>
+          </p:cNvCxnSpPr>
+          <p:nvPr/>
+        </p:nvCxnSpPr>
+        <p:spPr>
+          <a:xfrm flipH="1">
+            <a:off x="5119551" y="1139727"/>
+            <a:ext cx="44633" cy="738044"/>
+          </a:xfrm>
+          <a:prstGeom prst="line">
+            <a:avLst/>
+          </a:prstGeom>
+        </p:spPr>
+        <p:style>
+          <a:lnRef idx="1">
+            <a:schemeClr val="dk1"/>
+          </a:lnRef>
+          <a:fillRef idx="0">
+            <a:schemeClr val="dk1"/>
+          </a:fillRef>
+          <a:effectRef idx="0">
+            <a:schemeClr val="dk1"/>
+          </a:effectRef>
+          <a:fontRef idx="minor">
+            <a:schemeClr val="tx1"/>
+          </a:fontRef>
+        </p:style>
+      </p:cxnSp>
+      <p:cxnSp>
+        <p:nvCxnSpPr>
+          <p:cNvPr id="11" name="直接连接符 10">
+            <a:extLst>
+              <a:ext uri="{FF2B5EF4-FFF2-40B4-BE49-F238E27FC236}">
+                <a16:creationId xmlns:a16="http://schemas.microsoft.com/office/drawing/2014/main" id="{2FF4ADA7-1DF0-4498-AFCA-9D72CD91AD61}"/>
+              </a:ext>
+            </a:extLst>
+          </p:cNvPr>
+          <p:cNvCxnSpPr>
+            <a:cxnSpLocks/>
+          </p:cNvCxnSpPr>
+          <p:nvPr/>
+        </p:nvCxnSpPr>
+        <p:spPr>
+          <a:xfrm flipH="1">
+            <a:off x="4789351" y="1877771"/>
+            <a:ext cx="330200" cy="529415"/>
+          </a:xfrm>
+          <a:prstGeom prst="line">
+            <a:avLst/>
+          </a:prstGeom>
+        </p:spPr>
+        <p:style>
+          <a:lnRef idx="1">
+            <a:schemeClr val="dk1"/>
+          </a:lnRef>
+          <a:fillRef idx="0">
+            <a:schemeClr val="dk1"/>
+          </a:fillRef>
+          <a:effectRef idx="0">
+            <a:schemeClr val="dk1"/>
+          </a:effectRef>
+          <a:fontRef idx="minor">
+            <a:schemeClr val="tx1"/>
+          </a:fontRef>
+        </p:style>
+      </p:cxnSp>
+      <p:sp>
+        <p:nvSpPr>
+          <p:cNvPr id="12" name="椭圆 11">
+            <a:extLst>
+              <a:ext uri="{FF2B5EF4-FFF2-40B4-BE49-F238E27FC236}">
+                <a16:creationId xmlns:a16="http://schemas.microsoft.com/office/drawing/2014/main" id="{50E7882E-8152-4E7A-B57B-C1CE373E6169}"/>
+              </a:ext>
+            </a:extLst>
+          </p:cNvPr>
+          <p:cNvSpPr/>
+          <p:nvPr/>
+        </p:nvSpPr>
+        <p:spPr>
+          <a:xfrm>
+            <a:off x="3909786" y="2482683"/>
+            <a:ext cx="478971" cy="478971"/>
+          </a:xfrm>
+          <a:prstGeom prst="ellipse">
+            <a:avLst/>
+          </a:prstGeom>
+          <a:solidFill>
+            <a:schemeClr val="tx1">
+              <a:lumMod val="85000"/>
+              <a:lumOff val="15000"/>
+            </a:schemeClr>
+          </a:solidFill>
+        </p:spPr>
+        <p:style>
+          <a:lnRef idx="2">
+            <a:schemeClr val="accent1">
+              <a:shade val="50000"/>
+            </a:schemeClr>
+          </a:lnRef>
+          <a:fillRef idx="1">
+            <a:schemeClr val="accent1"/>
+          </a:fillRef>
+          <a:effectRef idx="0">
+            <a:schemeClr val="accent1"/>
+          </a:effectRef>
+          <a:fontRef idx="minor">
+            <a:schemeClr val="lt1"/>
+          </a:fontRef>
+        </p:style>
+        <p:txBody>
+          <a:bodyPr rtlCol="0" anchor="ctr"/>
+          <a:lstStyle/>
+          <a:p>
+            <a:pPr algn="ctr"/>
+            <a:r>
+              <a:rPr lang="en-CA" dirty="0"/>
+              <a:t>R</a:t>
+            </a:r>
+            <a:endParaRPr lang="en-US" dirty="0"/>
+          </a:p>
+        </p:txBody>
+      </p:sp>
+      <p:sp>
+        <p:nvSpPr>
+          <p:cNvPr id="16" name="椭圆 15">
+            <a:extLst>
+              <a:ext uri="{FF2B5EF4-FFF2-40B4-BE49-F238E27FC236}">
+                <a16:creationId xmlns:a16="http://schemas.microsoft.com/office/drawing/2014/main" id="{158DF408-4165-47BC-925C-B035070EC2CA}"/>
+              </a:ext>
+            </a:extLst>
+          </p:cNvPr>
+          <p:cNvSpPr/>
+          <p:nvPr/>
+        </p:nvSpPr>
+        <p:spPr>
+          <a:xfrm>
+            <a:off x="4846321" y="1589308"/>
+            <a:ext cx="478971" cy="478971"/>
+          </a:xfrm>
+          <a:prstGeom prst="ellipse">
+            <a:avLst/>
+          </a:prstGeom>
+          <a:solidFill>
+            <a:schemeClr val="tx1">
+              <a:lumMod val="85000"/>
+              <a:lumOff val="15000"/>
+            </a:schemeClr>
+          </a:solidFill>
+        </p:spPr>
+        <p:style>
+          <a:lnRef idx="2">
+            <a:schemeClr val="accent1">
+              <a:shade val="50000"/>
+            </a:schemeClr>
+          </a:lnRef>
+          <a:fillRef idx="1">
+            <a:schemeClr val="accent1"/>
+          </a:fillRef>
+          <a:effectRef idx="0">
+            <a:schemeClr val="accent1"/>
+          </a:effectRef>
+          <a:fontRef idx="minor">
+            <a:schemeClr val="lt1"/>
+          </a:fontRef>
+        </p:style>
+        <p:txBody>
+          <a:bodyPr rot="0" spcFirstLastPara="0" vertOverflow="overflow" horzOverflow="overflow" vert="horz" wrap="square" lIns="91440" tIns="45720" rIns="91440" bIns="45720" numCol="1" spcCol="0" rtlCol="0" fromWordArt="0" anchor="ctr" anchorCtr="0" forceAA="0" compatLnSpc="1">
+            <a:prstTxWarp prst="textNoShape">
+              <a:avLst/>
+            </a:prstTxWarp>
+            <a:noAutofit/>
+          </a:bodyPr>
+          <a:lstStyle/>
+          <a:p>
+            <a:pPr algn="ctr"/>
+            <a:r>
+              <a:rPr lang="en-CA" dirty="0"/>
+              <a:t>R</a:t>
+            </a:r>
+            <a:endParaRPr lang="en-US" dirty="0"/>
+          </a:p>
+        </p:txBody>
+      </p:sp>
+      <p:sp>
+        <p:nvSpPr>
+          <p:cNvPr id="18" name="云形 17">
+            <a:extLst>
+              <a:ext uri="{FF2B5EF4-FFF2-40B4-BE49-F238E27FC236}">
+                <a16:creationId xmlns:a16="http://schemas.microsoft.com/office/drawing/2014/main" id="{A9731C0B-401D-4176-8F98-4DF1CB59C478}"/>
+              </a:ext>
+            </a:extLst>
+          </p:cNvPr>
+          <p:cNvSpPr/>
+          <p:nvPr/>
+        </p:nvSpPr>
+        <p:spPr>
+          <a:xfrm>
+            <a:off x="5590540" y="923465"/>
+            <a:ext cx="1416234" cy="1920602"/>
+          </a:xfrm>
+          <a:prstGeom prst="cloud">
+            <a:avLst/>
+          </a:prstGeom>
+          <a:solidFill>
+            <a:schemeClr val="bg1"/>
+          </a:solidFill>
+          <a:ln>
+            <a:solidFill>
+              <a:schemeClr val="tx1"/>
+            </a:solidFill>
+          </a:ln>
+        </p:spPr>
+        <p:style>
+          <a:lnRef idx="2">
+            <a:schemeClr val="accent1">
+              <a:shade val="50000"/>
+            </a:schemeClr>
+          </a:lnRef>
+          <a:fillRef idx="1">
+            <a:schemeClr val="accent1"/>
+          </a:fillRef>
+          <a:effectRef idx="0">
+            <a:schemeClr val="accent1"/>
+          </a:effectRef>
+          <a:fontRef idx="minor">
+            <a:schemeClr val="lt1"/>
+          </a:fontRef>
+        </p:style>
+        <p:txBody>
+          <a:bodyPr vert="horz" rtlCol="0" anchor="ctr"/>
+          <a:lstStyle/>
+          <a:p>
+            <a:pPr algn="ctr"/>
+            <a:r>
+              <a:rPr lang="en-CA" dirty="0">
+                <a:solidFill>
+                  <a:schemeClr val="tx1"/>
+                </a:solidFill>
+              </a:rPr>
+              <a:t>Other vertices</a:t>
+            </a:r>
+            <a:endParaRPr lang="en-US" dirty="0">
+              <a:solidFill>
+                <a:schemeClr val="tx1"/>
+              </a:solidFill>
+            </a:endParaRPr>
+          </a:p>
+        </p:txBody>
+      </p:sp>
+      <p:cxnSp>
+        <p:nvCxnSpPr>
+          <p:cNvPr id="46" name="直接连接符 45">
+            <a:extLst>
+              <a:ext uri="{FF2B5EF4-FFF2-40B4-BE49-F238E27FC236}">
+                <a16:creationId xmlns:a16="http://schemas.microsoft.com/office/drawing/2014/main" id="{B6A853C7-AF97-4F99-9E05-07EE23F876E2}"/>
+              </a:ext>
+            </a:extLst>
+          </p:cNvPr>
+          <p:cNvCxnSpPr>
+            <a:cxnSpLocks/>
+          </p:cNvCxnSpPr>
+          <p:nvPr/>
+        </p:nvCxnSpPr>
+        <p:spPr>
+          <a:xfrm flipV="1">
+            <a:off x="9695905" y="1446885"/>
+            <a:ext cx="1032692" cy="424891"/>
+          </a:xfrm>
+          <a:prstGeom prst="line">
+            <a:avLst/>
+          </a:prstGeom>
+        </p:spPr>
+        <p:style>
+          <a:lnRef idx="1">
+            <a:schemeClr val="dk1"/>
+          </a:lnRef>
+          <a:fillRef idx="0">
+            <a:schemeClr val="dk1"/>
+          </a:fillRef>
+          <a:effectRef idx="0">
+            <a:schemeClr val="dk1"/>
+          </a:effectRef>
+          <a:fontRef idx="minor">
+            <a:schemeClr val="tx1"/>
+          </a:fontRef>
+        </p:style>
+      </p:cxnSp>
+      <p:cxnSp>
+        <p:nvCxnSpPr>
+          <p:cNvPr id="47" name="直接连接符 46">
+            <a:extLst>
+              <a:ext uri="{FF2B5EF4-FFF2-40B4-BE49-F238E27FC236}">
+                <a16:creationId xmlns:a16="http://schemas.microsoft.com/office/drawing/2014/main" id="{31E9FF46-250B-4C24-AB45-1B9AB4588A09}"/>
+              </a:ext>
+            </a:extLst>
+          </p:cNvPr>
+          <p:cNvCxnSpPr>
+            <a:cxnSpLocks/>
+          </p:cNvCxnSpPr>
+          <p:nvPr/>
+        </p:nvCxnSpPr>
+        <p:spPr>
+          <a:xfrm flipH="1">
+            <a:off x="8725625" y="2401188"/>
+            <a:ext cx="640081" cy="314985"/>
+          </a:xfrm>
+          <a:prstGeom prst="line">
+            <a:avLst/>
+          </a:prstGeom>
+        </p:spPr>
+        <p:style>
+          <a:lnRef idx="1">
+            <a:schemeClr val="dk1"/>
+          </a:lnRef>
+          <a:fillRef idx="0">
+            <a:schemeClr val="dk1"/>
+          </a:fillRef>
+          <a:effectRef idx="0">
+            <a:schemeClr val="dk1"/>
+          </a:effectRef>
+          <a:fontRef idx="minor">
+            <a:schemeClr val="tx1"/>
+          </a:fontRef>
+        </p:style>
+      </p:cxnSp>
+      <p:cxnSp>
+        <p:nvCxnSpPr>
+          <p:cNvPr id="48" name="直接连接符 47">
+            <a:extLst>
+              <a:ext uri="{FF2B5EF4-FFF2-40B4-BE49-F238E27FC236}">
+                <a16:creationId xmlns:a16="http://schemas.microsoft.com/office/drawing/2014/main" id="{132CB718-165A-4812-8C48-7715F0480D01}"/>
+              </a:ext>
+            </a:extLst>
+          </p:cNvPr>
+          <p:cNvCxnSpPr>
+            <a:cxnSpLocks/>
+          </p:cNvCxnSpPr>
+          <p:nvPr/>
+        </p:nvCxnSpPr>
+        <p:spPr>
+          <a:xfrm>
+            <a:off x="7910103" y="2476687"/>
+            <a:ext cx="815522" cy="239486"/>
+          </a:xfrm>
+          <a:prstGeom prst="line">
+            <a:avLst/>
+          </a:prstGeom>
+        </p:spPr>
+        <p:style>
+          <a:lnRef idx="1">
+            <a:schemeClr val="dk1"/>
+          </a:lnRef>
+          <a:fillRef idx="0">
+            <a:schemeClr val="dk1"/>
+          </a:fillRef>
+          <a:effectRef idx="0">
+            <a:schemeClr val="dk1"/>
+          </a:effectRef>
+          <a:fontRef idx="minor">
+            <a:schemeClr val="tx1"/>
+          </a:fontRef>
+        </p:style>
+      </p:cxnSp>
+      <p:cxnSp>
+        <p:nvCxnSpPr>
+          <p:cNvPr id="49" name="直接连接符 48">
+            <a:extLst>
+              <a:ext uri="{FF2B5EF4-FFF2-40B4-BE49-F238E27FC236}">
+                <a16:creationId xmlns:a16="http://schemas.microsoft.com/office/drawing/2014/main" id="{BB801179-A9C3-46CF-990C-C612E895AA59}"/>
+              </a:ext>
+            </a:extLst>
+          </p:cNvPr>
+          <p:cNvCxnSpPr>
+            <a:cxnSpLocks/>
+          </p:cNvCxnSpPr>
+          <p:nvPr/>
+        </p:nvCxnSpPr>
+        <p:spPr>
+          <a:xfrm flipH="1" flipV="1">
+            <a:off x="7684952" y="1263268"/>
+            <a:ext cx="233861" cy="1213420"/>
+          </a:xfrm>
+          <a:prstGeom prst="line">
+            <a:avLst/>
+          </a:prstGeom>
+        </p:spPr>
+        <p:style>
+          <a:lnRef idx="1">
+            <a:schemeClr val="dk1"/>
+          </a:lnRef>
+          <a:fillRef idx="0">
+            <a:schemeClr val="dk1"/>
+          </a:fillRef>
+          <a:effectRef idx="0">
+            <a:schemeClr val="dk1"/>
+          </a:effectRef>
+          <a:fontRef idx="minor">
+            <a:schemeClr val="tx1"/>
+          </a:fontRef>
+        </p:style>
+      </p:cxnSp>
+      <p:cxnSp>
+        <p:nvCxnSpPr>
+          <p:cNvPr id="50" name="直接连接符 49">
+            <a:extLst>
+              <a:ext uri="{FF2B5EF4-FFF2-40B4-BE49-F238E27FC236}">
+                <a16:creationId xmlns:a16="http://schemas.microsoft.com/office/drawing/2014/main" id="{814DEDED-0800-4856-AE68-19EDEF1FC268}"/>
+              </a:ext>
+            </a:extLst>
+          </p:cNvPr>
+          <p:cNvCxnSpPr>
+            <a:cxnSpLocks/>
+          </p:cNvCxnSpPr>
+          <p:nvPr/>
+        </p:nvCxnSpPr>
+        <p:spPr>
+          <a:xfrm flipV="1">
+            <a:off x="7670617" y="1133733"/>
+            <a:ext cx="2069921" cy="135895"/>
+          </a:xfrm>
+          <a:prstGeom prst="line">
+            <a:avLst/>
+          </a:prstGeom>
+        </p:spPr>
+        <p:style>
+          <a:lnRef idx="1">
+            <a:schemeClr val="dk1"/>
+          </a:lnRef>
+          <a:fillRef idx="0">
+            <a:schemeClr val="dk1"/>
+          </a:fillRef>
+          <a:effectRef idx="0">
+            <a:schemeClr val="dk1"/>
+          </a:effectRef>
+          <a:fontRef idx="minor">
+            <a:schemeClr val="tx1"/>
+          </a:fontRef>
+        </p:style>
+      </p:cxnSp>
+      <p:cxnSp>
+        <p:nvCxnSpPr>
+          <p:cNvPr id="51" name="直接连接符 50">
+            <a:extLst>
+              <a:ext uri="{FF2B5EF4-FFF2-40B4-BE49-F238E27FC236}">
+                <a16:creationId xmlns:a16="http://schemas.microsoft.com/office/drawing/2014/main" id="{E3695BAF-9341-40E1-B250-7720C72824C8}"/>
+              </a:ext>
+            </a:extLst>
+          </p:cNvPr>
+          <p:cNvCxnSpPr>
+            <a:cxnSpLocks/>
+          </p:cNvCxnSpPr>
+          <p:nvPr/>
+        </p:nvCxnSpPr>
+        <p:spPr>
+          <a:xfrm flipH="1">
+            <a:off x="9695905" y="1133732"/>
+            <a:ext cx="44633" cy="738044"/>
+          </a:xfrm>
+          <a:prstGeom prst="line">
+            <a:avLst/>
+          </a:prstGeom>
+        </p:spPr>
+        <p:style>
+          <a:lnRef idx="1">
+            <a:schemeClr val="dk1"/>
+          </a:lnRef>
+          <a:fillRef idx="0">
+            <a:schemeClr val="dk1"/>
+          </a:fillRef>
+          <a:effectRef idx="0">
+            <a:schemeClr val="dk1"/>
+          </a:effectRef>
+          <a:fontRef idx="minor">
+            <a:schemeClr val="tx1"/>
+          </a:fontRef>
+        </p:style>
+      </p:cxnSp>
+      <p:cxnSp>
+        <p:nvCxnSpPr>
+          <p:cNvPr id="52" name="直接连接符 51">
+            <a:extLst>
+              <a:ext uri="{FF2B5EF4-FFF2-40B4-BE49-F238E27FC236}">
+                <a16:creationId xmlns:a16="http://schemas.microsoft.com/office/drawing/2014/main" id="{AD8BD7B4-E4C5-440C-82FF-443EA8774C3B}"/>
+              </a:ext>
+            </a:extLst>
+          </p:cNvPr>
+          <p:cNvCxnSpPr>
+            <a:cxnSpLocks/>
+          </p:cNvCxnSpPr>
+          <p:nvPr/>
+        </p:nvCxnSpPr>
+        <p:spPr>
+          <a:xfrm flipH="1">
+            <a:off x="9365705" y="1871776"/>
+            <a:ext cx="330200" cy="529415"/>
+          </a:xfrm>
+          <a:prstGeom prst="line">
+            <a:avLst/>
+          </a:prstGeom>
+        </p:spPr>
+        <p:style>
+          <a:lnRef idx="1">
+            <a:schemeClr val="dk1"/>
+          </a:lnRef>
+          <a:fillRef idx="0">
+            <a:schemeClr val="dk1"/>
+          </a:fillRef>
+          <a:effectRef idx="0">
+            <a:schemeClr val="dk1"/>
+          </a:effectRef>
+          <a:fontRef idx="minor">
+            <a:schemeClr val="tx1"/>
+          </a:fontRef>
+        </p:style>
+      </p:cxnSp>
+      <p:sp>
+        <p:nvSpPr>
+          <p:cNvPr id="53" name="椭圆 52">
+            <a:extLst>
+              <a:ext uri="{FF2B5EF4-FFF2-40B4-BE49-F238E27FC236}">
+                <a16:creationId xmlns:a16="http://schemas.microsoft.com/office/drawing/2014/main" id="{A37B1C98-61B7-4444-B669-13DF96C4AE52}"/>
+              </a:ext>
+            </a:extLst>
+          </p:cNvPr>
+          <p:cNvSpPr/>
+          <p:nvPr/>
+        </p:nvSpPr>
+        <p:spPr>
+          <a:xfrm>
+            <a:off x="8486140" y="2476688"/>
+            <a:ext cx="478971" cy="478971"/>
+          </a:xfrm>
+          <a:prstGeom prst="ellipse">
+            <a:avLst/>
+          </a:prstGeom>
+          <a:solidFill>
+            <a:schemeClr val="tx1">
+              <a:lumMod val="85000"/>
+              <a:lumOff val="15000"/>
+            </a:schemeClr>
+          </a:solidFill>
+        </p:spPr>
+        <p:style>
+          <a:lnRef idx="2">
+            <a:schemeClr val="accent1">
+              <a:shade val="50000"/>
+            </a:schemeClr>
+          </a:lnRef>
+          <a:fillRef idx="1">
+            <a:schemeClr val="accent1"/>
+          </a:fillRef>
+          <a:effectRef idx="0">
+            <a:schemeClr val="accent1"/>
+          </a:effectRef>
+          <a:fontRef idx="minor">
+            <a:schemeClr val="lt1"/>
+          </a:fontRef>
+        </p:style>
+        <p:txBody>
+          <a:bodyPr rtlCol="0" anchor="ctr"/>
+          <a:lstStyle/>
+          <a:p>
+            <a:pPr algn="ctr"/>
+            <a:r>
+              <a:rPr lang="en-CA" dirty="0"/>
+              <a:t>R</a:t>
+            </a:r>
+            <a:endParaRPr lang="en-US" dirty="0"/>
+          </a:p>
+        </p:txBody>
+      </p:sp>
+      <p:sp>
+        <p:nvSpPr>
+          <p:cNvPr id="54" name="椭圆 53">
+            <a:extLst>
+              <a:ext uri="{FF2B5EF4-FFF2-40B4-BE49-F238E27FC236}">
+                <a16:creationId xmlns:a16="http://schemas.microsoft.com/office/drawing/2014/main" id="{17C337B4-B295-43A8-B27A-DB1E103CCF41}"/>
+              </a:ext>
+            </a:extLst>
+          </p:cNvPr>
+          <p:cNvSpPr/>
+          <p:nvPr/>
+        </p:nvSpPr>
+        <p:spPr>
+          <a:xfrm>
+            <a:off x="7670618" y="2237202"/>
+            <a:ext cx="478971" cy="478971"/>
+          </a:xfrm>
+          <a:prstGeom prst="ellipse">
+            <a:avLst/>
+          </a:prstGeom>
+          <a:solidFill>
+            <a:schemeClr val="bg1"/>
+          </a:solidFill>
+          <a:ln>
+            <a:solidFill>
+              <a:schemeClr val="tx1"/>
+            </a:solidFill>
+          </a:ln>
+        </p:spPr>
+        <p:style>
+          <a:lnRef idx="2">
+            <a:schemeClr val="accent1">
+              <a:shade val="50000"/>
+            </a:schemeClr>
+          </a:lnRef>
+          <a:fillRef idx="1">
+            <a:schemeClr val="accent1"/>
+          </a:fillRef>
+          <a:effectRef idx="0">
+            <a:schemeClr val="accent1"/>
+          </a:effectRef>
+          <a:fontRef idx="minor">
+            <a:schemeClr val="lt1"/>
+          </a:fontRef>
+        </p:style>
+        <p:txBody>
+          <a:bodyPr rot="0" spcFirstLastPara="0" vertOverflow="overflow" horzOverflow="overflow" vert="horz" wrap="square" lIns="91440" tIns="45720" rIns="91440" bIns="45720" numCol="1" spcCol="0" rtlCol="0" fromWordArt="0" anchor="ctr" anchorCtr="0" forceAA="0" compatLnSpc="1">
+            <a:prstTxWarp prst="textNoShape">
+              <a:avLst/>
+            </a:prstTxWarp>
+            <a:noAutofit/>
+          </a:bodyPr>
+          <a:lstStyle/>
+          <a:p>
+            <a:pPr algn="ctr"/>
+            <a:r>
+              <a:rPr lang="en-CA">
+                <a:solidFill>
+                  <a:schemeClr val="tx1"/>
+                </a:solidFill>
+              </a:rPr>
+              <a:t>G</a:t>
+            </a:r>
+            <a:endParaRPr lang="en-US" dirty="0">
+              <a:solidFill>
+                <a:schemeClr val="tx1"/>
+              </a:solidFill>
+            </a:endParaRPr>
+          </a:p>
+        </p:txBody>
+      </p:sp>
+      <p:sp>
+        <p:nvSpPr>
+          <p:cNvPr id="55" name="椭圆 54">
+            <a:extLst>
+              <a:ext uri="{FF2B5EF4-FFF2-40B4-BE49-F238E27FC236}">
+                <a16:creationId xmlns:a16="http://schemas.microsoft.com/office/drawing/2014/main" id="{6939BD6A-FC7A-42CD-B0ED-4F8EF68A5725}"/>
+              </a:ext>
+            </a:extLst>
+          </p:cNvPr>
+          <p:cNvSpPr/>
+          <p:nvPr/>
+        </p:nvSpPr>
+        <p:spPr>
+          <a:xfrm>
+            <a:off x="7431132" y="1023783"/>
+            <a:ext cx="478971" cy="478971"/>
+          </a:xfrm>
+          <a:prstGeom prst="ellipse">
+            <a:avLst/>
+          </a:prstGeom>
+          <a:solidFill>
+            <a:schemeClr val="bg1"/>
+          </a:solidFill>
+          <a:ln>
+            <a:solidFill>
+              <a:schemeClr val="tx1"/>
+            </a:solidFill>
+          </a:ln>
+        </p:spPr>
+        <p:style>
+          <a:lnRef idx="2">
+            <a:schemeClr val="accent1">
+              <a:shade val="50000"/>
+            </a:schemeClr>
+          </a:lnRef>
+          <a:fillRef idx="1">
+            <a:schemeClr val="accent1"/>
+          </a:fillRef>
+          <a:effectRef idx="0">
+            <a:schemeClr val="accent1"/>
+          </a:effectRef>
+          <a:fontRef idx="minor">
+            <a:schemeClr val="lt1"/>
+          </a:fontRef>
+        </p:style>
+        <p:txBody>
+          <a:bodyPr rot="0" spcFirstLastPara="0" vertOverflow="overflow" horzOverflow="overflow" vert="horz" wrap="square" lIns="91440" tIns="45720" rIns="91440" bIns="45720" numCol="1" spcCol="0" rtlCol="0" fromWordArt="0" anchor="ctr" anchorCtr="0" forceAA="0" compatLnSpc="1">
+            <a:prstTxWarp prst="textNoShape">
+              <a:avLst/>
+            </a:prstTxWarp>
+            <a:noAutofit/>
+          </a:bodyPr>
+          <a:lstStyle/>
+          <a:p>
+            <a:pPr algn="ctr"/>
+            <a:r>
+              <a:rPr lang="en-CA" dirty="0">
+                <a:solidFill>
+                  <a:schemeClr val="tx1"/>
+                </a:solidFill>
+              </a:rPr>
+              <a:t>G</a:t>
+            </a:r>
+            <a:endParaRPr lang="en-US" dirty="0">
+              <a:solidFill>
+                <a:schemeClr val="tx1"/>
+              </a:solidFill>
+            </a:endParaRPr>
+          </a:p>
+        </p:txBody>
+      </p:sp>
+      <p:sp>
+        <p:nvSpPr>
+          <p:cNvPr id="56" name="椭圆 55">
+            <a:extLst>
+              <a:ext uri="{FF2B5EF4-FFF2-40B4-BE49-F238E27FC236}">
+                <a16:creationId xmlns:a16="http://schemas.microsoft.com/office/drawing/2014/main" id="{BB5A7042-9848-4AE8-917B-526A32B9BFF2}"/>
+              </a:ext>
+            </a:extLst>
+          </p:cNvPr>
+          <p:cNvSpPr/>
+          <p:nvPr/>
+        </p:nvSpPr>
+        <p:spPr>
+          <a:xfrm>
+            <a:off x="9501053" y="894247"/>
+            <a:ext cx="478971" cy="478971"/>
+          </a:xfrm>
+          <a:prstGeom prst="ellipse">
+            <a:avLst/>
+          </a:prstGeom>
+          <a:solidFill>
+            <a:schemeClr val="bg1"/>
+          </a:solidFill>
+          <a:ln>
+            <a:solidFill>
+              <a:schemeClr val="tx1"/>
+            </a:solidFill>
+          </a:ln>
+        </p:spPr>
+        <p:style>
+          <a:lnRef idx="2">
+            <a:schemeClr val="accent1">
+              <a:shade val="50000"/>
+            </a:schemeClr>
+          </a:lnRef>
+          <a:fillRef idx="1">
+            <a:schemeClr val="accent1"/>
+          </a:fillRef>
+          <a:effectRef idx="0">
+            <a:schemeClr val="accent1"/>
+          </a:effectRef>
+          <a:fontRef idx="minor">
+            <a:schemeClr val="lt1"/>
+          </a:fontRef>
+        </p:style>
+        <p:txBody>
+          <a:bodyPr rot="0" spcFirstLastPara="0" vertOverflow="overflow" horzOverflow="overflow" vert="horz" wrap="square" lIns="91440" tIns="45720" rIns="91440" bIns="45720" numCol="1" spcCol="0" rtlCol="0" fromWordArt="0" anchor="ctr" anchorCtr="0" forceAA="0" compatLnSpc="1">
+            <a:prstTxWarp prst="textNoShape">
+              <a:avLst/>
+            </a:prstTxWarp>
+            <a:noAutofit/>
+          </a:bodyPr>
+          <a:lstStyle/>
+          <a:p>
+            <a:pPr algn="ctr"/>
+            <a:r>
+              <a:rPr lang="en-CA" dirty="0">
+                <a:solidFill>
+                  <a:schemeClr val="tx1"/>
+                </a:solidFill>
+              </a:rPr>
+              <a:t>G</a:t>
+            </a:r>
+            <a:endParaRPr lang="en-US" dirty="0">
+              <a:solidFill>
+                <a:schemeClr val="tx1"/>
+              </a:solidFill>
+            </a:endParaRPr>
+          </a:p>
+        </p:txBody>
+      </p:sp>
+      <p:sp>
+        <p:nvSpPr>
+          <p:cNvPr id="57" name="椭圆 56">
+            <a:extLst>
+              <a:ext uri="{FF2B5EF4-FFF2-40B4-BE49-F238E27FC236}">
+                <a16:creationId xmlns:a16="http://schemas.microsoft.com/office/drawing/2014/main" id="{20627F29-57C2-488E-84B7-6AA51FA44DA5}"/>
+              </a:ext>
+            </a:extLst>
+          </p:cNvPr>
+          <p:cNvSpPr/>
+          <p:nvPr/>
+        </p:nvSpPr>
+        <p:spPr>
+          <a:xfrm>
+            <a:off x="9422675" y="1583313"/>
+            <a:ext cx="478971" cy="478971"/>
+          </a:xfrm>
+          <a:prstGeom prst="ellipse">
+            <a:avLst/>
+          </a:prstGeom>
+          <a:solidFill>
+            <a:schemeClr val="tx1">
+              <a:lumMod val="85000"/>
+              <a:lumOff val="15000"/>
+            </a:schemeClr>
+          </a:solidFill>
+        </p:spPr>
+        <p:style>
+          <a:lnRef idx="2">
+            <a:schemeClr val="accent1">
+              <a:shade val="50000"/>
+            </a:schemeClr>
+          </a:lnRef>
+          <a:fillRef idx="1">
+            <a:schemeClr val="accent1"/>
+          </a:fillRef>
+          <a:effectRef idx="0">
+            <a:schemeClr val="accent1"/>
+          </a:effectRef>
+          <a:fontRef idx="minor">
+            <a:schemeClr val="lt1"/>
+          </a:fontRef>
+        </p:style>
+        <p:txBody>
+          <a:bodyPr rot="0" spcFirstLastPara="0" vertOverflow="overflow" horzOverflow="overflow" vert="horz" wrap="square" lIns="91440" tIns="45720" rIns="91440" bIns="45720" numCol="1" spcCol="0" rtlCol="0" fromWordArt="0" anchor="ctr" anchorCtr="0" forceAA="0" compatLnSpc="1">
+            <a:prstTxWarp prst="textNoShape">
+              <a:avLst/>
+            </a:prstTxWarp>
+            <a:noAutofit/>
+          </a:bodyPr>
+          <a:lstStyle/>
+          <a:p>
+            <a:pPr algn="ctr"/>
+            <a:r>
+              <a:rPr lang="en-CA" dirty="0"/>
+              <a:t>R</a:t>
+            </a:r>
+            <a:endParaRPr lang="en-US" dirty="0"/>
+          </a:p>
+        </p:txBody>
+      </p:sp>
+      <p:sp>
+        <p:nvSpPr>
+          <p:cNvPr id="58" name="椭圆 57">
+            <a:extLst>
+              <a:ext uri="{FF2B5EF4-FFF2-40B4-BE49-F238E27FC236}">
+                <a16:creationId xmlns:a16="http://schemas.microsoft.com/office/drawing/2014/main" id="{0D7ACC9C-E0D6-4ED0-B501-8ECB855A9CE3}"/>
+              </a:ext>
+            </a:extLst>
+          </p:cNvPr>
+          <p:cNvSpPr/>
+          <p:nvPr/>
+        </p:nvSpPr>
+        <p:spPr>
+          <a:xfrm>
+            <a:off x="9126220" y="2168789"/>
+            <a:ext cx="478971" cy="478971"/>
+          </a:xfrm>
+          <a:prstGeom prst="ellipse">
+            <a:avLst/>
+          </a:prstGeom>
+          <a:solidFill>
+            <a:schemeClr val="bg1"/>
+          </a:solidFill>
+          <a:ln>
+            <a:solidFill>
+              <a:schemeClr val="tx1"/>
+            </a:solidFill>
+          </a:ln>
+        </p:spPr>
+        <p:style>
+          <a:lnRef idx="2">
+            <a:schemeClr val="accent1">
+              <a:shade val="50000"/>
+            </a:schemeClr>
+          </a:lnRef>
+          <a:fillRef idx="1">
+            <a:schemeClr val="accent1"/>
+          </a:fillRef>
+          <a:effectRef idx="0">
+            <a:schemeClr val="accent1"/>
+          </a:effectRef>
+          <a:fontRef idx="minor">
+            <a:schemeClr val="lt1"/>
+          </a:fontRef>
+        </p:style>
+        <p:txBody>
+          <a:bodyPr rot="0" spcFirstLastPara="0" vertOverflow="overflow" horzOverflow="overflow" vert="horz" wrap="square" lIns="91440" tIns="45720" rIns="91440" bIns="45720" numCol="1" spcCol="0" rtlCol="0" fromWordArt="0" anchor="ctr" anchorCtr="0" forceAA="0" compatLnSpc="1">
+            <a:prstTxWarp prst="textNoShape">
+              <a:avLst/>
+            </a:prstTxWarp>
+            <a:noAutofit/>
+          </a:bodyPr>
+          <a:lstStyle/>
+          <a:p>
+            <a:pPr algn="ctr"/>
+            <a:r>
+              <a:rPr lang="en-CA" dirty="0">
+                <a:solidFill>
+                  <a:schemeClr val="tx1"/>
+                </a:solidFill>
+              </a:rPr>
+              <a:t>G</a:t>
+            </a:r>
+            <a:endParaRPr lang="en-US" dirty="0">
+              <a:solidFill>
+                <a:schemeClr val="tx1"/>
+              </a:solidFill>
+            </a:endParaRPr>
+          </a:p>
+        </p:txBody>
+      </p:sp>
+      <p:sp>
+        <p:nvSpPr>
+          <p:cNvPr id="59" name="云形 58">
+            <a:extLst>
+              <a:ext uri="{FF2B5EF4-FFF2-40B4-BE49-F238E27FC236}">
+                <a16:creationId xmlns:a16="http://schemas.microsoft.com/office/drawing/2014/main" id="{1E396022-F5D5-4C10-9ADB-E7F5C4775AD1}"/>
+              </a:ext>
+            </a:extLst>
+          </p:cNvPr>
+          <p:cNvSpPr/>
+          <p:nvPr/>
+        </p:nvSpPr>
+        <p:spPr>
+          <a:xfrm>
+            <a:off x="10166894" y="917470"/>
+            <a:ext cx="1416234" cy="1920602"/>
+          </a:xfrm>
+          <a:prstGeom prst="cloud">
+            <a:avLst/>
+          </a:prstGeom>
+          <a:solidFill>
+            <a:schemeClr val="bg1"/>
+          </a:solidFill>
+          <a:ln>
+            <a:solidFill>
+              <a:schemeClr val="tx1"/>
+            </a:solidFill>
+          </a:ln>
+        </p:spPr>
+        <p:style>
+          <a:lnRef idx="2">
+            <a:schemeClr val="accent1">
+              <a:shade val="50000"/>
+            </a:schemeClr>
+          </a:lnRef>
+          <a:fillRef idx="1">
+            <a:schemeClr val="accent1"/>
+          </a:fillRef>
+          <a:effectRef idx="0">
+            <a:schemeClr val="accent1"/>
+          </a:effectRef>
+          <a:fontRef idx="minor">
+            <a:schemeClr val="lt1"/>
+          </a:fontRef>
+        </p:style>
+        <p:txBody>
+          <a:bodyPr vert="horz" rtlCol="0" anchor="ctr"/>
+          <a:lstStyle/>
+          <a:p>
+            <a:pPr algn="ctr"/>
+            <a:r>
+              <a:rPr lang="en-CA" dirty="0">
+                <a:solidFill>
+                  <a:schemeClr val="tx1"/>
+                </a:solidFill>
+              </a:rPr>
+              <a:t>Other vertices</a:t>
+            </a:r>
+            <a:endParaRPr lang="en-US" dirty="0">
+              <a:solidFill>
+                <a:schemeClr val="tx1"/>
+              </a:solidFill>
+            </a:endParaRPr>
+          </a:p>
+        </p:txBody>
+      </p:sp>
+      <p:grpSp>
+        <p:nvGrpSpPr>
+          <p:cNvPr id="37" name="组合 36">
+            <a:extLst>
+              <a:ext uri="{FF2B5EF4-FFF2-40B4-BE49-F238E27FC236}">
+                <a16:creationId xmlns:a16="http://schemas.microsoft.com/office/drawing/2014/main" id="{1D291F75-A36C-497A-B765-62EB3FF8A2B1}"/>
+              </a:ext>
+            </a:extLst>
+          </p:cNvPr>
+          <p:cNvGrpSpPr/>
+          <p:nvPr/>
+        </p:nvGrpSpPr>
+        <p:grpSpPr>
+          <a:xfrm>
+            <a:off x="3333749" y="3649684"/>
+            <a:ext cx="6987804" cy="1329753"/>
+            <a:chOff x="3333749" y="3649684"/>
+            <a:chExt cx="6987804" cy="1329753"/>
+          </a:xfrm>
+        </p:grpSpPr>
+        <p:sp>
+          <p:nvSpPr>
+            <p:cNvPr id="13" name="椭圆 12">
+              <a:extLst>
+                <a:ext uri="{FF2B5EF4-FFF2-40B4-BE49-F238E27FC236}">
+                  <a16:creationId xmlns:a16="http://schemas.microsoft.com/office/drawing/2014/main" id="{EDDAFB3D-2BFA-41E2-920E-D4F32971C081}"/>
+                </a:ext>
+              </a:extLst>
+            </p:cNvPr>
+            <p:cNvSpPr/>
+            <p:nvPr/>
+          </p:nvSpPr>
+          <p:spPr>
+            <a:xfrm>
+              <a:off x="4245337" y="3779531"/>
+              <a:ext cx="478971" cy="478971"/>
+            </a:xfrm>
+            <a:prstGeom prst="ellipse">
+              <a:avLst/>
+            </a:prstGeom>
+            <a:solidFill>
+              <a:schemeClr val="bg1"/>
+            </a:solidFill>
+            <a:ln>
+              <a:solidFill>
+                <a:schemeClr val="tx1"/>
+              </a:solidFill>
+            </a:ln>
+          </p:spPr>
+          <p:style>
+            <a:lnRef idx="2">
+              <a:schemeClr val="accent1">
+                <a:shade val="50000"/>
+              </a:schemeClr>
+            </a:lnRef>
+            <a:fillRef idx="1">
+              <a:schemeClr val="accent1"/>
+            </a:fillRef>
+            <a:effectRef idx="0">
+              <a:schemeClr val="accent1"/>
+            </a:effectRef>
+            <a:fontRef idx="minor">
+              <a:schemeClr val="lt1"/>
+            </a:fontRef>
+          </p:style>
+          <p:txBody>
+            <a:bodyPr rot="0" spcFirstLastPara="0" vertOverflow="overflow" horzOverflow="overflow" vert="horz" wrap="square" lIns="91440" tIns="45720" rIns="91440" bIns="45720" numCol="1" spcCol="0" rtlCol="0" fromWordArt="0" anchor="ctr" anchorCtr="0" forceAA="0" compatLnSpc="1">
+              <a:prstTxWarp prst="textNoShape">
+                <a:avLst/>
+              </a:prstTxWarp>
+              <a:noAutofit/>
+            </a:bodyPr>
+            <a:lstStyle/>
+            <a:p>
+              <a:pPr algn="ctr"/>
+              <a:r>
+                <a:rPr lang="en-CA">
+                  <a:solidFill>
+                    <a:schemeClr val="tx1"/>
+                  </a:solidFill>
+                </a:rPr>
+                <a:t>G</a:t>
+              </a:r>
+              <a:endParaRPr lang="en-US" dirty="0">
+                <a:solidFill>
+                  <a:schemeClr val="tx1"/>
+                </a:solidFill>
+              </a:endParaRPr>
+            </a:p>
+          </p:txBody>
+        </p:sp>
+        <mc:AlternateContent xmlns:mc="http://schemas.openxmlformats.org/markup-compatibility/2006">
+          <mc:Choice xmlns:a14="http://schemas.microsoft.com/office/drawing/2010/main" Requires="a14">
+            <p:sp>
+              <p:nvSpPr>
+                <p:cNvPr id="14" name="椭圆 13">
+                  <a:extLst>
+                    <a:ext uri="{FF2B5EF4-FFF2-40B4-BE49-F238E27FC236}">
+                      <a16:creationId xmlns:a16="http://schemas.microsoft.com/office/drawing/2014/main" id="{16027FF4-857C-4CC1-923E-7CEC3A3A257D}"/>
+                    </a:ext>
+                  </a:extLst>
+                </p:cNvPr>
+                <p:cNvSpPr/>
+                <p:nvPr/>
+              </p:nvSpPr>
+              <p:spPr>
+                <a:xfrm>
+                  <a:off x="3333749" y="3779531"/>
+                  <a:ext cx="478971" cy="478971"/>
+                </a:xfrm>
+                <a:prstGeom prst="ellipse">
+                  <a:avLst/>
+                </a:prstGeom>
+                <a:solidFill>
+                  <a:schemeClr val="bg1">
+                    <a:lumMod val="85000"/>
+                  </a:schemeClr>
+                </a:solidFill>
+                <a:ln>
+                  <a:solidFill>
+                    <a:schemeClr val="tx1"/>
+                  </a:solidFill>
+                </a:ln>
+              </p:spPr>
+              <p:style>
+                <a:lnRef idx="2">
+                  <a:schemeClr val="accent1">
+                    <a:shade val="50000"/>
+                  </a:schemeClr>
+                </a:lnRef>
+                <a:fillRef idx="1">
+                  <a:schemeClr val="accent1"/>
+                </a:fillRef>
+                <a:effectRef idx="0">
+                  <a:schemeClr val="accent1"/>
+                </a:effectRef>
+                <a:fontRef idx="minor">
+                  <a:schemeClr val="lt1"/>
+                </a:fontRef>
+              </p:style>
+              <p:txBody>
+                <a:bodyPr rot="0" spcFirstLastPara="0" vertOverflow="overflow" horzOverflow="overflow" vert="horz" wrap="square" lIns="91440" tIns="45720" rIns="91440" bIns="45720" numCol="1" spcCol="0" rtlCol="0" fromWordArt="0" anchor="ctr" anchorCtr="0" forceAA="0" compatLnSpc="1">
+                  <a:prstTxWarp prst="textNoShape">
+                    <a:avLst/>
+                  </a:prstTxWarp>
+                  <a:noAutofit/>
+                </a:bodyPr>
+                <a:lstStyle/>
+                <a:p>
+                  <a:pPr algn="ctr"/>
+                  <a14:m>
+                    <m:oMathPara xmlns:m="http://schemas.openxmlformats.org/officeDocument/2006/math">
+                      <m:oMathParaPr>
+                        <m:jc m:val="centerGroup"/>
+                      </m:oMathParaPr>
+                      <m:oMath xmlns:m="http://schemas.openxmlformats.org/officeDocument/2006/math">
+                        <m:sSub>
+                          <m:sSubPr>
+                            <m:ctrlPr>
+                              <a:rPr lang="en-CA" b="0" i="1" smtClean="0">
+                                <a:solidFill>
+                                  <a:schemeClr val="tx1"/>
+                                </a:solidFill>
+                                <a:latin typeface="Cambria Math" panose="02040503050406030204" pitchFamily="18" charset="0"/>
+                              </a:rPr>
+                            </m:ctrlPr>
+                          </m:sSubPr>
+                          <m:e>
+                            <m:r>
+                              <a:rPr lang="en-CA" b="0" i="1" smtClean="0">
+                                <a:solidFill>
+                                  <a:schemeClr val="tx1"/>
+                                </a:solidFill>
+                                <a:latin typeface="Cambria Math" panose="02040503050406030204" pitchFamily="18" charset="0"/>
+                              </a:rPr>
+                              <m:t>𝑉</m:t>
+                            </m:r>
+                          </m:e>
+                          <m:sub>
+                            <m:r>
+                              <a:rPr lang="en-CA" b="0" i="1" smtClean="0">
+                                <a:solidFill>
+                                  <a:schemeClr val="tx1"/>
+                                </a:solidFill>
+                                <a:latin typeface="Cambria Math" panose="02040503050406030204" pitchFamily="18" charset="0"/>
+                              </a:rPr>
+                              <m:t>𝑙</m:t>
+                            </m:r>
+                          </m:sub>
+                        </m:sSub>
+                      </m:oMath>
+                    </m:oMathPara>
+                  </a14:m>
+                  <a:endParaRPr lang="en-US" dirty="0">
+                    <a:solidFill>
+                      <a:schemeClr val="tx1"/>
+                    </a:solidFill>
+                  </a:endParaRPr>
+                </a:p>
+              </p:txBody>
+            </p:sp>
+          </mc:Choice>
+          <mc:Fallback>
+            <p:sp>
+              <p:nvSpPr>
+                <p:cNvPr id="14" name="椭圆 13">
+                  <a:extLst>
+                    <a:ext uri="{FF2B5EF4-FFF2-40B4-BE49-F238E27FC236}">
+                      <a16:creationId xmlns:a16="http://schemas.microsoft.com/office/drawing/2014/main" id="{16027FF4-857C-4CC1-923E-7CEC3A3A257D}"/>
+                    </a:ext>
+                  </a:extLst>
+                </p:cNvPr>
+                <p:cNvSpPr>
+                  <a:spLocks noRot="1" noChangeAspect="1" noMove="1" noResize="1" noEditPoints="1" noAdjustHandles="1" noChangeArrowheads="1" noChangeShapeType="1" noTextEdit="1"/>
+                </p:cNvSpPr>
+                <p:nvPr/>
+              </p:nvSpPr>
+              <p:spPr>
+                <a:xfrm>
+                  <a:off x="3333749" y="3779531"/>
+                  <a:ext cx="478971" cy="478971"/>
+                </a:xfrm>
+                <a:prstGeom prst="ellipse">
+                  <a:avLst/>
+                </a:prstGeom>
+                <a:blipFill>
+                  <a:blip r:embed="rId2"/>
+                  <a:stretch>
+                    <a:fillRect/>
+                  </a:stretch>
+                </a:blipFill>
+                <a:ln>
+                  <a:solidFill>
+                    <a:schemeClr val="tx1"/>
+                  </a:solidFill>
+                </a:ln>
+              </p:spPr>
+              <p:txBody>
+                <a:bodyPr/>
+                <a:lstStyle/>
+                <a:p>
+                  <a:r>
+                    <a:rPr lang="en-US">
+                      <a:noFill/>
+                    </a:rPr>
+                    <a:t> </a:t>
+                  </a:r>
+                </a:p>
+              </p:txBody>
+            </p:sp>
+          </mc:Fallback>
+        </mc:AlternateContent>
+        <mc:AlternateContent xmlns:mc="http://schemas.openxmlformats.org/markup-compatibility/2006">
+          <mc:Choice xmlns:a14="http://schemas.microsoft.com/office/drawing/2010/main" Requires="a14">
+            <p:sp>
+              <p:nvSpPr>
+                <p:cNvPr id="15" name="椭圆 14">
+                  <a:extLst>
+                    <a:ext uri="{FF2B5EF4-FFF2-40B4-BE49-F238E27FC236}">
+                      <a16:creationId xmlns:a16="http://schemas.microsoft.com/office/drawing/2014/main" id="{F0FC1DA4-95F6-47B4-861E-A22C8F86359F}"/>
+                    </a:ext>
+                  </a:extLst>
+                </p:cNvPr>
+                <p:cNvSpPr/>
+                <p:nvPr/>
+              </p:nvSpPr>
+              <p:spPr>
+                <a:xfrm>
+                  <a:off x="5156926" y="3779531"/>
+                  <a:ext cx="478971" cy="478971"/>
+                </a:xfrm>
+                <a:prstGeom prst="ellipse">
+                  <a:avLst/>
+                </a:prstGeom>
+                <a:solidFill>
+                  <a:schemeClr val="bg1">
+                    <a:lumMod val="85000"/>
+                  </a:schemeClr>
+                </a:solidFill>
+                <a:ln>
+                  <a:solidFill>
+                    <a:schemeClr val="tx1"/>
+                  </a:solidFill>
+                </a:ln>
+              </p:spPr>
+              <p:style>
+                <a:lnRef idx="2">
+                  <a:schemeClr val="accent1">
+                    <a:shade val="50000"/>
+                  </a:schemeClr>
+                </a:lnRef>
+                <a:fillRef idx="1">
+                  <a:schemeClr val="accent1"/>
+                </a:fillRef>
+                <a:effectRef idx="0">
+                  <a:schemeClr val="accent1"/>
+                </a:effectRef>
+                <a:fontRef idx="minor">
+                  <a:schemeClr val="lt1"/>
+                </a:fontRef>
+              </p:style>
+              <p:txBody>
+                <a:bodyPr rot="0" spcFirstLastPara="0" vertOverflow="overflow" horzOverflow="overflow" vert="horz" wrap="square" lIns="91440" tIns="45720" rIns="91440" bIns="45720" numCol="1" spcCol="0" rtlCol="0" fromWordArt="0" anchor="ctr" anchorCtr="0" forceAA="0" compatLnSpc="1">
+                  <a:prstTxWarp prst="textNoShape">
+                    <a:avLst/>
+                  </a:prstTxWarp>
+                  <a:noAutofit/>
+                </a:bodyPr>
+                <a:lstStyle/>
+                <a:p>
+                  <a:pPr algn="ctr"/>
+                  <a14:m>
+                    <m:oMathPara xmlns:m="http://schemas.openxmlformats.org/officeDocument/2006/math">
+                      <m:oMathParaPr>
+                        <m:jc m:val="centerGroup"/>
+                      </m:oMathParaPr>
+                      <m:oMath xmlns:m="http://schemas.openxmlformats.org/officeDocument/2006/math">
+                        <m:sSub>
+                          <m:sSubPr>
+                            <m:ctrlPr>
+                              <a:rPr lang="en-CA" i="1">
+                                <a:solidFill>
+                                  <a:schemeClr val="tx1"/>
+                                </a:solidFill>
+                                <a:latin typeface="Cambria Math" panose="02040503050406030204" pitchFamily="18" charset="0"/>
+                              </a:rPr>
+                            </m:ctrlPr>
+                          </m:sSubPr>
+                          <m:e>
+                            <m:r>
+                              <a:rPr lang="en-CA" i="1">
+                                <a:solidFill>
+                                  <a:schemeClr val="tx1"/>
+                                </a:solidFill>
+                                <a:latin typeface="Cambria Math" panose="02040503050406030204" pitchFamily="18" charset="0"/>
+                              </a:rPr>
+                              <m:t>𝑉</m:t>
+                            </m:r>
+                          </m:e>
+                          <m:sub>
+                            <m:r>
+                              <a:rPr lang="en-CA" i="1">
+                                <a:solidFill>
+                                  <a:schemeClr val="tx1"/>
+                                </a:solidFill>
+                                <a:latin typeface="Cambria Math" panose="02040503050406030204" pitchFamily="18" charset="0"/>
+                              </a:rPr>
+                              <m:t>𝑟</m:t>
+                            </m:r>
+                          </m:sub>
+                        </m:sSub>
+                      </m:oMath>
+                    </m:oMathPara>
+                  </a14:m>
+                  <a:endParaRPr lang="en-US" i="1" dirty="0">
+                    <a:solidFill>
+                      <a:schemeClr val="tx1"/>
+                    </a:solidFill>
+                    <a:latin typeface="Cambria Math" panose="02040503050406030204" pitchFamily="18" charset="0"/>
+                  </a:endParaRPr>
+                </a:p>
+              </p:txBody>
+            </p:sp>
+          </mc:Choice>
+          <mc:Fallback>
+            <p:sp>
+              <p:nvSpPr>
+                <p:cNvPr id="15" name="椭圆 14">
+                  <a:extLst>
+                    <a:ext uri="{FF2B5EF4-FFF2-40B4-BE49-F238E27FC236}">
+                      <a16:creationId xmlns:a16="http://schemas.microsoft.com/office/drawing/2014/main" id="{F0FC1DA4-95F6-47B4-861E-A22C8F86359F}"/>
+                    </a:ext>
+                  </a:extLst>
+                </p:cNvPr>
+                <p:cNvSpPr>
+                  <a:spLocks noRot="1" noChangeAspect="1" noMove="1" noResize="1" noEditPoints="1" noAdjustHandles="1" noChangeArrowheads="1" noChangeShapeType="1" noTextEdit="1"/>
+                </p:cNvSpPr>
+                <p:nvPr/>
+              </p:nvSpPr>
+              <p:spPr>
+                <a:xfrm>
+                  <a:off x="5156926" y="3779531"/>
+                  <a:ext cx="478971" cy="478971"/>
+                </a:xfrm>
+                <a:prstGeom prst="ellipse">
+                  <a:avLst/>
+                </a:prstGeom>
+                <a:blipFill>
+                  <a:blip r:embed="rId3"/>
+                  <a:stretch>
+                    <a:fillRect/>
+                  </a:stretch>
+                </a:blipFill>
+                <a:ln>
+                  <a:solidFill>
+                    <a:schemeClr val="tx1"/>
+                  </a:solidFill>
+                </a:ln>
+              </p:spPr>
+              <p:txBody>
+                <a:bodyPr/>
+                <a:lstStyle/>
+                <a:p>
+                  <a:r>
+                    <a:rPr lang="en-US">
+                      <a:noFill/>
+                    </a:rPr>
+                    <a:t> </a:t>
+                  </a:r>
+                </a:p>
+              </p:txBody>
+            </p:sp>
+          </mc:Fallback>
+        </mc:AlternateContent>
+        <p:cxnSp>
+          <p:nvCxnSpPr>
+            <p:cNvPr id="34" name="直接连接符 33">
+              <a:extLst>
+                <a:ext uri="{FF2B5EF4-FFF2-40B4-BE49-F238E27FC236}">
+                  <a16:creationId xmlns:a16="http://schemas.microsoft.com/office/drawing/2014/main" id="{4F704929-65D4-40D9-8AB9-77A569D5631D}"/>
+                </a:ext>
+              </a:extLst>
+            </p:cNvPr>
+            <p:cNvCxnSpPr>
+              <a:cxnSpLocks/>
+              <a:stCxn id="14" idx="6"/>
+              <a:endCxn id="13" idx="2"/>
+            </p:cNvCxnSpPr>
+            <p:nvPr/>
+          </p:nvCxnSpPr>
+          <p:spPr>
+            <a:xfrm>
+              <a:off x="3812720" y="4019017"/>
+              <a:ext cx="432617" cy="0"/>
+            </a:xfrm>
+            <a:prstGeom prst="line">
+              <a:avLst/>
+            </a:prstGeom>
+          </p:spPr>
+          <p:style>
+            <a:lnRef idx="1">
+              <a:schemeClr val="dk1"/>
+            </a:lnRef>
+            <a:fillRef idx="0">
+              <a:schemeClr val="dk1"/>
+            </a:fillRef>
+            <a:effectRef idx="0">
+              <a:schemeClr val="dk1"/>
+            </a:effectRef>
+            <a:fontRef idx="minor">
+              <a:schemeClr val="tx1"/>
+            </a:fontRef>
+          </p:style>
+        </p:cxnSp>
+        <p:cxnSp>
+          <p:nvCxnSpPr>
+            <p:cNvPr id="35" name="直接连接符 34">
+              <a:extLst>
+                <a:ext uri="{FF2B5EF4-FFF2-40B4-BE49-F238E27FC236}">
+                  <a16:creationId xmlns:a16="http://schemas.microsoft.com/office/drawing/2014/main" id="{F3E22C79-4D28-4AC8-8D52-A273AB990068}"/>
+                </a:ext>
+              </a:extLst>
+            </p:cNvPr>
+            <p:cNvCxnSpPr>
+              <a:cxnSpLocks/>
+              <a:stCxn id="13" idx="6"/>
+              <a:endCxn id="15" idx="2"/>
+            </p:cNvCxnSpPr>
+            <p:nvPr/>
+          </p:nvCxnSpPr>
+          <p:spPr>
+            <a:xfrm>
+              <a:off x="4724308" y="4019017"/>
+              <a:ext cx="432618" cy="0"/>
+            </a:xfrm>
+            <a:prstGeom prst="line">
+              <a:avLst/>
+            </a:prstGeom>
+          </p:spPr>
+          <p:style>
+            <a:lnRef idx="1">
+              <a:schemeClr val="dk1"/>
+            </a:lnRef>
+            <a:fillRef idx="0">
+              <a:schemeClr val="dk1"/>
+            </a:fillRef>
+            <a:effectRef idx="0">
+              <a:schemeClr val="dk1"/>
+            </a:effectRef>
+            <a:fontRef idx="minor">
+              <a:schemeClr val="tx1"/>
+            </a:fontRef>
+          </p:style>
+        </p:cxnSp>
+        <mc:AlternateContent xmlns:mc="http://schemas.openxmlformats.org/markup-compatibility/2006">
+          <mc:Choice xmlns:a14="http://schemas.microsoft.com/office/drawing/2010/main" Requires="a14">
+            <p:sp>
+              <p:nvSpPr>
+                <p:cNvPr id="23" name="文本框 22">
+                  <a:extLst>
+                    <a:ext uri="{FF2B5EF4-FFF2-40B4-BE49-F238E27FC236}">
+                      <a16:creationId xmlns:a16="http://schemas.microsoft.com/office/drawing/2014/main" id="{CB5C32AB-4AEA-4E6A-B975-D8E3FBCA5730}"/>
+                    </a:ext>
+                  </a:extLst>
+                </p:cNvPr>
+                <p:cNvSpPr txBox="1"/>
+                <p:nvPr/>
+              </p:nvSpPr>
+              <p:spPr>
+                <a:xfrm>
+                  <a:off x="3801624" y="3711681"/>
+                  <a:ext cx="501163" cy="369332"/>
+                </a:xfrm>
+                <a:prstGeom prst="rect">
+                  <a:avLst/>
+                </a:prstGeom>
+                <a:noFill/>
+              </p:spPr>
+              <p:txBody>
+                <a:bodyPr wrap="none" rtlCol="0">
+                  <a:spAutoFit/>
+                </a:bodyPr>
+                <a:lstStyle/>
+                <a:p>
+                  <a14:m>
+                    <m:oMathPara xmlns:m="http://schemas.openxmlformats.org/officeDocument/2006/math">
+                      <m:oMathParaPr>
+                        <m:jc m:val="centerGroup"/>
+                      </m:oMathParaPr>
+                      <m:oMath xmlns:m="http://schemas.openxmlformats.org/officeDocument/2006/math">
+                        <m:sSub>
+                          <m:sSubPr>
+                            <m:ctrlPr>
+                              <a:rPr lang="en-CA" b="0" i="1" smtClean="0">
+                                <a:latin typeface="Cambria Math" panose="02040503050406030204" pitchFamily="18" charset="0"/>
+                              </a:rPr>
+                            </m:ctrlPr>
+                          </m:sSubPr>
+                          <m:e>
+                            <m:r>
+                              <a:rPr lang="en-CA" b="0" i="1" smtClean="0">
+                                <a:latin typeface="Cambria Math" panose="02040503050406030204" pitchFamily="18" charset="0"/>
+                              </a:rPr>
+                              <m:t>𝑊</m:t>
+                            </m:r>
+                          </m:e>
+                          <m:sub>
+                            <m:r>
+                              <a:rPr lang="en-CA" b="0" i="1" smtClean="0">
+                                <a:latin typeface="Cambria Math" panose="02040503050406030204" pitchFamily="18" charset="0"/>
+                              </a:rPr>
+                              <m:t>𝑙</m:t>
+                            </m:r>
+                          </m:sub>
+                        </m:sSub>
+                      </m:oMath>
+                    </m:oMathPara>
+                  </a14:m>
+                  <a:endParaRPr lang="en-US" dirty="0"/>
+                </a:p>
+              </p:txBody>
+            </p:sp>
+          </mc:Choice>
+          <mc:Fallback>
+            <p:sp>
+              <p:nvSpPr>
+                <p:cNvPr id="23" name="文本框 22">
+                  <a:extLst>
+                    <a:ext uri="{FF2B5EF4-FFF2-40B4-BE49-F238E27FC236}">
+                      <a16:creationId xmlns:a16="http://schemas.microsoft.com/office/drawing/2014/main" id="{CB5C32AB-4AEA-4E6A-B975-D8E3FBCA5730}"/>
+                    </a:ext>
+                  </a:extLst>
+                </p:cNvPr>
+                <p:cNvSpPr txBox="1">
+                  <a:spLocks noRot="1" noChangeAspect="1" noMove="1" noResize="1" noEditPoints="1" noAdjustHandles="1" noChangeArrowheads="1" noChangeShapeType="1" noTextEdit="1"/>
+                </p:cNvSpPr>
+                <p:nvPr/>
+              </p:nvSpPr>
+              <p:spPr>
+                <a:xfrm>
+                  <a:off x="3801624" y="3711681"/>
+                  <a:ext cx="501163" cy="369332"/>
+                </a:xfrm>
+                <a:prstGeom prst="rect">
+                  <a:avLst/>
+                </a:prstGeom>
+                <a:blipFill>
+                  <a:blip r:embed="rId4"/>
+                  <a:stretch>
+                    <a:fillRect/>
+                  </a:stretch>
+                </a:blipFill>
+              </p:spPr>
+              <p:txBody>
+                <a:bodyPr/>
+                <a:lstStyle/>
+                <a:p>
+                  <a:r>
+                    <a:rPr lang="en-US">
+                      <a:noFill/>
+                    </a:rPr>
+                    <a:t> </a:t>
+                  </a:r>
+                </a:p>
+              </p:txBody>
+            </p:sp>
+          </mc:Fallback>
+        </mc:AlternateContent>
+        <mc:AlternateContent xmlns:mc="http://schemas.openxmlformats.org/markup-compatibility/2006">
+          <mc:Choice xmlns:a14="http://schemas.microsoft.com/office/drawing/2010/main" Requires="a14">
+            <p:sp>
+              <p:nvSpPr>
+                <p:cNvPr id="41" name="文本框 40">
+                  <a:extLst>
+                    <a:ext uri="{FF2B5EF4-FFF2-40B4-BE49-F238E27FC236}">
+                      <a16:creationId xmlns:a16="http://schemas.microsoft.com/office/drawing/2014/main" id="{F55B28CC-E207-4440-92FF-B77ECC8D8306}"/>
+                    </a:ext>
+                  </a:extLst>
+                </p:cNvPr>
+                <p:cNvSpPr txBox="1"/>
+                <p:nvPr/>
+              </p:nvSpPr>
+              <p:spPr>
+                <a:xfrm>
+                  <a:off x="4690036" y="3711681"/>
+                  <a:ext cx="512256" cy="369332"/>
+                </a:xfrm>
+                <a:prstGeom prst="rect">
+                  <a:avLst/>
+                </a:prstGeom>
+                <a:noFill/>
+              </p:spPr>
+              <p:txBody>
+                <a:bodyPr wrap="none" rtlCol="0">
+                  <a:spAutoFit/>
+                </a:bodyPr>
+                <a:lstStyle/>
+                <a:p>
+                  <a14:m>
+                    <m:oMathPara xmlns:m="http://schemas.openxmlformats.org/officeDocument/2006/math">
+                      <m:oMathParaPr>
+                        <m:jc m:val="centerGroup"/>
+                      </m:oMathParaPr>
+                      <m:oMath xmlns:m="http://schemas.openxmlformats.org/officeDocument/2006/math">
+                        <m:sSub>
+                          <m:sSubPr>
+                            <m:ctrlPr>
+                              <a:rPr lang="en-CA" b="0" i="1" smtClean="0">
+                                <a:latin typeface="Cambria Math" panose="02040503050406030204" pitchFamily="18" charset="0"/>
+                              </a:rPr>
+                            </m:ctrlPr>
+                          </m:sSubPr>
+                          <m:e>
+                            <m:r>
+                              <a:rPr lang="en-CA" b="0" i="1" smtClean="0">
+                                <a:latin typeface="Cambria Math" panose="02040503050406030204" pitchFamily="18" charset="0"/>
+                              </a:rPr>
+                              <m:t>𝑊</m:t>
+                            </m:r>
+                          </m:e>
+                          <m:sub>
+                            <m:r>
+                              <a:rPr lang="en-CA" b="0" i="1" smtClean="0">
+                                <a:latin typeface="Cambria Math" panose="02040503050406030204" pitchFamily="18" charset="0"/>
+                              </a:rPr>
+                              <m:t>𝑟</m:t>
+                            </m:r>
+                          </m:sub>
+                        </m:sSub>
+                      </m:oMath>
+                    </m:oMathPara>
+                  </a14:m>
+                  <a:endParaRPr lang="en-US" dirty="0"/>
+                </a:p>
+              </p:txBody>
+            </p:sp>
+          </mc:Choice>
+          <mc:Fallback>
+            <p:sp>
+              <p:nvSpPr>
+                <p:cNvPr id="41" name="文本框 40">
+                  <a:extLst>
+                    <a:ext uri="{FF2B5EF4-FFF2-40B4-BE49-F238E27FC236}">
+                      <a16:creationId xmlns:a16="http://schemas.microsoft.com/office/drawing/2014/main" id="{F55B28CC-E207-4440-92FF-B77ECC8D8306}"/>
+                    </a:ext>
+                  </a:extLst>
+                </p:cNvPr>
+                <p:cNvSpPr txBox="1">
+                  <a:spLocks noRot="1" noChangeAspect="1" noMove="1" noResize="1" noEditPoints="1" noAdjustHandles="1" noChangeArrowheads="1" noChangeShapeType="1" noTextEdit="1"/>
+                </p:cNvSpPr>
+                <p:nvPr/>
+              </p:nvSpPr>
+              <p:spPr>
+                <a:xfrm>
+                  <a:off x="4690036" y="3711681"/>
+                  <a:ext cx="512256" cy="369332"/>
+                </a:xfrm>
+                <a:prstGeom prst="rect">
+                  <a:avLst/>
+                </a:prstGeom>
+                <a:blipFill>
+                  <a:blip r:embed="rId5"/>
+                  <a:stretch>
+                    <a:fillRect/>
+                  </a:stretch>
+                </a:blipFill>
+              </p:spPr>
+              <p:txBody>
+                <a:bodyPr/>
+                <a:lstStyle/>
+                <a:p>
+                  <a:r>
+                    <a:rPr lang="en-US">
+                      <a:noFill/>
+                    </a:rPr>
+                    <a:t> </a:t>
+                  </a:r>
+                </a:p>
+              </p:txBody>
+            </p:sp>
+          </mc:Fallback>
+        </mc:AlternateContent>
+        <p:sp>
+          <p:nvSpPr>
+            <p:cNvPr id="42" name="椭圆 41">
+              <a:extLst>
+                <a:ext uri="{FF2B5EF4-FFF2-40B4-BE49-F238E27FC236}">
+                  <a16:creationId xmlns:a16="http://schemas.microsoft.com/office/drawing/2014/main" id="{B6719032-585C-440F-B70C-3919F71AE65F}"/>
+                </a:ext>
+              </a:extLst>
+            </p:cNvPr>
+            <p:cNvSpPr/>
+            <p:nvPr/>
+          </p:nvSpPr>
+          <p:spPr>
+            <a:xfrm>
+              <a:off x="4245337" y="4497988"/>
+              <a:ext cx="478971" cy="478971"/>
+            </a:xfrm>
+            <a:prstGeom prst="ellipse">
+              <a:avLst/>
+            </a:prstGeom>
+            <a:solidFill>
+              <a:schemeClr val="bg1"/>
+            </a:solidFill>
+            <a:ln w="6350">
+              <a:solidFill>
+                <a:schemeClr val="tx1"/>
+              </a:solidFill>
+              <a:prstDash val="sysDot"/>
+            </a:ln>
+          </p:spPr>
+          <p:style>
+            <a:lnRef idx="2">
+              <a:schemeClr val="accent1">
+                <a:shade val="50000"/>
+              </a:schemeClr>
+            </a:lnRef>
+            <a:fillRef idx="1">
+              <a:schemeClr val="accent1"/>
+            </a:fillRef>
+            <a:effectRef idx="0">
+              <a:schemeClr val="accent1"/>
+            </a:effectRef>
+            <a:fontRef idx="minor">
+              <a:schemeClr val="lt1"/>
+            </a:fontRef>
+          </p:style>
+          <p:txBody>
+            <a:bodyPr rot="0" spcFirstLastPara="0" vertOverflow="overflow" horzOverflow="overflow" vert="horz" wrap="square" lIns="91440" tIns="45720" rIns="91440" bIns="45720" numCol="1" spcCol="0" rtlCol="0" fromWordArt="0" anchor="ctr" anchorCtr="0" forceAA="0" compatLnSpc="1">
+              <a:prstTxWarp prst="textNoShape">
+                <a:avLst/>
+              </a:prstTxWarp>
+              <a:noAutofit/>
+            </a:bodyPr>
+            <a:lstStyle/>
+            <a:p>
+              <a:pPr algn="ctr"/>
+              <a:r>
+                <a:rPr lang="en-CA">
+                  <a:solidFill>
+                    <a:schemeClr val="bg2">
+                      <a:lumMod val="75000"/>
+                    </a:schemeClr>
+                  </a:solidFill>
+                </a:rPr>
+                <a:t>G</a:t>
+              </a:r>
+              <a:endParaRPr lang="en-US" dirty="0">
+                <a:solidFill>
+                  <a:schemeClr val="bg2">
+                    <a:lumMod val="75000"/>
+                  </a:schemeClr>
+                </a:solidFill>
+              </a:endParaRPr>
+            </a:p>
+          </p:txBody>
+        </p:sp>
+        <mc:AlternateContent xmlns:mc="http://schemas.openxmlformats.org/markup-compatibility/2006">
+          <mc:Choice xmlns:a14="http://schemas.microsoft.com/office/drawing/2010/main" Requires="a14">
+            <p:sp>
+              <p:nvSpPr>
+                <p:cNvPr id="43" name="椭圆 42">
+                  <a:extLst>
+                    <a:ext uri="{FF2B5EF4-FFF2-40B4-BE49-F238E27FC236}">
+                      <a16:creationId xmlns:a16="http://schemas.microsoft.com/office/drawing/2014/main" id="{2EE83FD7-CBFE-4E2F-909C-4BABDD5F99C8}"/>
+                    </a:ext>
+                  </a:extLst>
+                </p:cNvPr>
+                <p:cNvSpPr/>
+                <p:nvPr/>
+              </p:nvSpPr>
+              <p:spPr>
+                <a:xfrm>
+                  <a:off x="3333749" y="4497988"/>
+                  <a:ext cx="478971" cy="478971"/>
+                </a:xfrm>
+                <a:prstGeom prst="ellipse">
+                  <a:avLst/>
+                </a:prstGeom>
+                <a:solidFill>
+                  <a:schemeClr val="bg1">
+                    <a:lumMod val="85000"/>
+                  </a:schemeClr>
+                </a:solidFill>
+                <a:ln>
+                  <a:solidFill>
+                    <a:schemeClr val="tx1"/>
+                  </a:solidFill>
+                </a:ln>
+              </p:spPr>
+              <p:style>
+                <a:lnRef idx="2">
+                  <a:schemeClr val="accent1">
+                    <a:shade val="50000"/>
+                  </a:schemeClr>
+                </a:lnRef>
+                <a:fillRef idx="1">
+                  <a:schemeClr val="accent1"/>
+                </a:fillRef>
+                <a:effectRef idx="0">
+                  <a:schemeClr val="accent1"/>
+                </a:effectRef>
+                <a:fontRef idx="minor">
+                  <a:schemeClr val="lt1"/>
+                </a:fontRef>
+              </p:style>
+              <p:txBody>
+                <a:bodyPr rot="0" spcFirstLastPara="0" vertOverflow="overflow" horzOverflow="overflow" vert="horz" wrap="square" lIns="91440" tIns="45720" rIns="91440" bIns="45720" numCol="1" spcCol="0" rtlCol="0" fromWordArt="0" anchor="ctr" anchorCtr="0" forceAA="0" compatLnSpc="1">
+                  <a:prstTxWarp prst="textNoShape">
+                    <a:avLst/>
+                  </a:prstTxWarp>
+                  <a:noAutofit/>
+                </a:bodyPr>
+                <a:lstStyle/>
+                <a:p>
+                  <a:pPr algn="ctr"/>
+                  <a14:m>
+                    <m:oMathPara xmlns:m="http://schemas.openxmlformats.org/officeDocument/2006/math">
+                      <m:oMathParaPr>
+                        <m:jc m:val="centerGroup"/>
+                      </m:oMathParaPr>
+                      <m:oMath xmlns:m="http://schemas.openxmlformats.org/officeDocument/2006/math">
+                        <m:sSub>
+                          <m:sSubPr>
+                            <m:ctrlPr>
+                              <a:rPr lang="en-CA" i="1">
+                                <a:solidFill>
+                                  <a:schemeClr val="tx1"/>
+                                </a:solidFill>
+                                <a:latin typeface="Cambria Math" panose="02040503050406030204" pitchFamily="18" charset="0"/>
+                              </a:rPr>
+                            </m:ctrlPr>
+                          </m:sSubPr>
+                          <m:e>
+                            <m:r>
+                              <a:rPr lang="en-CA" i="1">
+                                <a:solidFill>
+                                  <a:schemeClr val="tx1"/>
+                                </a:solidFill>
+                                <a:latin typeface="Cambria Math" panose="02040503050406030204" pitchFamily="18" charset="0"/>
+                              </a:rPr>
+                              <m:t>𝑉</m:t>
+                            </m:r>
+                          </m:e>
+                          <m:sub>
+                            <m:r>
+                              <a:rPr lang="en-CA" i="1">
+                                <a:solidFill>
+                                  <a:schemeClr val="tx1"/>
+                                </a:solidFill>
+                                <a:latin typeface="Cambria Math" panose="02040503050406030204" pitchFamily="18" charset="0"/>
+                              </a:rPr>
+                              <m:t>𝑙</m:t>
+                            </m:r>
+                          </m:sub>
+                        </m:sSub>
+                      </m:oMath>
+                    </m:oMathPara>
+                  </a14:m>
+                  <a:endParaRPr lang="en-US" i="1" dirty="0">
+                    <a:solidFill>
+                      <a:schemeClr val="tx1"/>
+                    </a:solidFill>
+                    <a:latin typeface="Cambria Math" panose="02040503050406030204" pitchFamily="18" charset="0"/>
+                  </a:endParaRPr>
+                </a:p>
+              </p:txBody>
+            </p:sp>
+          </mc:Choice>
+          <mc:Fallback>
+            <p:sp>
+              <p:nvSpPr>
+                <p:cNvPr id="43" name="椭圆 42">
+                  <a:extLst>
+                    <a:ext uri="{FF2B5EF4-FFF2-40B4-BE49-F238E27FC236}">
+                      <a16:creationId xmlns:a16="http://schemas.microsoft.com/office/drawing/2014/main" id="{2EE83FD7-CBFE-4E2F-909C-4BABDD5F99C8}"/>
+                    </a:ext>
+                  </a:extLst>
+                </p:cNvPr>
+                <p:cNvSpPr>
+                  <a:spLocks noRot="1" noChangeAspect="1" noMove="1" noResize="1" noEditPoints="1" noAdjustHandles="1" noChangeArrowheads="1" noChangeShapeType="1" noTextEdit="1"/>
+                </p:cNvSpPr>
+                <p:nvPr/>
+              </p:nvSpPr>
+              <p:spPr>
+                <a:xfrm>
+                  <a:off x="3333749" y="4497988"/>
+                  <a:ext cx="478971" cy="478971"/>
+                </a:xfrm>
+                <a:prstGeom prst="ellipse">
+                  <a:avLst/>
+                </a:prstGeom>
+                <a:blipFill>
+                  <a:blip r:embed="rId6"/>
+                  <a:stretch>
+                    <a:fillRect/>
+                  </a:stretch>
+                </a:blipFill>
+                <a:ln>
+                  <a:solidFill>
+                    <a:schemeClr val="tx1"/>
+                  </a:solidFill>
+                </a:ln>
+              </p:spPr>
+              <p:txBody>
+                <a:bodyPr/>
+                <a:lstStyle/>
+                <a:p>
+                  <a:r>
+                    <a:rPr lang="en-US">
+                      <a:noFill/>
+                    </a:rPr>
+                    <a:t> </a:t>
+                  </a:r>
+                </a:p>
+              </p:txBody>
+            </p:sp>
+          </mc:Fallback>
+        </mc:AlternateContent>
+        <mc:AlternateContent xmlns:mc="http://schemas.openxmlformats.org/markup-compatibility/2006">
+          <mc:Choice xmlns:a14="http://schemas.microsoft.com/office/drawing/2010/main" Requires="a14">
+            <p:sp>
+              <p:nvSpPr>
+                <p:cNvPr id="44" name="椭圆 43">
+                  <a:extLst>
+                    <a:ext uri="{FF2B5EF4-FFF2-40B4-BE49-F238E27FC236}">
+                      <a16:creationId xmlns:a16="http://schemas.microsoft.com/office/drawing/2014/main" id="{8889E039-DCCB-47C7-A425-858A07921099}"/>
+                    </a:ext>
+                  </a:extLst>
+                </p:cNvPr>
+                <p:cNvSpPr/>
+                <p:nvPr/>
+              </p:nvSpPr>
+              <p:spPr>
+                <a:xfrm>
+                  <a:off x="5156926" y="4497988"/>
+                  <a:ext cx="478971" cy="478971"/>
+                </a:xfrm>
+                <a:prstGeom prst="ellipse">
+                  <a:avLst/>
+                </a:prstGeom>
+                <a:solidFill>
+                  <a:schemeClr val="bg1">
+                    <a:lumMod val="85000"/>
+                  </a:schemeClr>
+                </a:solidFill>
+                <a:ln>
+                  <a:solidFill>
+                    <a:schemeClr val="tx1"/>
+                  </a:solidFill>
+                </a:ln>
+              </p:spPr>
+              <p:style>
+                <a:lnRef idx="2">
+                  <a:schemeClr val="accent1">
+                    <a:shade val="50000"/>
+                  </a:schemeClr>
+                </a:lnRef>
+                <a:fillRef idx="1">
+                  <a:schemeClr val="accent1"/>
+                </a:fillRef>
+                <a:effectRef idx="0">
+                  <a:schemeClr val="accent1"/>
+                </a:effectRef>
+                <a:fontRef idx="minor">
+                  <a:schemeClr val="lt1"/>
+                </a:fontRef>
+              </p:style>
+              <p:txBody>
+                <a:bodyPr rot="0" spcFirstLastPara="0" vertOverflow="overflow" horzOverflow="overflow" vert="horz" wrap="square" lIns="91440" tIns="45720" rIns="91440" bIns="45720" numCol="1" spcCol="0" rtlCol="0" fromWordArt="0" anchor="ctr" anchorCtr="0" forceAA="0" compatLnSpc="1">
+                  <a:prstTxWarp prst="textNoShape">
+                    <a:avLst/>
+                  </a:prstTxWarp>
+                  <a:noAutofit/>
+                </a:bodyPr>
+                <a:lstStyle/>
+                <a:p>
+                  <a:pPr algn="ctr"/>
+                  <a14:m>
+                    <m:oMathPara xmlns:m="http://schemas.openxmlformats.org/officeDocument/2006/math">
+                      <m:oMathParaPr>
+                        <m:jc m:val="centerGroup"/>
+                      </m:oMathParaPr>
+                      <m:oMath xmlns:m="http://schemas.openxmlformats.org/officeDocument/2006/math">
+                        <m:sSub>
+                          <m:sSubPr>
+                            <m:ctrlPr>
+                              <a:rPr lang="en-CA" i="1">
+                                <a:solidFill>
+                                  <a:schemeClr val="tx1"/>
+                                </a:solidFill>
+                                <a:latin typeface="Cambria Math" panose="02040503050406030204" pitchFamily="18" charset="0"/>
+                              </a:rPr>
+                            </m:ctrlPr>
+                          </m:sSubPr>
+                          <m:e>
+                            <m:r>
+                              <a:rPr lang="en-CA" i="1">
+                                <a:solidFill>
+                                  <a:schemeClr val="tx1"/>
+                                </a:solidFill>
+                                <a:latin typeface="Cambria Math" panose="02040503050406030204" pitchFamily="18" charset="0"/>
+                              </a:rPr>
+                              <m:t>𝑉</m:t>
+                            </m:r>
+                          </m:e>
+                          <m:sub>
+                            <m:r>
+                              <a:rPr lang="en-CA" i="1">
+                                <a:solidFill>
+                                  <a:schemeClr val="tx1"/>
+                                </a:solidFill>
+                                <a:latin typeface="Cambria Math" panose="02040503050406030204" pitchFamily="18" charset="0"/>
+                              </a:rPr>
+                              <m:t>𝑟</m:t>
+                            </m:r>
+                          </m:sub>
+                        </m:sSub>
+                      </m:oMath>
+                    </m:oMathPara>
+                  </a14:m>
+                  <a:endParaRPr lang="en-US" i="1" dirty="0">
+                    <a:solidFill>
+                      <a:schemeClr val="tx1"/>
+                    </a:solidFill>
+                    <a:latin typeface="Cambria Math" panose="02040503050406030204" pitchFamily="18" charset="0"/>
+                  </a:endParaRPr>
+                </a:p>
+              </p:txBody>
+            </p:sp>
+          </mc:Choice>
+          <mc:Fallback>
+            <p:sp>
+              <p:nvSpPr>
+                <p:cNvPr id="44" name="椭圆 43">
+                  <a:extLst>
+                    <a:ext uri="{FF2B5EF4-FFF2-40B4-BE49-F238E27FC236}">
+                      <a16:creationId xmlns:a16="http://schemas.microsoft.com/office/drawing/2014/main" id="{8889E039-DCCB-47C7-A425-858A07921099}"/>
+                    </a:ext>
+                  </a:extLst>
+                </p:cNvPr>
+                <p:cNvSpPr>
+                  <a:spLocks noRot="1" noChangeAspect="1" noMove="1" noResize="1" noEditPoints="1" noAdjustHandles="1" noChangeArrowheads="1" noChangeShapeType="1" noTextEdit="1"/>
+                </p:cNvSpPr>
+                <p:nvPr/>
+              </p:nvSpPr>
+              <p:spPr>
+                <a:xfrm>
+                  <a:off x="5156926" y="4497988"/>
+                  <a:ext cx="478971" cy="478971"/>
+                </a:xfrm>
+                <a:prstGeom prst="ellipse">
+                  <a:avLst/>
+                </a:prstGeom>
+                <a:blipFill>
+                  <a:blip r:embed="rId7"/>
+                  <a:stretch>
+                    <a:fillRect/>
+                  </a:stretch>
+                </a:blipFill>
+                <a:ln>
+                  <a:solidFill>
+                    <a:schemeClr val="tx1"/>
+                  </a:solidFill>
+                </a:ln>
+              </p:spPr>
+              <p:txBody>
+                <a:bodyPr/>
+                <a:lstStyle/>
+                <a:p>
+                  <a:r>
+                    <a:rPr lang="en-US">
+                      <a:noFill/>
+                    </a:rPr>
+                    <a:t> </a:t>
+                  </a:r>
+                </a:p>
+              </p:txBody>
+            </p:sp>
+          </mc:Fallback>
+        </mc:AlternateContent>
+        <p:cxnSp>
+          <p:nvCxnSpPr>
+            <p:cNvPr id="60" name="直接连接符 59">
+              <a:extLst>
+                <a:ext uri="{FF2B5EF4-FFF2-40B4-BE49-F238E27FC236}">
+                  <a16:creationId xmlns:a16="http://schemas.microsoft.com/office/drawing/2014/main" id="{B1CDA23B-4B0C-4397-B104-106993A0F88E}"/>
+                </a:ext>
+              </a:extLst>
+            </p:cNvPr>
+            <p:cNvCxnSpPr>
+              <a:cxnSpLocks/>
+              <a:stCxn id="43" idx="6"/>
+              <a:endCxn id="44" idx="2"/>
+            </p:cNvCxnSpPr>
+            <p:nvPr/>
+          </p:nvCxnSpPr>
+          <p:spPr>
+            <a:xfrm>
+              <a:off x="3812720" y="4737474"/>
+              <a:ext cx="1344206" cy="0"/>
+            </a:xfrm>
+            <a:prstGeom prst="line">
+              <a:avLst/>
+            </a:prstGeom>
+          </p:spPr>
+          <p:style>
+            <a:lnRef idx="1">
+              <a:schemeClr val="dk1"/>
+            </a:lnRef>
+            <a:fillRef idx="0">
+              <a:schemeClr val="dk1"/>
+            </a:fillRef>
+            <a:effectRef idx="0">
+              <a:schemeClr val="dk1"/>
+            </a:effectRef>
+            <a:fontRef idx="minor">
+              <a:schemeClr val="tx1"/>
+            </a:fontRef>
+          </p:style>
+        </p:cxnSp>
+        <mc:AlternateContent xmlns:mc="http://schemas.openxmlformats.org/markup-compatibility/2006">
+          <mc:Choice xmlns:a14="http://schemas.microsoft.com/office/drawing/2010/main" Requires="a14">
+            <p:sp>
+              <p:nvSpPr>
+                <p:cNvPr id="62" name="文本框 61">
+                  <a:extLst>
+                    <a:ext uri="{FF2B5EF4-FFF2-40B4-BE49-F238E27FC236}">
+                      <a16:creationId xmlns:a16="http://schemas.microsoft.com/office/drawing/2014/main" id="{DCCF5CD5-14DE-40F9-94F2-196CDC55C177}"/>
+                    </a:ext>
+                  </a:extLst>
+                </p:cNvPr>
+                <p:cNvSpPr txBox="1"/>
+                <p:nvPr/>
+              </p:nvSpPr>
+              <p:spPr>
+                <a:xfrm>
+                  <a:off x="3959038" y="4388349"/>
+                  <a:ext cx="1051570" cy="369332"/>
+                </a:xfrm>
+                <a:prstGeom prst="rect">
+                  <a:avLst/>
+                </a:prstGeom>
+                <a:noFill/>
+              </p:spPr>
+              <p:txBody>
+                <a:bodyPr wrap="none" rtlCol="0">
+                  <a:spAutoFit/>
+                </a:bodyPr>
+                <a:lstStyle/>
+                <a:p>
+                  <a14:m>
+                    <m:oMathPara xmlns:m="http://schemas.openxmlformats.org/officeDocument/2006/math">
+                      <m:oMathParaPr>
+                        <m:jc m:val="centerGroup"/>
+                      </m:oMathParaPr>
+                      <m:oMath xmlns:m="http://schemas.openxmlformats.org/officeDocument/2006/math">
+                        <m:sSub>
+                          <m:sSubPr>
+                            <m:ctrlPr>
+                              <a:rPr lang="en-CA" b="0" i="1" smtClean="0">
+                                <a:latin typeface="Cambria Math" panose="02040503050406030204" pitchFamily="18" charset="0"/>
+                              </a:rPr>
+                            </m:ctrlPr>
+                          </m:sSubPr>
+                          <m:e>
+                            <m:r>
+                              <a:rPr lang="en-CA" b="0" i="1" smtClean="0">
+                                <a:latin typeface="Cambria Math" panose="02040503050406030204" pitchFamily="18" charset="0"/>
+                              </a:rPr>
+                              <m:t>𝑊</m:t>
+                            </m:r>
+                          </m:e>
+                          <m:sub>
+                            <m:r>
+                              <a:rPr lang="en-CA" b="0" i="1" smtClean="0">
+                                <a:latin typeface="Cambria Math" panose="02040503050406030204" pitchFamily="18" charset="0"/>
+                              </a:rPr>
+                              <m:t>𝑙</m:t>
+                            </m:r>
+                          </m:sub>
+                        </m:sSub>
+                        <m:r>
+                          <a:rPr lang="en-CA" b="0" i="1" smtClean="0">
+                            <a:latin typeface="Cambria Math" panose="02040503050406030204" pitchFamily="18" charset="0"/>
+                          </a:rPr>
+                          <m:t>+</m:t>
+                        </m:r>
+                        <m:sSub>
+                          <m:sSubPr>
+                            <m:ctrlPr>
+                              <a:rPr lang="en-CA" i="1">
+                                <a:latin typeface="Cambria Math" panose="02040503050406030204" pitchFamily="18" charset="0"/>
+                              </a:rPr>
+                            </m:ctrlPr>
+                          </m:sSubPr>
+                          <m:e>
+                            <m:r>
+                              <a:rPr lang="en-CA" i="1">
+                                <a:latin typeface="Cambria Math" panose="02040503050406030204" pitchFamily="18" charset="0"/>
+                              </a:rPr>
+                              <m:t>𝑊</m:t>
+                            </m:r>
+                          </m:e>
+                          <m:sub>
+                            <m:r>
+                              <a:rPr lang="en-CA" i="1">
+                                <a:latin typeface="Cambria Math" panose="02040503050406030204" pitchFamily="18" charset="0"/>
+                              </a:rPr>
+                              <m:t>𝑟</m:t>
+                            </m:r>
+                          </m:sub>
+                        </m:sSub>
+                      </m:oMath>
+                    </m:oMathPara>
+                  </a14:m>
+                  <a:endParaRPr lang="en-US" dirty="0"/>
+                </a:p>
+              </p:txBody>
+            </p:sp>
+          </mc:Choice>
+          <mc:Fallback>
+            <p:sp>
+              <p:nvSpPr>
+                <p:cNvPr id="62" name="文本框 61">
+                  <a:extLst>
+                    <a:ext uri="{FF2B5EF4-FFF2-40B4-BE49-F238E27FC236}">
+                      <a16:creationId xmlns:a16="http://schemas.microsoft.com/office/drawing/2014/main" id="{DCCF5CD5-14DE-40F9-94F2-196CDC55C177}"/>
+                    </a:ext>
+                  </a:extLst>
+                </p:cNvPr>
+                <p:cNvSpPr txBox="1">
+                  <a:spLocks noRot="1" noChangeAspect="1" noMove="1" noResize="1" noEditPoints="1" noAdjustHandles="1" noChangeArrowheads="1" noChangeShapeType="1" noTextEdit="1"/>
+                </p:cNvSpPr>
+                <p:nvPr/>
+              </p:nvSpPr>
+              <p:spPr>
+                <a:xfrm>
+                  <a:off x="3959038" y="4388349"/>
+                  <a:ext cx="1051570" cy="369332"/>
+                </a:xfrm>
+                <a:prstGeom prst="rect">
+                  <a:avLst/>
+                </a:prstGeom>
+                <a:blipFill>
+                  <a:blip r:embed="rId8"/>
+                  <a:stretch>
+                    <a:fillRect/>
+                  </a:stretch>
+                </a:blipFill>
+              </p:spPr>
+              <p:txBody>
+                <a:bodyPr/>
+                <a:lstStyle/>
+                <a:p>
+                  <a:r>
+                    <a:rPr lang="en-US">
+                      <a:noFill/>
+                    </a:rPr>
+                    <a:t> </a:t>
+                  </a:r>
+                </a:p>
+              </p:txBody>
+            </p:sp>
+          </mc:Fallback>
+        </mc:AlternateContent>
+        <p:grpSp>
+          <p:nvGrpSpPr>
+            <p:cNvPr id="36" name="组合 35">
+              <a:extLst>
+                <a:ext uri="{FF2B5EF4-FFF2-40B4-BE49-F238E27FC236}">
+                  <a16:creationId xmlns:a16="http://schemas.microsoft.com/office/drawing/2014/main" id="{641AB956-E0CE-4FC0-8394-62F897742EB2}"/>
+                </a:ext>
+              </a:extLst>
+            </p:cNvPr>
+            <p:cNvGrpSpPr/>
+            <p:nvPr/>
+          </p:nvGrpSpPr>
+          <p:grpSpPr>
+            <a:xfrm>
+              <a:off x="6082847" y="3649684"/>
+              <a:ext cx="4238706" cy="1329753"/>
+              <a:chOff x="6082847" y="3649684"/>
+              <a:chExt cx="4238706" cy="1329753"/>
+            </a:xfrm>
+          </p:grpSpPr>
+          <p:sp>
+            <p:nvSpPr>
+              <p:cNvPr id="73" name="椭圆 72">
+                <a:extLst>
+                  <a:ext uri="{FF2B5EF4-FFF2-40B4-BE49-F238E27FC236}">
+                    <a16:creationId xmlns:a16="http://schemas.microsoft.com/office/drawing/2014/main" id="{8A068BF0-DBB9-4210-B4AC-9161F953009A}"/>
+                  </a:ext>
+                </a:extLst>
+              </p:cNvPr>
+              <p:cNvSpPr/>
+              <p:nvPr/>
+            </p:nvSpPr>
+            <p:spPr>
+              <a:xfrm>
+                <a:off x="7022781" y="4500466"/>
+                <a:ext cx="478971" cy="478971"/>
+              </a:xfrm>
+              <a:prstGeom prst="ellipse">
+                <a:avLst/>
+              </a:prstGeom>
+              <a:solidFill>
+                <a:schemeClr val="bg1"/>
+              </a:solidFill>
+              <a:ln w="6350">
+                <a:solidFill>
+                  <a:schemeClr val="tx1"/>
+                </a:solidFill>
+                <a:prstDash val="sysDot"/>
+              </a:ln>
+            </p:spPr>
+            <p:style>
+              <a:lnRef idx="2">
+                <a:schemeClr val="accent1">
+                  <a:shade val="50000"/>
+                </a:schemeClr>
+              </a:lnRef>
+              <a:fillRef idx="1">
+                <a:schemeClr val="accent1"/>
+              </a:fillRef>
+              <a:effectRef idx="0">
+                <a:schemeClr val="accent1"/>
+              </a:effectRef>
+              <a:fontRef idx="minor">
+                <a:schemeClr val="lt1"/>
+              </a:fontRef>
+            </p:style>
+            <p:txBody>
+              <a:bodyPr rot="0" spcFirstLastPara="0" vertOverflow="overflow" horzOverflow="overflow" vert="horz" wrap="square" lIns="91440" tIns="45720" rIns="91440" bIns="45720" numCol="1" spcCol="0" rtlCol="0" fromWordArt="0" anchor="ctr" anchorCtr="0" forceAA="0" compatLnSpc="1">
+                <a:prstTxWarp prst="textNoShape">
+                  <a:avLst/>
+                </a:prstTxWarp>
+                <a:noAutofit/>
+              </a:bodyPr>
+              <a:lstStyle/>
+              <a:p>
+                <a:pPr algn="ctr"/>
+                <a:r>
+                  <a:rPr lang="en-CA">
+                    <a:solidFill>
+                      <a:schemeClr val="bg2">
+                        <a:lumMod val="75000"/>
+                      </a:schemeClr>
+                    </a:solidFill>
+                  </a:rPr>
+                  <a:t>G</a:t>
+                </a:r>
+                <a:endParaRPr lang="en-US" dirty="0">
+                  <a:solidFill>
+                    <a:schemeClr val="bg2">
+                      <a:lumMod val="75000"/>
+                    </a:schemeClr>
+                  </a:solidFill>
+                </a:endParaRPr>
+              </a:p>
+            </p:txBody>
+          </p:sp>
+          <p:sp>
+            <p:nvSpPr>
+              <p:cNvPr id="74" name="椭圆 73">
+                <a:extLst>
+                  <a:ext uri="{FF2B5EF4-FFF2-40B4-BE49-F238E27FC236}">
+                    <a16:creationId xmlns:a16="http://schemas.microsoft.com/office/drawing/2014/main" id="{A97DA807-186E-47CE-AAA3-4702DD520B5F}"/>
+                  </a:ext>
+                </a:extLst>
+              </p:cNvPr>
+              <p:cNvSpPr/>
+              <p:nvPr/>
+            </p:nvSpPr>
+            <p:spPr>
+              <a:xfrm>
+                <a:off x="7962715" y="4500466"/>
+                <a:ext cx="478971" cy="478971"/>
+              </a:xfrm>
+              <a:prstGeom prst="ellipse">
+                <a:avLst/>
+              </a:prstGeom>
+              <a:solidFill>
+                <a:schemeClr val="bg1"/>
+              </a:solidFill>
+              <a:ln w="6350">
+                <a:solidFill>
+                  <a:schemeClr val="tx1"/>
+                </a:solidFill>
+                <a:prstDash val="sysDot"/>
+              </a:ln>
+            </p:spPr>
+            <p:style>
+              <a:lnRef idx="2">
+                <a:schemeClr val="accent1">
+                  <a:shade val="50000"/>
+                </a:schemeClr>
+              </a:lnRef>
+              <a:fillRef idx="1">
+                <a:schemeClr val="accent1"/>
+              </a:fillRef>
+              <a:effectRef idx="0">
+                <a:schemeClr val="accent1"/>
+              </a:effectRef>
+              <a:fontRef idx="minor">
+                <a:schemeClr val="lt1"/>
+              </a:fontRef>
+            </p:style>
+            <p:txBody>
+              <a:bodyPr rot="0" spcFirstLastPara="0" vertOverflow="overflow" horzOverflow="overflow" vert="horz" wrap="square" lIns="91440" tIns="45720" rIns="91440" bIns="45720" numCol="1" spcCol="0" rtlCol="0" fromWordArt="0" anchor="ctr" anchorCtr="0" forceAA="0" compatLnSpc="1">
+                <a:prstTxWarp prst="textNoShape">
+                  <a:avLst/>
+                </a:prstTxWarp>
+                <a:noAutofit/>
+              </a:bodyPr>
+              <a:lstStyle/>
+              <a:p>
+                <a:pPr algn="ctr"/>
+                <a:r>
+                  <a:rPr lang="en-CA">
+                    <a:solidFill>
+                      <a:schemeClr val="bg2">
+                        <a:lumMod val="75000"/>
+                      </a:schemeClr>
+                    </a:solidFill>
+                  </a:rPr>
+                  <a:t>G</a:t>
+                </a:r>
+                <a:endParaRPr lang="en-US" dirty="0">
+                  <a:solidFill>
+                    <a:schemeClr val="bg2">
+                      <a:lumMod val="75000"/>
+                    </a:schemeClr>
+                  </a:solidFill>
+                </a:endParaRPr>
+              </a:p>
+            </p:txBody>
+          </p:sp>
+          <p:sp>
+            <p:nvSpPr>
+              <p:cNvPr id="75" name="椭圆 74">
+                <a:extLst>
+                  <a:ext uri="{FF2B5EF4-FFF2-40B4-BE49-F238E27FC236}">
+                    <a16:creationId xmlns:a16="http://schemas.microsoft.com/office/drawing/2014/main" id="{B933FEFE-270A-49ED-9AB1-596AAA3F5A5A}"/>
+                  </a:ext>
+                </a:extLst>
+              </p:cNvPr>
+              <p:cNvSpPr/>
+              <p:nvPr/>
+            </p:nvSpPr>
+            <p:spPr>
+              <a:xfrm>
+                <a:off x="8902649" y="4500466"/>
+                <a:ext cx="478971" cy="478971"/>
+              </a:xfrm>
+              <a:prstGeom prst="ellipse">
+                <a:avLst/>
+              </a:prstGeom>
+              <a:solidFill>
+                <a:schemeClr val="bg1"/>
+              </a:solidFill>
+              <a:ln w="6350">
+                <a:solidFill>
+                  <a:schemeClr val="tx1"/>
+                </a:solidFill>
+                <a:prstDash val="sysDot"/>
+              </a:ln>
+            </p:spPr>
+            <p:style>
+              <a:lnRef idx="2">
+                <a:schemeClr val="accent1">
+                  <a:shade val="50000"/>
+                </a:schemeClr>
+              </a:lnRef>
+              <a:fillRef idx="1">
+                <a:schemeClr val="accent1"/>
+              </a:fillRef>
+              <a:effectRef idx="0">
+                <a:schemeClr val="accent1"/>
+              </a:effectRef>
+              <a:fontRef idx="minor">
+                <a:schemeClr val="lt1"/>
+              </a:fontRef>
+            </p:style>
+            <p:txBody>
+              <a:bodyPr rot="0" spcFirstLastPara="0" vertOverflow="overflow" horzOverflow="overflow" vert="horz" wrap="square" lIns="91440" tIns="45720" rIns="91440" bIns="45720" numCol="1" spcCol="0" rtlCol="0" fromWordArt="0" anchor="ctr" anchorCtr="0" forceAA="0" compatLnSpc="1">
+                <a:prstTxWarp prst="textNoShape">
+                  <a:avLst/>
+                </a:prstTxWarp>
+                <a:noAutofit/>
+              </a:bodyPr>
+              <a:lstStyle/>
+              <a:p>
+                <a:pPr algn="ctr"/>
+                <a:r>
+                  <a:rPr lang="en-CA">
+                    <a:solidFill>
+                      <a:schemeClr val="bg2">
+                        <a:lumMod val="75000"/>
+                      </a:schemeClr>
+                    </a:solidFill>
+                  </a:rPr>
+                  <a:t>G</a:t>
+                </a:r>
+                <a:endParaRPr lang="en-US" dirty="0">
+                  <a:solidFill>
+                    <a:schemeClr val="bg2">
+                      <a:lumMod val="75000"/>
+                    </a:schemeClr>
+                  </a:solidFill>
+                </a:endParaRPr>
+              </a:p>
+            </p:txBody>
+          </p:sp>
+          <p:sp>
+            <p:nvSpPr>
+              <p:cNvPr id="76" name="椭圆 75">
+                <a:extLst>
+                  <a:ext uri="{FF2B5EF4-FFF2-40B4-BE49-F238E27FC236}">
+                    <a16:creationId xmlns:a16="http://schemas.microsoft.com/office/drawing/2014/main" id="{DEB62549-D326-4641-A4E1-6E4921068E79}"/>
+                  </a:ext>
+                </a:extLst>
+              </p:cNvPr>
+              <p:cNvSpPr/>
+              <p:nvPr/>
+            </p:nvSpPr>
+            <p:spPr>
+              <a:xfrm>
+                <a:off x="7022781" y="3779531"/>
+                <a:ext cx="478971" cy="478971"/>
+              </a:xfrm>
+              <a:prstGeom prst="ellipse">
+                <a:avLst/>
+              </a:prstGeom>
+              <a:solidFill>
+                <a:schemeClr val="bg1"/>
+              </a:solidFill>
+              <a:ln>
+                <a:solidFill>
+                  <a:schemeClr val="tx1"/>
+                </a:solidFill>
+              </a:ln>
+            </p:spPr>
+            <p:style>
+              <a:lnRef idx="2">
+                <a:schemeClr val="accent1">
+                  <a:shade val="50000"/>
+                </a:schemeClr>
+              </a:lnRef>
+              <a:fillRef idx="1">
+                <a:schemeClr val="accent1"/>
+              </a:fillRef>
+              <a:effectRef idx="0">
+                <a:schemeClr val="accent1"/>
+              </a:effectRef>
+              <a:fontRef idx="minor">
+                <a:schemeClr val="lt1"/>
+              </a:fontRef>
+            </p:style>
+            <p:txBody>
+              <a:bodyPr rot="0" spcFirstLastPara="0" vertOverflow="overflow" horzOverflow="overflow" vert="horz" wrap="square" lIns="91440" tIns="45720" rIns="91440" bIns="45720" numCol="1" spcCol="0" rtlCol="0" fromWordArt="0" anchor="ctr" anchorCtr="0" forceAA="0" compatLnSpc="1">
+                <a:prstTxWarp prst="textNoShape">
+                  <a:avLst/>
+                </a:prstTxWarp>
+                <a:noAutofit/>
+              </a:bodyPr>
+              <a:lstStyle/>
+              <a:p>
+                <a:pPr algn="ctr"/>
+                <a:r>
+                  <a:rPr lang="en-CA" dirty="0">
+                    <a:solidFill>
+                      <a:schemeClr val="tx1"/>
+                    </a:solidFill>
+                  </a:rPr>
+                  <a:t>G</a:t>
+                </a:r>
+                <a:endParaRPr lang="en-US" dirty="0">
+                  <a:solidFill>
+                    <a:schemeClr val="tx1"/>
+                  </a:solidFill>
+                </a:endParaRPr>
+              </a:p>
+            </p:txBody>
+          </p:sp>
+          <p:cxnSp>
+            <p:nvCxnSpPr>
+              <p:cNvPr id="77" name="直接连接符 76">
+                <a:extLst>
+                  <a:ext uri="{FF2B5EF4-FFF2-40B4-BE49-F238E27FC236}">
+                    <a16:creationId xmlns:a16="http://schemas.microsoft.com/office/drawing/2014/main" id="{19C3ED6A-78B4-48C8-9DBC-F9666BD2D9C8}"/>
+                  </a:ext>
+                </a:extLst>
+              </p:cNvPr>
+              <p:cNvCxnSpPr>
+                <a:cxnSpLocks/>
+                <a:stCxn id="78" idx="6"/>
+                <a:endCxn id="76" idx="2"/>
+              </p:cNvCxnSpPr>
+              <p:nvPr/>
+            </p:nvCxnSpPr>
+            <p:spPr>
+              <a:xfrm>
+                <a:off x="6561818" y="4019017"/>
+                <a:ext cx="460963" cy="0"/>
+              </a:xfrm>
+              <a:prstGeom prst="line">
+                <a:avLst/>
+              </a:prstGeom>
+            </p:spPr>
+            <p:style>
+              <a:lnRef idx="1">
+                <a:schemeClr val="dk1"/>
+              </a:lnRef>
+              <a:fillRef idx="0">
+                <a:schemeClr val="dk1"/>
+              </a:fillRef>
+              <a:effectRef idx="0">
+                <a:schemeClr val="dk1"/>
+              </a:effectRef>
+              <a:fontRef idx="minor">
+                <a:schemeClr val="tx1"/>
+              </a:fontRef>
+            </p:style>
+          </p:cxnSp>
+          <p:sp>
+            <p:nvSpPr>
+              <p:cNvPr id="78" name="椭圆 77">
+                <a:extLst>
+                  <a:ext uri="{FF2B5EF4-FFF2-40B4-BE49-F238E27FC236}">
+                    <a16:creationId xmlns:a16="http://schemas.microsoft.com/office/drawing/2014/main" id="{9418E7BB-205F-4229-9488-79567C8FFB71}"/>
+                  </a:ext>
+                </a:extLst>
+              </p:cNvPr>
+              <p:cNvSpPr/>
+              <p:nvPr/>
+            </p:nvSpPr>
+            <p:spPr>
+              <a:xfrm>
+                <a:off x="6082847" y="3779531"/>
+                <a:ext cx="478971" cy="478971"/>
+              </a:xfrm>
+              <a:prstGeom prst="ellipse">
+                <a:avLst/>
+              </a:prstGeom>
+              <a:solidFill>
+                <a:schemeClr val="bg2">
+                  <a:lumMod val="50000"/>
+                </a:schemeClr>
+              </a:solidFill>
+              <a:ln>
+                <a:solidFill>
+                  <a:schemeClr val="tx1"/>
+                </a:solidFill>
+              </a:ln>
+            </p:spPr>
+            <p:style>
+              <a:lnRef idx="2">
+                <a:schemeClr val="accent1">
+                  <a:shade val="50000"/>
+                </a:schemeClr>
+              </a:lnRef>
+              <a:fillRef idx="1">
+                <a:schemeClr val="accent1"/>
+              </a:fillRef>
+              <a:effectRef idx="0">
+                <a:schemeClr val="accent1"/>
+              </a:effectRef>
+              <a:fontRef idx="minor">
+                <a:schemeClr val="lt1"/>
+              </a:fontRef>
+            </p:style>
+            <p:txBody>
+              <a:bodyPr rtlCol="0" anchor="ctr"/>
+              <a:lstStyle/>
+              <a:p>
+                <a:pPr algn="ctr"/>
+                <a:r>
+                  <a:rPr lang="en-CA" dirty="0">
+                    <a:ln>
+                      <a:solidFill>
+                        <a:schemeClr val="bg1"/>
+                      </a:solidFill>
+                    </a:ln>
+                    <a:solidFill>
+                      <a:schemeClr val="bg1"/>
+                    </a:solidFill>
+                  </a:rPr>
+                  <a:t>R</a:t>
+                </a:r>
+                <a:endParaRPr lang="en-US" dirty="0">
+                  <a:ln>
+                    <a:solidFill>
+                      <a:schemeClr val="bg1"/>
+                    </a:solidFill>
+                  </a:ln>
+                  <a:solidFill>
+                    <a:schemeClr val="bg1"/>
+                  </a:solidFill>
+                </a:endParaRPr>
+              </a:p>
+            </p:txBody>
+          </p:sp>
+          <p:sp>
+            <p:nvSpPr>
+              <p:cNvPr id="79" name="椭圆 78">
+                <a:extLst>
+                  <a:ext uri="{FF2B5EF4-FFF2-40B4-BE49-F238E27FC236}">
+                    <a16:creationId xmlns:a16="http://schemas.microsoft.com/office/drawing/2014/main" id="{09EFE5AC-8005-4BE2-B111-8D5162DC4D29}"/>
+                  </a:ext>
+                </a:extLst>
+              </p:cNvPr>
+              <p:cNvSpPr/>
+              <p:nvPr/>
+            </p:nvSpPr>
+            <p:spPr>
+              <a:xfrm>
+                <a:off x="7962715" y="3779531"/>
+                <a:ext cx="478971" cy="478971"/>
+              </a:xfrm>
+              <a:prstGeom prst="ellipse">
+                <a:avLst/>
+              </a:prstGeom>
+              <a:solidFill>
+                <a:schemeClr val="bg1"/>
+              </a:solidFill>
+              <a:ln>
+                <a:solidFill>
+                  <a:schemeClr val="tx1"/>
+                </a:solidFill>
+              </a:ln>
+            </p:spPr>
+            <p:style>
+              <a:lnRef idx="2">
+                <a:schemeClr val="accent1">
+                  <a:shade val="50000"/>
+                </a:schemeClr>
+              </a:lnRef>
+              <a:fillRef idx="1">
+                <a:schemeClr val="accent1"/>
+              </a:fillRef>
+              <a:effectRef idx="0">
+                <a:schemeClr val="accent1"/>
+              </a:effectRef>
+              <a:fontRef idx="minor">
+                <a:schemeClr val="lt1"/>
+              </a:fontRef>
+            </p:style>
+            <p:txBody>
+              <a:bodyPr rot="0" spcFirstLastPara="0" vertOverflow="overflow" horzOverflow="overflow" vert="horz" wrap="square" lIns="91440" tIns="45720" rIns="91440" bIns="45720" numCol="1" spcCol="0" rtlCol="0" fromWordArt="0" anchor="ctr" anchorCtr="0" forceAA="0" compatLnSpc="1">
+                <a:prstTxWarp prst="textNoShape">
+                  <a:avLst/>
+                </a:prstTxWarp>
+                <a:noAutofit/>
+              </a:bodyPr>
+              <a:lstStyle/>
+              <a:p>
+                <a:pPr algn="ctr"/>
+                <a:r>
+                  <a:rPr lang="en-CA" dirty="0">
+                    <a:solidFill>
+                      <a:schemeClr val="tx1"/>
+                    </a:solidFill>
+                  </a:rPr>
+                  <a:t>G</a:t>
+                </a:r>
+                <a:endParaRPr lang="en-US" dirty="0">
+                  <a:solidFill>
+                    <a:schemeClr val="tx1"/>
+                  </a:solidFill>
+                </a:endParaRPr>
+              </a:p>
+            </p:txBody>
+          </p:sp>
+          <p:sp>
+            <p:nvSpPr>
+              <p:cNvPr id="80" name="椭圆 79">
+                <a:extLst>
+                  <a:ext uri="{FF2B5EF4-FFF2-40B4-BE49-F238E27FC236}">
+                    <a16:creationId xmlns:a16="http://schemas.microsoft.com/office/drawing/2014/main" id="{96825A50-E607-4057-B86D-6580DE7CD8A9}"/>
+                  </a:ext>
+                </a:extLst>
+              </p:cNvPr>
+              <p:cNvSpPr/>
+              <p:nvPr/>
+            </p:nvSpPr>
+            <p:spPr>
+              <a:xfrm>
+                <a:off x="8902649" y="3779531"/>
+                <a:ext cx="478971" cy="478971"/>
+              </a:xfrm>
+              <a:prstGeom prst="ellipse">
+                <a:avLst/>
+              </a:prstGeom>
+              <a:solidFill>
+                <a:schemeClr val="bg1"/>
+              </a:solidFill>
+              <a:ln>
+                <a:solidFill>
+                  <a:schemeClr val="tx1"/>
+                </a:solidFill>
+              </a:ln>
+            </p:spPr>
+            <p:style>
+              <a:lnRef idx="2">
+                <a:schemeClr val="accent1">
+                  <a:shade val="50000"/>
+                </a:schemeClr>
+              </a:lnRef>
+              <a:fillRef idx="1">
+                <a:schemeClr val="accent1"/>
+              </a:fillRef>
+              <a:effectRef idx="0">
+                <a:schemeClr val="accent1"/>
+              </a:effectRef>
+              <a:fontRef idx="minor">
+                <a:schemeClr val="lt1"/>
+              </a:fontRef>
+            </p:style>
+            <p:txBody>
+              <a:bodyPr rot="0" spcFirstLastPara="0" vertOverflow="overflow" horzOverflow="overflow" vert="horz" wrap="square" lIns="91440" tIns="45720" rIns="91440" bIns="45720" numCol="1" spcCol="0" rtlCol="0" fromWordArt="0" anchor="ctr" anchorCtr="0" forceAA="0" compatLnSpc="1">
+                <a:prstTxWarp prst="textNoShape">
+                  <a:avLst/>
+                </a:prstTxWarp>
+                <a:noAutofit/>
+              </a:bodyPr>
+              <a:lstStyle/>
+              <a:p>
+                <a:pPr algn="ctr"/>
+                <a:r>
+                  <a:rPr lang="en-CA" dirty="0">
+                    <a:solidFill>
+                      <a:schemeClr val="tx1"/>
+                    </a:solidFill>
+                  </a:rPr>
+                  <a:t>G</a:t>
+                </a:r>
+                <a:endParaRPr lang="en-US" dirty="0">
+                  <a:solidFill>
+                    <a:schemeClr val="tx1"/>
+                  </a:solidFill>
+                </a:endParaRPr>
+              </a:p>
+            </p:txBody>
+          </p:sp>
+          <p:sp>
+            <p:nvSpPr>
+              <p:cNvPr id="81" name="椭圆 80">
+                <a:extLst>
+                  <a:ext uri="{FF2B5EF4-FFF2-40B4-BE49-F238E27FC236}">
+                    <a16:creationId xmlns:a16="http://schemas.microsoft.com/office/drawing/2014/main" id="{14894CC9-8E75-4E7C-B4EA-52481BEC4D0D}"/>
+                  </a:ext>
+                </a:extLst>
+              </p:cNvPr>
+              <p:cNvSpPr/>
+              <p:nvPr/>
+            </p:nvSpPr>
+            <p:spPr>
+              <a:xfrm>
+                <a:off x="9842582" y="3779531"/>
+                <a:ext cx="478971" cy="478971"/>
+              </a:xfrm>
+              <a:prstGeom prst="ellipse">
+                <a:avLst/>
+              </a:prstGeom>
+              <a:solidFill>
+                <a:schemeClr val="bg2">
+                  <a:lumMod val="50000"/>
+                </a:schemeClr>
+              </a:solidFill>
+              <a:ln>
+                <a:solidFill>
+                  <a:schemeClr val="tx1"/>
+                </a:solidFill>
+              </a:ln>
+            </p:spPr>
+            <p:style>
+              <a:lnRef idx="2">
+                <a:schemeClr val="accent1">
+                  <a:shade val="50000"/>
+                </a:schemeClr>
+              </a:lnRef>
+              <a:fillRef idx="1">
+                <a:schemeClr val="accent1"/>
+              </a:fillRef>
+              <a:effectRef idx="0">
+                <a:schemeClr val="accent1"/>
+              </a:effectRef>
+              <a:fontRef idx="minor">
+                <a:schemeClr val="lt1"/>
+              </a:fontRef>
+            </p:style>
+            <p:txBody>
+              <a:bodyPr rtlCol="0" anchor="ctr"/>
+              <a:lstStyle/>
+              <a:p>
+                <a:pPr algn="ctr"/>
+                <a:r>
+                  <a:rPr lang="en-CA">
+                    <a:ln>
+                      <a:solidFill>
+                        <a:schemeClr val="bg1"/>
+                      </a:solidFill>
+                    </a:ln>
+                    <a:solidFill>
+                      <a:schemeClr val="bg1"/>
+                    </a:solidFill>
+                  </a:rPr>
+                  <a:t>R</a:t>
+                </a:r>
+                <a:endParaRPr lang="en-US" dirty="0">
+                  <a:ln>
+                    <a:solidFill>
+                      <a:schemeClr val="bg1"/>
+                    </a:solidFill>
+                  </a:ln>
+                  <a:solidFill>
+                    <a:schemeClr val="bg1"/>
+                  </a:solidFill>
+                </a:endParaRPr>
+              </a:p>
+            </p:txBody>
+          </p:sp>
+          <p:cxnSp>
+            <p:nvCxnSpPr>
+              <p:cNvPr id="82" name="直接连接符 81">
+                <a:extLst>
+                  <a:ext uri="{FF2B5EF4-FFF2-40B4-BE49-F238E27FC236}">
+                    <a16:creationId xmlns:a16="http://schemas.microsoft.com/office/drawing/2014/main" id="{83151AC8-068C-4CC2-8D35-7CA2A525ACE9}"/>
+                  </a:ext>
+                </a:extLst>
+              </p:cNvPr>
+              <p:cNvCxnSpPr>
+                <a:cxnSpLocks/>
+                <a:stCxn id="76" idx="6"/>
+                <a:endCxn id="79" idx="2"/>
+              </p:cNvCxnSpPr>
+              <p:nvPr/>
+            </p:nvCxnSpPr>
+            <p:spPr>
+              <a:xfrm>
+                <a:off x="7501752" y="4019017"/>
+                <a:ext cx="460963" cy="0"/>
+              </a:xfrm>
+              <a:prstGeom prst="line">
+                <a:avLst/>
+              </a:prstGeom>
+            </p:spPr>
+            <p:style>
+              <a:lnRef idx="1">
+                <a:schemeClr val="dk1"/>
+              </a:lnRef>
+              <a:fillRef idx="0">
+                <a:schemeClr val="dk1"/>
+              </a:fillRef>
+              <a:effectRef idx="0">
+                <a:schemeClr val="dk1"/>
+              </a:effectRef>
+              <a:fontRef idx="minor">
+                <a:schemeClr val="tx1"/>
+              </a:fontRef>
+            </p:style>
+          </p:cxnSp>
+          <p:cxnSp>
+            <p:nvCxnSpPr>
+              <p:cNvPr id="83" name="直接连接符 82">
+                <a:extLst>
+                  <a:ext uri="{FF2B5EF4-FFF2-40B4-BE49-F238E27FC236}">
+                    <a16:creationId xmlns:a16="http://schemas.microsoft.com/office/drawing/2014/main" id="{F06E1604-B0AF-4793-B95D-142246B028DA}"/>
+                  </a:ext>
+                </a:extLst>
+              </p:cNvPr>
+              <p:cNvCxnSpPr>
+                <a:cxnSpLocks/>
+                <a:stCxn id="79" idx="6"/>
+                <a:endCxn id="80" idx="2"/>
+              </p:cNvCxnSpPr>
+              <p:nvPr/>
+            </p:nvCxnSpPr>
+            <p:spPr>
+              <a:xfrm>
+                <a:off x="8441686" y="4019017"/>
+                <a:ext cx="460963" cy="0"/>
+              </a:xfrm>
+              <a:prstGeom prst="line">
+                <a:avLst/>
+              </a:prstGeom>
+            </p:spPr>
+            <p:style>
+              <a:lnRef idx="1">
+                <a:schemeClr val="dk1"/>
+              </a:lnRef>
+              <a:fillRef idx="0">
+                <a:schemeClr val="dk1"/>
+              </a:fillRef>
+              <a:effectRef idx="0">
+                <a:schemeClr val="dk1"/>
+              </a:effectRef>
+              <a:fontRef idx="minor">
+                <a:schemeClr val="tx1"/>
+              </a:fontRef>
+            </p:style>
+          </p:cxnSp>
+          <p:cxnSp>
+            <p:nvCxnSpPr>
+              <p:cNvPr id="84" name="直接连接符 83">
+                <a:extLst>
+                  <a:ext uri="{FF2B5EF4-FFF2-40B4-BE49-F238E27FC236}">
+                    <a16:creationId xmlns:a16="http://schemas.microsoft.com/office/drawing/2014/main" id="{A3521928-8FC5-4CF7-B7EE-6F4C02BB7DE5}"/>
+                  </a:ext>
+                </a:extLst>
+              </p:cNvPr>
+              <p:cNvCxnSpPr>
+                <a:cxnSpLocks/>
+                <a:stCxn id="80" idx="6"/>
+                <a:endCxn id="81" idx="2"/>
+              </p:cNvCxnSpPr>
+              <p:nvPr/>
+            </p:nvCxnSpPr>
+            <p:spPr>
+              <a:xfrm>
+                <a:off x="9381620" y="4019017"/>
+                <a:ext cx="460962" cy="0"/>
+              </a:xfrm>
+              <a:prstGeom prst="line">
+                <a:avLst/>
+              </a:prstGeom>
+            </p:spPr>
+            <p:style>
+              <a:lnRef idx="1">
+                <a:schemeClr val="dk1"/>
+              </a:lnRef>
+              <a:fillRef idx="0">
+                <a:schemeClr val="dk1"/>
+              </a:fillRef>
+              <a:effectRef idx="0">
+                <a:schemeClr val="dk1"/>
+              </a:effectRef>
+              <a:fontRef idx="minor">
+                <a:schemeClr val="tx1"/>
+              </a:fontRef>
+            </p:style>
+          </p:cxnSp>
+          <mc:AlternateContent xmlns:mc="http://schemas.openxmlformats.org/markup-compatibility/2006">
+            <mc:Choice xmlns:a14="http://schemas.microsoft.com/office/drawing/2010/main" Requires="a14">
+              <p:sp>
+                <p:nvSpPr>
+                  <p:cNvPr id="85" name="文本框 84">
+                    <a:extLst>
+                      <a:ext uri="{FF2B5EF4-FFF2-40B4-BE49-F238E27FC236}">
+                        <a16:creationId xmlns:a16="http://schemas.microsoft.com/office/drawing/2014/main" id="{3AFFC184-BBDF-49A0-AA66-D70964E9289B}"/>
+                      </a:ext>
+                    </a:extLst>
+                  </p:cNvPr>
+                  <p:cNvSpPr txBox="1"/>
+                  <p:nvPr/>
+                </p:nvSpPr>
+                <p:spPr>
+                  <a:xfrm>
+                    <a:off x="6528028" y="3649684"/>
+                    <a:ext cx="528542" cy="369332"/>
+                  </a:xfrm>
+                  <a:prstGeom prst="rect">
+                    <a:avLst/>
+                  </a:prstGeom>
+                  <a:noFill/>
+                </p:spPr>
+                <p:txBody>
+                  <a:bodyPr wrap="none" rtlCol="0">
+                    <a:spAutoFit/>
+                  </a:bodyPr>
+                  <a:lstStyle/>
+                  <a:p>
+                    <a14:m>
+                      <m:oMathPara xmlns:m="http://schemas.openxmlformats.org/officeDocument/2006/math">
+                        <m:oMathParaPr>
+                          <m:jc m:val="centerGroup"/>
+                        </m:oMathParaPr>
+                        <m:oMath xmlns:m="http://schemas.openxmlformats.org/officeDocument/2006/math">
+                          <m:sSub>
+                            <m:sSubPr>
+                              <m:ctrlPr>
+                                <a:rPr lang="en-CA" b="0" i="1" smtClean="0">
+                                  <a:latin typeface="Cambria Math" panose="02040503050406030204" pitchFamily="18" charset="0"/>
+                                </a:rPr>
+                              </m:ctrlPr>
+                            </m:sSubPr>
+                            <m:e>
+                              <m:r>
+                                <a:rPr lang="en-CA" b="0" i="1" smtClean="0">
+                                  <a:latin typeface="Cambria Math" panose="02040503050406030204" pitchFamily="18" charset="0"/>
+                                </a:rPr>
+                                <m:t>𝑊</m:t>
+                              </m:r>
+                            </m:e>
+                            <m:sub>
+                              <m:r>
+                                <a:rPr lang="en-CA" b="0" i="1" smtClean="0">
+                                  <a:latin typeface="Cambria Math" panose="02040503050406030204" pitchFamily="18" charset="0"/>
+                                </a:rPr>
+                                <m:t>1</m:t>
+                              </m:r>
+                            </m:sub>
+                          </m:sSub>
+                        </m:oMath>
+                      </m:oMathPara>
+                    </a14:m>
+                    <a:endParaRPr lang="en-US" dirty="0"/>
+                  </a:p>
+                </p:txBody>
+              </p:sp>
+            </mc:Choice>
+            <mc:Fallback>
+              <p:sp>
+                <p:nvSpPr>
+                  <p:cNvPr id="85" name="文本框 84">
+                    <a:extLst>
+                      <a:ext uri="{FF2B5EF4-FFF2-40B4-BE49-F238E27FC236}">
+                        <a16:creationId xmlns:a16="http://schemas.microsoft.com/office/drawing/2014/main" id="{3AFFC184-BBDF-49A0-AA66-D70964E9289B}"/>
+                      </a:ext>
+                    </a:extLst>
+                  </p:cNvPr>
+                  <p:cNvSpPr txBox="1">
+                    <a:spLocks noRot="1" noChangeAspect="1" noMove="1" noResize="1" noEditPoints="1" noAdjustHandles="1" noChangeArrowheads="1" noChangeShapeType="1" noTextEdit="1"/>
+                  </p:cNvSpPr>
+                  <p:nvPr/>
+                </p:nvSpPr>
+                <p:spPr>
+                  <a:xfrm>
+                    <a:off x="6528028" y="3649684"/>
+                    <a:ext cx="528542" cy="369332"/>
+                  </a:xfrm>
+                  <a:prstGeom prst="rect">
+                    <a:avLst/>
+                  </a:prstGeom>
+                  <a:blipFill>
+                    <a:blip r:embed="rId9"/>
+                    <a:stretch>
+                      <a:fillRect/>
+                    </a:stretch>
+                  </a:blipFill>
+                </p:spPr>
+                <p:txBody>
+                  <a:bodyPr/>
+                  <a:lstStyle/>
+                  <a:p>
+                    <a:r>
+                      <a:rPr lang="en-US">
+                        <a:noFill/>
+                      </a:rPr>
+                      <a:t> </a:t>
+                    </a:r>
+                  </a:p>
+                </p:txBody>
+              </p:sp>
+            </mc:Fallback>
+          </mc:AlternateContent>
+          <mc:AlternateContent xmlns:mc="http://schemas.openxmlformats.org/markup-compatibility/2006">
+            <mc:Choice xmlns:a14="http://schemas.microsoft.com/office/drawing/2010/main" Requires="a14">
+              <p:sp>
+                <p:nvSpPr>
+                  <p:cNvPr id="86" name="文本框 85">
+                    <a:extLst>
+                      <a:ext uri="{FF2B5EF4-FFF2-40B4-BE49-F238E27FC236}">
+                        <a16:creationId xmlns:a16="http://schemas.microsoft.com/office/drawing/2014/main" id="{DB2EEAD4-39E1-4A76-920C-3CD2D121344D}"/>
+                      </a:ext>
+                    </a:extLst>
+                  </p:cNvPr>
+                  <p:cNvSpPr txBox="1"/>
+                  <p:nvPr/>
+                </p:nvSpPr>
+                <p:spPr>
+                  <a:xfrm>
+                    <a:off x="7473222" y="3649684"/>
+                    <a:ext cx="533864" cy="369332"/>
+                  </a:xfrm>
+                  <a:prstGeom prst="rect">
+                    <a:avLst/>
+                  </a:prstGeom>
+                  <a:noFill/>
+                </p:spPr>
+                <p:txBody>
+                  <a:bodyPr wrap="none" rtlCol="0">
+                    <a:spAutoFit/>
+                  </a:bodyPr>
+                  <a:lstStyle/>
+                  <a:p>
+                    <a14:m>
+                      <m:oMathPara xmlns:m="http://schemas.openxmlformats.org/officeDocument/2006/math">
+                        <m:oMathParaPr>
+                          <m:jc m:val="centerGroup"/>
+                        </m:oMathParaPr>
+                        <m:oMath xmlns:m="http://schemas.openxmlformats.org/officeDocument/2006/math">
+                          <m:sSub>
+                            <m:sSubPr>
+                              <m:ctrlPr>
+                                <a:rPr lang="en-CA" b="0" i="1" smtClean="0">
+                                  <a:latin typeface="Cambria Math" panose="02040503050406030204" pitchFamily="18" charset="0"/>
+                                </a:rPr>
+                              </m:ctrlPr>
+                            </m:sSubPr>
+                            <m:e>
+                              <m:r>
+                                <a:rPr lang="en-CA" b="0" i="1" smtClean="0">
+                                  <a:latin typeface="Cambria Math" panose="02040503050406030204" pitchFamily="18" charset="0"/>
+                                </a:rPr>
+                                <m:t>𝑊</m:t>
+                              </m:r>
+                            </m:e>
+                            <m:sub>
+                              <m:r>
+                                <a:rPr lang="en-CA" b="0" i="1" smtClean="0">
+                                  <a:latin typeface="Cambria Math" panose="02040503050406030204" pitchFamily="18" charset="0"/>
+                                </a:rPr>
+                                <m:t>2</m:t>
+                              </m:r>
+                            </m:sub>
+                          </m:sSub>
+                        </m:oMath>
+                      </m:oMathPara>
+                    </a14:m>
+                    <a:endParaRPr lang="en-US" dirty="0"/>
+                  </a:p>
+                </p:txBody>
+              </p:sp>
+            </mc:Choice>
+            <mc:Fallback>
+              <p:sp>
+                <p:nvSpPr>
+                  <p:cNvPr id="86" name="文本框 85">
+                    <a:extLst>
+                      <a:ext uri="{FF2B5EF4-FFF2-40B4-BE49-F238E27FC236}">
+                        <a16:creationId xmlns:a16="http://schemas.microsoft.com/office/drawing/2014/main" id="{DB2EEAD4-39E1-4A76-920C-3CD2D121344D}"/>
+                      </a:ext>
+                    </a:extLst>
+                  </p:cNvPr>
+                  <p:cNvSpPr txBox="1">
+                    <a:spLocks noRot="1" noChangeAspect="1" noMove="1" noResize="1" noEditPoints="1" noAdjustHandles="1" noChangeArrowheads="1" noChangeShapeType="1" noTextEdit="1"/>
+                  </p:cNvSpPr>
+                  <p:nvPr/>
+                </p:nvSpPr>
+                <p:spPr>
+                  <a:xfrm>
+                    <a:off x="7473222" y="3649684"/>
+                    <a:ext cx="533864" cy="369332"/>
+                  </a:xfrm>
+                  <a:prstGeom prst="rect">
+                    <a:avLst/>
+                  </a:prstGeom>
+                  <a:blipFill>
+                    <a:blip r:embed="rId10"/>
+                    <a:stretch>
+                      <a:fillRect/>
+                    </a:stretch>
+                  </a:blipFill>
+                </p:spPr>
+                <p:txBody>
+                  <a:bodyPr/>
+                  <a:lstStyle/>
+                  <a:p>
+                    <a:r>
+                      <a:rPr lang="en-US">
+                        <a:noFill/>
+                      </a:rPr>
+                      <a:t> </a:t>
+                    </a:r>
+                  </a:p>
+                </p:txBody>
+              </p:sp>
+            </mc:Fallback>
+          </mc:AlternateContent>
+          <mc:AlternateContent xmlns:mc="http://schemas.openxmlformats.org/markup-compatibility/2006">
+            <mc:Choice xmlns:a14="http://schemas.microsoft.com/office/drawing/2010/main" Requires="a14">
+              <p:sp>
+                <p:nvSpPr>
+                  <p:cNvPr id="87" name="文本框 86">
+                    <a:extLst>
+                      <a:ext uri="{FF2B5EF4-FFF2-40B4-BE49-F238E27FC236}">
+                        <a16:creationId xmlns:a16="http://schemas.microsoft.com/office/drawing/2014/main" id="{D083F45A-6895-40F7-9EBE-5FA548090BBE}"/>
+                      </a:ext>
+                    </a:extLst>
+                  </p:cNvPr>
+                  <p:cNvSpPr txBox="1"/>
+                  <p:nvPr/>
+                </p:nvSpPr>
+                <p:spPr>
+                  <a:xfrm>
+                    <a:off x="8418416" y="3649684"/>
+                    <a:ext cx="533864" cy="369332"/>
+                  </a:xfrm>
+                  <a:prstGeom prst="rect">
+                    <a:avLst/>
+                  </a:prstGeom>
+                  <a:noFill/>
+                </p:spPr>
+                <p:txBody>
+                  <a:bodyPr wrap="none" rtlCol="0">
+                    <a:spAutoFit/>
+                  </a:bodyPr>
+                  <a:lstStyle/>
+                  <a:p>
+                    <a14:m>
+                      <m:oMathPara xmlns:m="http://schemas.openxmlformats.org/officeDocument/2006/math">
+                        <m:oMathParaPr>
+                          <m:jc m:val="centerGroup"/>
+                        </m:oMathParaPr>
+                        <m:oMath xmlns:m="http://schemas.openxmlformats.org/officeDocument/2006/math">
+                          <m:sSub>
+                            <m:sSubPr>
+                              <m:ctrlPr>
+                                <a:rPr lang="en-CA" b="0" i="1" smtClean="0">
+                                  <a:latin typeface="Cambria Math" panose="02040503050406030204" pitchFamily="18" charset="0"/>
+                                </a:rPr>
+                              </m:ctrlPr>
+                            </m:sSubPr>
+                            <m:e>
+                              <m:r>
+                                <a:rPr lang="en-CA" b="0" i="1" smtClean="0">
+                                  <a:latin typeface="Cambria Math" panose="02040503050406030204" pitchFamily="18" charset="0"/>
+                                </a:rPr>
+                                <m:t>𝑊</m:t>
+                              </m:r>
+                            </m:e>
+                            <m:sub>
+                              <m:r>
+                                <a:rPr lang="en-CA" b="0" i="1" smtClean="0">
+                                  <a:latin typeface="Cambria Math" panose="02040503050406030204" pitchFamily="18" charset="0"/>
+                                </a:rPr>
+                                <m:t>3</m:t>
+                              </m:r>
+                            </m:sub>
+                          </m:sSub>
+                        </m:oMath>
+                      </m:oMathPara>
+                    </a14:m>
+                    <a:endParaRPr lang="en-US" dirty="0"/>
+                  </a:p>
+                </p:txBody>
+              </p:sp>
+            </mc:Choice>
+            <mc:Fallback>
+              <p:sp>
+                <p:nvSpPr>
+                  <p:cNvPr id="87" name="文本框 86">
+                    <a:extLst>
+                      <a:ext uri="{FF2B5EF4-FFF2-40B4-BE49-F238E27FC236}">
+                        <a16:creationId xmlns:a16="http://schemas.microsoft.com/office/drawing/2014/main" id="{D083F45A-6895-40F7-9EBE-5FA548090BBE}"/>
+                      </a:ext>
+                    </a:extLst>
+                  </p:cNvPr>
+                  <p:cNvSpPr txBox="1">
+                    <a:spLocks noRot="1" noChangeAspect="1" noMove="1" noResize="1" noEditPoints="1" noAdjustHandles="1" noChangeArrowheads="1" noChangeShapeType="1" noTextEdit="1"/>
+                  </p:cNvSpPr>
+                  <p:nvPr/>
+                </p:nvSpPr>
+                <p:spPr>
+                  <a:xfrm>
+                    <a:off x="8418416" y="3649684"/>
+                    <a:ext cx="533864" cy="369332"/>
+                  </a:xfrm>
+                  <a:prstGeom prst="rect">
+                    <a:avLst/>
+                  </a:prstGeom>
+                  <a:blipFill>
+                    <a:blip r:embed="rId11"/>
+                    <a:stretch>
+                      <a:fillRect/>
+                    </a:stretch>
+                  </a:blipFill>
+                </p:spPr>
+                <p:txBody>
+                  <a:bodyPr/>
+                  <a:lstStyle/>
+                  <a:p>
+                    <a:r>
+                      <a:rPr lang="en-US">
+                        <a:noFill/>
+                      </a:rPr>
+                      <a:t> </a:t>
+                    </a:r>
+                  </a:p>
+                </p:txBody>
+              </p:sp>
+            </mc:Fallback>
+          </mc:AlternateContent>
+          <mc:AlternateContent xmlns:mc="http://schemas.openxmlformats.org/markup-compatibility/2006">
+            <mc:Choice xmlns:a14="http://schemas.microsoft.com/office/drawing/2010/main" Requires="a14">
+              <p:sp>
+                <p:nvSpPr>
+                  <p:cNvPr id="88" name="文本框 87">
+                    <a:extLst>
+                      <a:ext uri="{FF2B5EF4-FFF2-40B4-BE49-F238E27FC236}">
+                        <a16:creationId xmlns:a16="http://schemas.microsoft.com/office/drawing/2014/main" id="{087E8275-256F-4AC1-9C5D-7BF4FF8E1F59}"/>
+                      </a:ext>
+                    </a:extLst>
+                  </p:cNvPr>
+                  <p:cNvSpPr txBox="1"/>
+                  <p:nvPr/>
+                </p:nvSpPr>
+                <p:spPr>
+                  <a:xfrm>
+                    <a:off x="9363611" y="3649684"/>
+                    <a:ext cx="523990" cy="369332"/>
+                  </a:xfrm>
+                  <a:prstGeom prst="rect">
+                    <a:avLst/>
+                  </a:prstGeom>
+                  <a:noFill/>
+                </p:spPr>
+                <p:txBody>
+                  <a:bodyPr wrap="none" rtlCol="0">
+                    <a:spAutoFit/>
+                  </a:bodyPr>
+                  <a:lstStyle/>
+                  <a:p>
+                    <a14:m>
+                      <m:oMathPara xmlns:m="http://schemas.openxmlformats.org/officeDocument/2006/math">
+                        <m:oMathParaPr>
+                          <m:jc m:val="centerGroup"/>
+                        </m:oMathParaPr>
+                        <m:oMath xmlns:m="http://schemas.openxmlformats.org/officeDocument/2006/math">
+                          <m:sSub>
+                            <m:sSubPr>
+                              <m:ctrlPr>
+                                <a:rPr lang="en-CA" b="0" i="1" smtClean="0">
+                                  <a:latin typeface="Cambria Math" panose="02040503050406030204" pitchFamily="18" charset="0"/>
+                                </a:rPr>
+                              </m:ctrlPr>
+                            </m:sSubPr>
+                            <m:e>
+                              <m:r>
+                                <a:rPr lang="en-CA" b="0" i="1" smtClean="0">
+                                  <a:latin typeface="Cambria Math" panose="02040503050406030204" pitchFamily="18" charset="0"/>
+                                </a:rPr>
+                                <m:t>𝑊</m:t>
+                              </m:r>
+                            </m:e>
+                            <m:sub>
+                              <m:r>
+                                <a:rPr lang="en-CA" b="0" i="1" smtClean="0">
+                                  <a:latin typeface="Cambria Math" panose="02040503050406030204" pitchFamily="18" charset="0"/>
+                                </a:rPr>
+                                <m:t>4</m:t>
+                              </m:r>
+                            </m:sub>
+                          </m:sSub>
+                        </m:oMath>
+                      </m:oMathPara>
+                    </a14:m>
+                    <a:endParaRPr lang="en-US" dirty="0"/>
+                  </a:p>
+                </p:txBody>
+              </p:sp>
+            </mc:Choice>
+            <mc:Fallback>
+              <p:sp>
+                <p:nvSpPr>
+                  <p:cNvPr id="88" name="文本框 87">
+                    <a:extLst>
+                      <a:ext uri="{FF2B5EF4-FFF2-40B4-BE49-F238E27FC236}">
+                        <a16:creationId xmlns:a16="http://schemas.microsoft.com/office/drawing/2014/main" id="{087E8275-256F-4AC1-9C5D-7BF4FF8E1F59}"/>
+                      </a:ext>
+                    </a:extLst>
+                  </p:cNvPr>
+                  <p:cNvSpPr txBox="1">
+                    <a:spLocks noRot="1" noChangeAspect="1" noMove="1" noResize="1" noEditPoints="1" noAdjustHandles="1" noChangeArrowheads="1" noChangeShapeType="1" noTextEdit="1"/>
+                  </p:cNvSpPr>
+                  <p:nvPr/>
+                </p:nvSpPr>
+                <p:spPr>
+                  <a:xfrm>
+                    <a:off x="9363611" y="3649684"/>
+                    <a:ext cx="523990" cy="369332"/>
+                  </a:xfrm>
+                  <a:prstGeom prst="rect">
+                    <a:avLst/>
+                  </a:prstGeom>
+                  <a:blipFill>
+                    <a:blip r:embed="rId12"/>
+                    <a:stretch>
+                      <a:fillRect/>
+                    </a:stretch>
+                  </a:blipFill>
+                </p:spPr>
+                <p:txBody>
+                  <a:bodyPr/>
+                  <a:lstStyle/>
+                  <a:p>
+                    <a:r>
+                      <a:rPr lang="en-US">
+                        <a:noFill/>
+                      </a:rPr>
+                      <a:t> </a:t>
+                    </a:r>
+                  </a:p>
+                </p:txBody>
+              </p:sp>
+            </mc:Fallback>
+          </mc:AlternateContent>
+          <p:cxnSp>
+            <p:nvCxnSpPr>
+              <p:cNvPr id="89" name="直接连接符 88">
+                <a:extLst>
+                  <a:ext uri="{FF2B5EF4-FFF2-40B4-BE49-F238E27FC236}">
+                    <a16:creationId xmlns:a16="http://schemas.microsoft.com/office/drawing/2014/main" id="{1B18E098-DD4F-4307-AD6E-74835F256FA2}"/>
+                  </a:ext>
+                </a:extLst>
+              </p:cNvPr>
+              <p:cNvCxnSpPr>
+                <a:cxnSpLocks/>
+                <a:stCxn id="90" idx="6"/>
+                <a:endCxn id="91" idx="2"/>
+              </p:cNvCxnSpPr>
+              <p:nvPr/>
+            </p:nvCxnSpPr>
+            <p:spPr>
+              <a:xfrm>
+                <a:off x="6561818" y="4739952"/>
+                <a:ext cx="3280764" cy="0"/>
+              </a:xfrm>
+              <a:prstGeom prst="line">
+                <a:avLst/>
+              </a:prstGeom>
+            </p:spPr>
+            <p:style>
+              <a:lnRef idx="1">
+                <a:schemeClr val="dk1"/>
+              </a:lnRef>
+              <a:fillRef idx="0">
+                <a:schemeClr val="dk1"/>
+              </a:fillRef>
+              <a:effectRef idx="0">
+                <a:schemeClr val="dk1"/>
+              </a:effectRef>
+              <a:fontRef idx="minor">
+                <a:schemeClr val="tx1"/>
+              </a:fontRef>
+            </p:style>
+          </p:cxnSp>
+          <p:sp>
+            <p:nvSpPr>
+              <p:cNvPr id="90" name="椭圆 89">
+                <a:extLst>
+                  <a:ext uri="{FF2B5EF4-FFF2-40B4-BE49-F238E27FC236}">
+                    <a16:creationId xmlns:a16="http://schemas.microsoft.com/office/drawing/2014/main" id="{927F9BE2-1529-4F41-8BD7-079B6E63479E}"/>
+                  </a:ext>
+                </a:extLst>
+              </p:cNvPr>
+              <p:cNvSpPr/>
+              <p:nvPr/>
+            </p:nvSpPr>
+            <p:spPr>
+              <a:xfrm>
+                <a:off x="6082847" y="4500466"/>
+                <a:ext cx="478971" cy="478971"/>
+              </a:xfrm>
+              <a:prstGeom prst="ellipse">
+                <a:avLst/>
+              </a:prstGeom>
+              <a:solidFill>
+                <a:schemeClr val="bg2">
+                  <a:lumMod val="50000"/>
+                </a:schemeClr>
+              </a:solidFill>
+              <a:ln>
+                <a:solidFill>
+                  <a:schemeClr val="tx1"/>
+                </a:solidFill>
+              </a:ln>
+            </p:spPr>
+            <p:style>
+              <a:lnRef idx="2">
+                <a:schemeClr val="accent1">
+                  <a:shade val="50000"/>
+                </a:schemeClr>
+              </a:lnRef>
+              <a:fillRef idx="1">
+                <a:schemeClr val="accent1"/>
+              </a:fillRef>
+              <a:effectRef idx="0">
+                <a:schemeClr val="accent1"/>
+              </a:effectRef>
+              <a:fontRef idx="minor">
+                <a:schemeClr val="lt1"/>
+              </a:fontRef>
+            </p:style>
+            <p:txBody>
+              <a:bodyPr rtlCol="0" anchor="ctr"/>
+              <a:lstStyle/>
+              <a:p>
+                <a:pPr algn="ctr"/>
+                <a:r>
+                  <a:rPr lang="en-CA" dirty="0">
+                    <a:ln>
+                      <a:solidFill>
+                        <a:schemeClr val="bg1"/>
+                      </a:solidFill>
+                    </a:ln>
+                    <a:solidFill>
+                      <a:schemeClr val="bg1"/>
+                    </a:solidFill>
+                  </a:rPr>
+                  <a:t>R</a:t>
+                </a:r>
+                <a:endParaRPr lang="en-US" dirty="0">
+                  <a:ln>
+                    <a:solidFill>
+                      <a:schemeClr val="bg1"/>
+                    </a:solidFill>
+                  </a:ln>
+                  <a:solidFill>
+                    <a:schemeClr val="bg1"/>
+                  </a:solidFill>
+                </a:endParaRPr>
+              </a:p>
+            </p:txBody>
+          </p:sp>
+          <p:sp>
+            <p:nvSpPr>
+              <p:cNvPr id="91" name="椭圆 90">
+                <a:extLst>
+                  <a:ext uri="{FF2B5EF4-FFF2-40B4-BE49-F238E27FC236}">
+                    <a16:creationId xmlns:a16="http://schemas.microsoft.com/office/drawing/2014/main" id="{0583226B-B457-48BB-A2FE-EB94F2207EDA}"/>
+                  </a:ext>
+                </a:extLst>
+              </p:cNvPr>
+              <p:cNvSpPr/>
+              <p:nvPr/>
+            </p:nvSpPr>
+            <p:spPr>
+              <a:xfrm>
+                <a:off x="9842582" y="4500466"/>
+                <a:ext cx="478971" cy="478971"/>
+              </a:xfrm>
+              <a:prstGeom prst="ellipse">
+                <a:avLst/>
+              </a:prstGeom>
+              <a:solidFill>
+                <a:schemeClr val="bg2">
+                  <a:lumMod val="50000"/>
+                </a:schemeClr>
+              </a:solidFill>
+              <a:ln>
+                <a:solidFill>
+                  <a:schemeClr val="tx1"/>
+                </a:solidFill>
+              </a:ln>
+            </p:spPr>
+            <p:style>
+              <a:lnRef idx="2">
+                <a:schemeClr val="accent1">
+                  <a:shade val="50000"/>
+                </a:schemeClr>
+              </a:lnRef>
+              <a:fillRef idx="1">
+                <a:schemeClr val="accent1"/>
+              </a:fillRef>
+              <a:effectRef idx="0">
+                <a:schemeClr val="accent1"/>
+              </a:effectRef>
+              <a:fontRef idx="minor">
+                <a:schemeClr val="lt1"/>
+              </a:fontRef>
+            </p:style>
+            <p:txBody>
+              <a:bodyPr rtlCol="0" anchor="ctr"/>
+              <a:lstStyle/>
+              <a:p>
+                <a:pPr algn="ctr"/>
+                <a:r>
+                  <a:rPr lang="en-CA">
+                    <a:ln>
+                      <a:solidFill>
+                        <a:schemeClr val="bg1"/>
+                      </a:solidFill>
+                    </a:ln>
+                    <a:solidFill>
+                      <a:schemeClr val="bg1"/>
+                    </a:solidFill>
+                  </a:rPr>
+                  <a:t>R</a:t>
+                </a:r>
+                <a:endParaRPr lang="en-US" dirty="0">
+                  <a:ln>
+                    <a:solidFill>
+                      <a:schemeClr val="bg1"/>
+                    </a:solidFill>
+                  </a:ln>
+                  <a:solidFill>
+                    <a:schemeClr val="bg1"/>
+                  </a:solidFill>
+                </a:endParaRPr>
+              </a:p>
+            </p:txBody>
+          </p:sp>
+          <mc:AlternateContent xmlns:mc="http://schemas.openxmlformats.org/markup-compatibility/2006">
+            <mc:Choice xmlns:a14="http://schemas.microsoft.com/office/drawing/2010/main" Requires="a14">
+              <p:sp>
+                <p:nvSpPr>
+                  <p:cNvPr id="92" name="文本框 91">
+                    <a:extLst>
+                      <a:ext uri="{FF2B5EF4-FFF2-40B4-BE49-F238E27FC236}">
+                        <a16:creationId xmlns:a16="http://schemas.microsoft.com/office/drawing/2014/main" id="{E6CF296F-483B-461C-8ADA-561FA7ECBEA2}"/>
+                      </a:ext>
+                    </a:extLst>
+                  </p:cNvPr>
+                  <p:cNvSpPr txBox="1"/>
+                  <p:nvPr/>
+                </p:nvSpPr>
+                <p:spPr>
+                  <a:xfrm>
+                    <a:off x="7164993" y="4415222"/>
+                    <a:ext cx="2074414" cy="369332"/>
+                  </a:xfrm>
+                  <a:prstGeom prst="rect">
+                    <a:avLst/>
+                  </a:prstGeom>
+                  <a:noFill/>
+                </p:spPr>
+                <p:txBody>
+                  <a:bodyPr wrap="none" rtlCol="0">
+                    <a:spAutoFit/>
+                  </a:bodyPr>
+                  <a:lstStyle/>
+                  <a:p>
+                    <a14:m>
+                      <m:oMath xmlns:m="http://schemas.openxmlformats.org/officeDocument/2006/math">
+                        <m:sSub>
+                          <m:sSubPr>
+                            <m:ctrlPr>
+                              <a:rPr lang="en-CA" b="0" i="1" smtClean="0">
+                                <a:latin typeface="Cambria Math" panose="02040503050406030204" pitchFamily="18" charset="0"/>
+                              </a:rPr>
+                            </m:ctrlPr>
+                          </m:sSubPr>
+                          <m:e>
+                            <m:r>
+                              <a:rPr lang="en-CA" b="0" i="1" smtClean="0">
+                                <a:latin typeface="Cambria Math" panose="02040503050406030204" pitchFamily="18" charset="0"/>
+                              </a:rPr>
+                              <m:t>𝑊</m:t>
+                            </m:r>
+                          </m:e>
+                          <m:sub>
+                            <m:r>
+                              <a:rPr lang="en-CA" b="0" i="1" smtClean="0">
+                                <a:latin typeface="Cambria Math" panose="02040503050406030204" pitchFamily="18" charset="0"/>
+                              </a:rPr>
+                              <m:t>1</m:t>
+                            </m:r>
+                          </m:sub>
+                        </m:sSub>
+                      </m:oMath>
+                    </a14:m>
+                    <a:r>
+                      <a:rPr lang="en-US" dirty="0"/>
+                      <a:t>+</a:t>
+                    </a:r>
+                    <a:r>
+                      <a:rPr lang="en-CA" dirty="0"/>
+                      <a:t> </a:t>
+                    </a:r>
+                    <a14:m>
+                      <m:oMath xmlns:m="http://schemas.openxmlformats.org/officeDocument/2006/math">
+                        <m:sSub>
+                          <m:sSubPr>
+                            <m:ctrlPr>
+                              <a:rPr lang="en-CA" i="1">
+                                <a:latin typeface="Cambria Math" panose="02040503050406030204" pitchFamily="18" charset="0"/>
+                              </a:rPr>
+                            </m:ctrlPr>
+                          </m:sSubPr>
+                          <m:e>
+                            <m:r>
+                              <a:rPr lang="en-CA" i="1">
+                                <a:latin typeface="Cambria Math" panose="02040503050406030204" pitchFamily="18" charset="0"/>
+                              </a:rPr>
+                              <m:t>𝑊</m:t>
+                            </m:r>
+                          </m:e>
+                          <m:sub>
+                            <m:r>
+                              <a:rPr lang="en-CA" i="1">
+                                <a:latin typeface="Cambria Math" panose="02040503050406030204" pitchFamily="18" charset="0"/>
+                              </a:rPr>
+                              <m:t>2</m:t>
+                            </m:r>
+                          </m:sub>
+                        </m:sSub>
+                        <m:r>
+                          <a:rPr lang="en-CA" b="0" i="1" smtClean="0">
+                            <a:latin typeface="Cambria Math" panose="02040503050406030204" pitchFamily="18" charset="0"/>
+                          </a:rPr>
+                          <m:t>+</m:t>
+                        </m:r>
+                        <m:sSub>
+                          <m:sSubPr>
+                            <m:ctrlPr>
+                              <a:rPr lang="en-CA" i="1">
+                                <a:latin typeface="Cambria Math" panose="02040503050406030204" pitchFamily="18" charset="0"/>
+                              </a:rPr>
+                            </m:ctrlPr>
+                          </m:sSubPr>
+                          <m:e>
+                            <m:r>
+                              <a:rPr lang="en-CA" i="1">
+                                <a:latin typeface="Cambria Math" panose="02040503050406030204" pitchFamily="18" charset="0"/>
+                              </a:rPr>
+                              <m:t>𝑊</m:t>
+                            </m:r>
+                          </m:e>
+                          <m:sub>
+                            <m:r>
+                              <a:rPr lang="en-CA" i="1">
+                                <a:latin typeface="Cambria Math" panose="02040503050406030204" pitchFamily="18" charset="0"/>
+                              </a:rPr>
+                              <m:t>3</m:t>
+                            </m:r>
+                          </m:sub>
+                        </m:sSub>
+                        <m:r>
+                          <a:rPr lang="en-CA" b="0" i="1" smtClean="0">
+                            <a:latin typeface="Cambria Math" panose="02040503050406030204" pitchFamily="18" charset="0"/>
+                          </a:rPr>
+                          <m:t>+</m:t>
+                        </m:r>
+                        <m:sSub>
+                          <m:sSubPr>
+                            <m:ctrlPr>
+                              <a:rPr lang="en-CA" i="1">
+                                <a:latin typeface="Cambria Math" panose="02040503050406030204" pitchFamily="18" charset="0"/>
+                              </a:rPr>
+                            </m:ctrlPr>
+                          </m:sSubPr>
+                          <m:e>
+                            <m:r>
+                              <a:rPr lang="en-CA" i="1">
+                                <a:latin typeface="Cambria Math" panose="02040503050406030204" pitchFamily="18" charset="0"/>
+                              </a:rPr>
+                              <m:t>𝑊</m:t>
+                            </m:r>
+                          </m:e>
+                          <m:sub>
+                            <m:r>
+                              <a:rPr lang="en-CA" i="1">
+                                <a:latin typeface="Cambria Math" panose="02040503050406030204" pitchFamily="18" charset="0"/>
+                              </a:rPr>
+                              <m:t>4</m:t>
+                            </m:r>
+                          </m:sub>
+                        </m:sSub>
+                      </m:oMath>
+                    </a14:m>
+                    <a:endParaRPr lang="en-US" dirty="0"/>
+                  </a:p>
+                </p:txBody>
+              </p:sp>
+            </mc:Choice>
+            <mc:Fallback>
+              <p:sp>
+                <p:nvSpPr>
+                  <p:cNvPr id="92" name="文本框 91">
+                    <a:extLst>
+                      <a:ext uri="{FF2B5EF4-FFF2-40B4-BE49-F238E27FC236}">
+                        <a16:creationId xmlns:a16="http://schemas.microsoft.com/office/drawing/2014/main" id="{E6CF296F-483B-461C-8ADA-561FA7ECBEA2}"/>
+                      </a:ext>
+                    </a:extLst>
+                  </p:cNvPr>
+                  <p:cNvSpPr txBox="1">
+                    <a:spLocks noRot="1" noChangeAspect="1" noMove="1" noResize="1" noEditPoints="1" noAdjustHandles="1" noChangeArrowheads="1" noChangeShapeType="1" noTextEdit="1"/>
+                  </p:cNvSpPr>
+                  <p:nvPr/>
+                </p:nvSpPr>
+                <p:spPr>
+                  <a:xfrm>
+                    <a:off x="7164993" y="4415222"/>
+                    <a:ext cx="2074414" cy="369332"/>
+                  </a:xfrm>
+                  <a:prstGeom prst="rect">
+                    <a:avLst/>
+                  </a:prstGeom>
+                  <a:blipFill>
+                    <a:blip r:embed="rId13"/>
+                    <a:stretch>
+                      <a:fillRect t="-8197" b="-24590"/>
+                    </a:stretch>
+                  </a:blipFill>
+                </p:spPr>
+                <p:txBody>
+                  <a:bodyPr/>
+                  <a:lstStyle/>
+                  <a:p>
+                    <a:r>
+                      <a:rPr lang="en-US">
+                        <a:noFill/>
+                      </a:rPr>
+                      <a:t> </a:t>
+                    </a:r>
+                  </a:p>
+                </p:txBody>
+              </p:sp>
+            </mc:Fallback>
+          </mc:AlternateContent>
+        </p:grpSp>
+      </p:grpSp>
+    </p:spTree>
+    <p:extLst>
+      <p:ext uri="{BB962C8B-B14F-4D97-AF65-F5344CB8AC3E}">
+        <p14:creationId xmlns:p14="http://schemas.microsoft.com/office/powerpoint/2010/main" val="1147703112"/>
+      </p:ext>
+    </p:extLst>
+  </p:cSld>
+  <p:clrMapOvr>
+    <a:masterClrMapping/>
+  </p:clrMapOvr>
+</p:sld>
+</file>
+
+<file path=ppt/slides/slide7.xml><?xml version="1.0" encoding="utf-8"?>
+<p:sld xmlns:a="http://schemas.openxmlformats.org/drawingml/2006/main" xmlns:r="http://schemas.openxmlformats.org/officeDocument/2006/relationships" xmlns:p="http://schemas.openxmlformats.org/presentationml/2006/main">
+  <p:cSld>
+    <p:spTree>
+      <p:nvGrpSpPr>
+        <p:cNvPr id="1" name=""/>
+        <p:cNvGrpSpPr/>
+        <p:nvPr/>
+      </p:nvGrpSpPr>
+      <p:grpSpPr>
+        <a:xfrm>
+          <a:off x="0" y="0"/>
+          <a:ext cx="0" cy="0"/>
+          <a:chOff x="0" y="0"/>
+          <a:chExt cx="0" cy="0"/>
+        </a:xfrm>
+      </p:grpSpPr>
+      <p:sp>
+        <p:nvSpPr>
+          <p:cNvPr id="17" name="椭圆 16">
+            <a:extLst>
+              <a:ext uri="{FF2B5EF4-FFF2-40B4-BE49-F238E27FC236}">
+                <a16:creationId xmlns:a16="http://schemas.microsoft.com/office/drawing/2014/main" id="{BFE6B9DB-1EAF-4BDC-BBFB-DC452FAC7ECC}"/>
+              </a:ext>
+            </a:extLst>
+          </p:cNvPr>
+          <p:cNvSpPr/>
+          <p:nvPr/>
+        </p:nvSpPr>
+        <p:spPr>
+          <a:xfrm>
+            <a:off x="7022781" y="4638051"/>
+            <a:ext cx="478971" cy="478971"/>
+          </a:xfrm>
+          <a:prstGeom prst="ellipse">
+            <a:avLst/>
+          </a:prstGeom>
+          <a:solidFill>
+            <a:schemeClr val="bg1"/>
+          </a:solidFill>
+          <a:ln w="6350">
+            <a:solidFill>
+              <a:schemeClr val="tx1"/>
+            </a:solidFill>
+            <a:prstDash val="sysDot"/>
+          </a:ln>
+        </p:spPr>
+        <p:style>
+          <a:lnRef idx="2">
+            <a:schemeClr val="accent1">
+              <a:shade val="50000"/>
+            </a:schemeClr>
+          </a:lnRef>
+          <a:fillRef idx="1">
+            <a:schemeClr val="accent1"/>
+          </a:fillRef>
+          <a:effectRef idx="0">
+            <a:schemeClr val="accent1"/>
+          </a:effectRef>
+          <a:fontRef idx="minor">
+            <a:schemeClr val="lt1"/>
+          </a:fontRef>
+        </p:style>
+        <p:txBody>
+          <a:bodyPr rot="0" spcFirstLastPara="0" vertOverflow="overflow" horzOverflow="overflow" vert="horz" wrap="square" lIns="91440" tIns="45720" rIns="91440" bIns="45720" numCol="1" spcCol="0" rtlCol="0" fromWordArt="0" anchor="ctr" anchorCtr="0" forceAA="0" compatLnSpc="1">
+            <a:prstTxWarp prst="textNoShape">
+              <a:avLst/>
+            </a:prstTxWarp>
+            <a:noAutofit/>
+          </a:bodyPr>
+          <a:lstStyle/>
+          <a:p>
+            <a:pPr algn="ctr"/>
+            <a:r>
+              <a:rPr lang="en-CA">
+                <a:solidFill>
+                  <a:schemeClr val="bg2">
+                    <a:lumMod val="75000"/>
+                  </a:schemeClr>
+                </a:solidFill>
+              </a:rPr>
+              <a:t>G</a:t>
+            </a:r>
+            <a:endParaRPr lang="en-US" dirty="0">
+              <a:solidFill>
+                <a:schemeClr val="bg2">
+                  <a:lumMod val="75000"/>
+                </a:schemeClr>
+              </a:solidFill>
+            </a:endParaRPr>
+          </a:p>
+        </p:txBody>
+      </p:sp>
+      <p:sp>
+        <p:nvSpPr>
+          <p:cNvPr id="20" name="椭圆 19">
+            <a:extLst>
+              <a:ext uri="{FF2B5EF4-FFF2-40B4-BE49-F238E27FC236}">
+                <a16:creationId xmlns:a16="http://schemas.microsoft.com/office/drawing/2014/main" id="{43510977-312E-4669-A50B-9BE8DC340891}"/>
+              </a:ext>
+            </a:extLst>
+          </p:cNvPr>
+          <p:cNvSpPr/>
+          <p:nvPr/>
+        </p:nvSpPr>
+        <p:spPr>
+          <a:xfrm>
+            <a:off x="7962715" y="4638051"/>
+            <a:ext cx="478971" cy="478971"/>
+          </a:xfrm>
+          <a:prstGeom prst="ellipse">
+            <a:avLst/>
+          </a:prstGeom>
+          <a:solidFill>
+            <a:schemeClr val="bg1"/>
+          </a:solidFill>
+          <a:ln w="6350">
+            <a:solidFill>
+              <a:schemeClr val="tx1"/>
+            </a:solidFill>
+            <a:prstDash val="sysDot"/>
+          </a:ln>
+        </p:spPr>
+        <p:style>
+          <a:lnRef idx="2">
+            <a:schemeClr val="accent1">
+              <a:shade val="50000"/>
+            </a:schemeClr>
+          </a:lnRef>
+          <a:fillRef idx="1">
+            <a:schemeClr val="accent1"/>
+          </a:fillRef>
+          <a:effectRef idx="0">
+            <a:schemeClr val="accent1"/>
+          </a:effectRef>
+          <a:fontRef idx="minor">
+            <a:schemeClr val="lt1"/>
+          </a:fontRef>
+        </p:style>
+        <p:txBody>
+          <a:bodyPr rot="0" spcFirstLastPara="0" vertOverflow="overflow" horzOverflow="overflow" vert="horz" wrap="square" lIns="91440" tIns="45720" rIns="91440" bIns="45720" numCol="1" spcCol="0" rtlCol="0" fromWordArt="0" anchor="ctr" anchorCtr="0" forceAA="0" compatLnSpc="1">
+            <a:prstTxWarp prst="textNoShape">
+              <a:avLst/>
+            </a:prstTxWarp>
+            <a:noAutofit/>
+          </a:bodyPr>
+          <a:lstStyle/>
+          <a:p>
+            <a:pPr algn="ctr"/>
+            <a:r>
+              <a:rPr lang="en-CA">
+                <a:solidFill>
+                  <a:schemeClr val="bg2">
+                    <a:lumMod val="75000"/>
+                  </a:schemeClr>
+                </a:solidFill>
+              </a:rPr>
+              <a:t>G</a:t>
+            </a:r>
+            <a:endParaRPr lang="en-US" dirty="0">
+              <a:solidFill>
+                <a:schemeClr val="bg2">
+                  <a:lumMod val="75000"/>
+                </a:schemeClr>
+              </a:solidFill>
+            </a:endParaRPr>
+          </a:p>
+        </p:txBody>
+      </p:sp>
+      <p:sp>
+        <p:nvSpPr>
+          <p:cNvPr id="21" name="椭圆 20">
+            <a:extLst>
+              <a:ext uri="{FF2B5EF4-FFF2-40B4-BE49-F238E27FC236}">
+                <a16:creationId xmlns:a16="http://schemas.microsoft.com/office/drawing/2014/main" id="{C26634F8-6BEA-4750-8C7F-C5DD1E067089}"/>
+              </a:ext>
+            </a:extLst>
+          </p:cNvPr>
+          <p:cNvSpPr/>
+          <p:nvPr/>
+        </p:nvSpPr>
+        <p:spPr>
+          <a:xfrm>
+            <a:off x="8902649" y="4638051"/>
+            <a:ext cx="478971" cy="478971"/>
+          </a:xfrm>
+          <a:prstGeom prst="ellipse">
+            <a:avLst/>
+          </a:prstGeom>
+          <a:solidFill>
+            <a:schemeClr val="bg1"/>
+          </a:solidFill>
+          <a:ln w="6350">
+            <a:solidFill>
+              <a:schemeClr val="tx1"/>
+            </a:solidFill>
+            <a:prstDash val="sysDot"/>
+          </a:ln>
+        </p:spPr>
+        <p:style>
+          <a:lnRef idx="2">
+            <a:schemeClr val="accent1">
+              <a:shade val="50000"/>
+            </a:schemeClr>
+          </a:lnRef>
+          <a:fillRef idx="1">
+            <a:schemeClr val="accent1"/>
+          </a:fillRef>
+          <a:effectRef idx="0">
+            <a:schemeClr val="accent1"/>
+          </a:effectRef>
+          <a:fontRef idx="minor">
+            <a:schemeClr val="lt1"/>
+          </a:fontRef>
+        </p:style>
+        <p:txBody>
+          <a:bodyPr rot="0" spcFirstLastPara="0" vertOverflow="overflow" horzOverflow="overflow" vert="horz" wrap="square" lIns="91440" tIns="45720" rIns="91440" bIns="45720" numCol="1" spcCol="0" rtlCol="0" fromWordArt="0" anchor="ctr" anchorCtr="0" forceAA="0" compatLnSpc="1">
+            <a:prstTxWarp prst="textNoShape">
+              <a:avLst/>
+            </a:prstTxWarp>
+            <a:noAutofit/>
+          </a:bodyPr>
+          <a:lstStyle/>
+          <a:p>
+            <a:pPr algn="ctr"/>
+            <a:r>
+              <a:rPr lang="en-CA">
+                <a:solidFill>
+                  <a:schemeClr val="bg2">
+                    <a:lumMod val="75000"/>
+                  </a:schemeClr>
+                </a:solidFill>
+              </a:rPr>
+              <a:t>G</a:t>
+            </a:r>
+            <a:endParaRPr lang="en-US" dirty="0">
+              <a:solidFill>
+                <a:schemeClr val="bg2">
+                  <a:lumMod val="75000"/>
+                </a:schemeClr>
+              </a:solidFill>
+            </a:endParaRPr>
+          </a:p>
+        </p:txBody>
+      </p:sp>
+      <p:sp>
+        <p:nvSpPr>
+          <p:cNvPr id="4" name="椭圆 3">
+            <a:extLst>
+              <a:ext uri="{FF2B5EF4-FFF2-40B4-BE49-F238E27FC236}">
+                <a16:creationId xmlns:a16="http://schemas.microsoft.com/office/drawing/2014/main" id="{172B372D-EDF2-45B9-8924-73808FFD3313}"/>
+              </a:ext>
+            </a:extLst>
+          </p:cNvPr>
+          <p:cNvSpPr/>
+          <p:nvPr/>
+        </p:nvSpPr>
+        <p:spPr>
+          <a:xfrm>
+            <a:off x="7022781" y="3779531"/>
+            <a:ext cx="478971" cy="478971"/>
+          </a:xfrm>
+          <a:prstGeom prst="ellipse">
+            <a:avLst/>
+          </a:prstGeom>
+          <a:solidFill>
+            <a:schemeClr val="bg1"/>
+          </a:solidFill>
+          <a:ln>
+            <a:solidFill>
+              <a:schemeClr val="tx1"/>
+            </a:solidFill>
+          </a:ln>
+        </p:spPr>
+        <p:style>
+          <a:lnRef idx="2">
+            <a:schemeClr val="accent1">
+              <a:shade val="50000"/>
+            </a:schemeClr>
+          </a:lnRef>
+          <a:fillRef idx="1">
+            <a:schemeClr val="accent1"/>
+          </a:fillRef>
+          <a:effectRef idx="0">
+            <a:schemeClr val="accent1"/>
+          </a:effectRef>
+          <a:fontRef idx="minor">
+            <a:schemeClr val="lt1"/>
+          </a:fontRef>
+        </p:style>
+        <p:txBody>
+          <a:bodyPr rot="0" spcFirstLastPara="0" vertOverflow="overflow" horzOverflow="overflow" vert="horz" wrap="square" lIns="91440" tIns="45720" rIns="91440" bIns="45720" numCol="1" spcCol="0" rtlCol="0" fromWordArt="0" anchor="ctr" anchorCtr="0" forceAA="0" compatLnSpc="1">
+            <a:prstTxWarp prst="textNoShape">
+              <a:avLst/>
+            </a:prstTxWarp>
+            <a:noAutofit/>
+          </a:bodyPr>
+          <a:lstStyle/>
+          <a:p>
+            <a:pPr algn="ctr"/>
+            <a:r>
+              <a:rPr lang="en-CA" dirty="0">
+                <a:solidFill>
+                  <a:schemeClr val="tx1"/>
+                </a:solidFill>
+              </a:rPr>
+              <a:t>G</a:t>
+            </a:r>
+            <a:endParaRPr lang="en-US" dirty="0">
+              <a:solidFill>
+                <a:schemeClr val="tx1"/>
+              </a:solidFill>
+            </a:endParaRPr>
+          </a:p>
+        </p:txBody>
+      </p:sp>
+      <p:cxnSp>
+        <p:nvCxnSpPr>
+          <p:cNvPr id="5" name="直接连接符 4">
+            <a:extLst>
+              <a:ext uri="{FF2B5EF4-FFF2-40B4-BE49-F238E27FC236}">
+                <a16:creationId xmlns:a16="http://schemas.microsoft.com/office/drawing/2014/main" id="{E94D7CC2-F90A-4A0C-A2F2-FB9BB1CE651A}"/>
+              </a:ext>
+            </a:extLst>
+          </p:cNvPr>
+          <p:cNvCxnSpPr>
+            <a:cxnSpLocks/>
+            <a:stCxn id="6" idx="6"/>
+            <a:endCxn id="4" idx="2"/>
+          </p:cNvCxnSpPr>
+          <p:nvPr/>
+        </p:nvCxnSpPr>
+        <p:spPr>
+          <a:xfrm>
+            <a:off x="6561818" y="4019017"/>
+            <a:ext cx="460963" cy="0"/>
+          </a:xfrm>
+          <a:prstGeom prst="line">
+            <a:avLst/>
+          </a:prstGeom>
+        </p:spPr>
+        <p:style>
+          <a:lnRef idx="1">
+            <a:schemeClr val="dk1"/>
+          </a:lnRef>
+          <a:fillRef idx="0">
+            <a:schemeClr val="dk1"/>
+          </a:fillRef>
+          <a:effectRef idx="0">
+            <a:schemeClr val="dk1"/>
+          </a:effectRef>
+          <a:fontRef idx="minor">
+            <a:schemeClr val="tx1"/>
+          </a:fontRef>
+        </p:style>
+      </p:cxnSp>
+      <p:sp>
+        <p:nvSpPr>
+          <p:cNvPr id="6" name="椭圆 5">
+            <a:extLst>
+              <a:ext uri="{FF2B5EF4-FFF2-40B4-BE49-F238E27FC236}">
+                <a16:creationId xmlns:a16="http://schemas.microsoft.com/office/drawing/2014/main" id="{F405A98C-C712-4077-8A5C-693C61DE9C52}"/>
+              </a:ext>
+            </a:extLst>
+          </p:cNvPr>
+          <p:cNvSpPr/>
+          <p:nvPr/>
+        </p:nvSpPr>
+        <p:spPr>
+          <a:xfrm>
+            <a:off x="6082847" y="3779531"/>
+            <a:ext cx="478971" cy="478971"/>
+          </a:xfrm>
+          <a:prstGeom prst="ellipse">
+            <a:avLst/>
+          </a:prstGeom>
+          <a:solidFill>
+            <a:schemeClr val="bg2">
+              <a:lumMod val="50000"/>
+            </a:schemeClr>
+          </a:solidFill>
+          <a:ln>
+            <a:solidFill>
+              <a:schemeClr val="tx1"/>
+            </a:solidFill>
+          </a:ln>
+        </p:spPr>
+        <p:style>
+          <a:lnRef idx="2">
+            <a:schemeClr val="accent1">
+              <a:shade val="50000"/>
+            </a:schemeClr>
+          </a:lnRef>
+          <a:fillRef idx="1">
+            <a:schemeClr val="accent1"/>
+          </a:fillRef>
+          <a:effectRef idx="0">
+            <a:schemeClr val="accent1"/>
+          </a:effectRef>
+          <a:fontRef idx="minor">
+            <a:schemeClr val="lt1"/>
+          </a:fontRef>
+        </p:style>
+        <p:txBody>
+          <a:bodyPr rtlCol="0" anchor="ctr"/>
+          <a:lstStyle/>
+          <a:p>
+            <a:pPr algn="ctr"/>
+            <a:r>
+              <a:rPr lang="en-CA" dirty="0">
+                <a:ln>
+                  <a:solidFill>
+                    <a:schemeClr val="bg1"/>
+                  </a:solidFill>
+                </a:ln>
+                <a:solidFill>
+                  <a:schemeClr val="bg1"/>
+                </a:solidFill>
+              </a:rPr>
+              <a:t>R</a:t>
+            </a:r>
+            <a:endParaRPr lang="en-US" dirty="0">
+              <a:ln>
+                <a:solidFill>
+                  <a:schemeClr val="bg1"/>
+                </a:solidFill>
+              </a:ln>
+              <a:solidFill>
+                <a:schemeClr val="bg1"/>
+              </a:solidFill>
+            </a:endParaRPr>
+          </a:p>
+        </p:txBody>
+      </p:sp>
+      <p:sp>
+        <p:nvSpPr>
+          <p:cNvPr id="7" name="椭圆 6">
+            <a:extLst>
+              <a:ext uri="{FF2B5EF4-FFF2-40B4-BE49-F238E27FC236}">
+                <a16:creationId xmlns:a16="http://schemas.microsoft.com/office/drawing/2014/main" id="{62645534-6C97-4CE1-A1AC-403F5FBD8A32}"/>
+              </a:ext>
+            </a:extLst>
+          </p:cNvPr>
+          <p:cNvSpPr/>
+          <p:nvPr/>
+        </p:nvSpPr>
+        <p:spPr>
+          <a:xfrm>
+            <a:off x="7962715" y="3779531"/>
+            <a:ext cx="478971" cy="478971"/>
+          </a:xfrm>
+          <a:prstGeom prst="ellipse">
+            <a:avLst/>
+          </a:prstGeom>
+          <a:solidFill>
+            <a:schemeClr val="bg1"/>
+          </a:solidFill>
+          <a:ln>
+            <a:solidFill>
+              <a:schemeClr val="tx1"/>
+            </a:solidFill>
+          </a:ln>
+        </p:spPr>
+        <p:style>
+          <a:lnRef idx="2">
+            <a:schemeClr val="accent1">
+              <a:shade val="50000"/>
+            </a:schemeClr>
+          </a:lnRef>
+          <a:fillRef idx="1">
+            <a:schemeClr val="accent1"/>
+          </a:fillRef>
+          <a:effectRef idx="0">
+            <a:schemeClr val="accent1"/>
+          </a:effectRef>
+          <a:fontRef idx="minor">
+            <a:schemeClr val="lt1"/>
+          </a:fontRef>
+        </p:style>
+        <p:txBody>
+          <a:bodyPr rot="0" spcFirstLastPara="0" vertOverflow="overflow" horzOverflow="overflow" vert="horz" wrap="square" lIns="91440" tIns="45720" rIns="91440" bIns="45720" numCol="1" spcCol="0" rtlCol="0" fromWordArt="0" anchor="ctr" anchorCtr="0" forceAA="0" compatLnSpc="1">
+            <a:prstTxWarp prst="textNoShape">
+              <a:avLst/>
+            </a:prstTxWarp>
+            <a:noAutofit/>
+          </a:bodyPr>
+          <a:lstStyle/>
+          <a:p>
+            <a:pPr algn="ctr"/>
+            <a:r>
+              <a:rPr lang="en-CA" dirty="0">
+                <a:solidFill>
+                  <a:schemeClr val="tx1"/>
+                </a:solidFill>
+              </a:rPr>
+              <a:t>G</a:t>
+            </a:r>
+            <a:endParaRPr lang="en-US" dirty="0">
+              <a:solidFill>
+                <a:schemeClr val="tx1"/>
+              </a:solidFill>
+            </a:endParaRPr>
+          </a:p>
+        </p:txBody>
+      </p:sp>
+      <p:sp>
+        <p:nvSpPr>
+          <p:cNvPr id="8" name="椭圆 7">
+            <a:extLst>
+              <a:ext uri="{FF2B5EF4-FFF2-40B4-BE49-F238E27FC236}">
+                <a16:creationId xmlns:a16="http://schemas.microsoft.com/office/drawing/2014/main" id="{A8C26CA1-69D3-4A89-B1E2-C15F36DA0B82}"/>
+              </a:ext>
+            </a:extLst>
+          </p:cNvPr>
+          <p:cNvSpPr/>
+          <p:nvPr/>
+        </p:nvSpPr>
+        <p:spPr>
+          <a:xfrm>
+            <a:off x="8902649" y="3779531"/>
+            <a:ext cx="478971" cy="478971"/>
+          </a:xfrm>
+          <a:prstGeom prst="ellipse">
+            <a:avLst/>
+          </a:prstGeom>
+          <a:solidFill>
+            <a:schemeClr val="bg1"/>
+          </a:solidFill>
+          <a:ln>
+            <a:solidFill>
+              <a:schemeClr val="tx1"/>
+            </a:solidFill>
+          </a:ln>
+        </p:spPr>
+        <p:style>
+          <a:lnRef idx="2">
+            <a:schemeClr val="accent1">
+              <a:shade val="50000"/>
+            </a:schemeClr>
+          </a:lnRef>
+          <a:fillRef idx="1">
+            <a:schemeClr val="accent1"/>
+          </a:fillRef>
+          <a:effectRef idx="0">
+            <a:schemeClr val="accent1"/>
+          </a:effectRef>
+          <a:fontRef idx="minor">
+            <a:schemeClr val="lt1"/>
+          </a:fontRef>
+        </p:style>
+        <p:txBody>
+          <a:bodyPr rot="0" spcFirstLastPara="0" vertOverflow="overflow" horzOverflow="overflow" vert="horz" wrap="square" lIns="91440" tIns="45720" rIns="91440" bIns="45720" numCol="1" spcCol="0" rtlCol="0" fromWordArt="0" anchor="ctr" anchorCtr="0" forceAA="0" compatLnSpc="1">
+            <a:prstTxWarp prst="textNoShape">
+              <a:avLst/>
+            </a:prstTxWarp>
+            <a:noAutofit/>
+          </a:bodyPr>
+          <a:lstStyle/>
+          <a:p>
+            <a:pPr algn="ctr"/>
+            <a:r>
+              <a:rPr lang="en-CA" dirty="0">
+                <a:solidFill>
+                  <a:schemeClr val="tx1"/>
+                </a:solidFill>
+              </a:rPr>
+              <a:t>G</a:t>
+            </a:r>
+            <a:endParaRPr lang="en-US" dirty="0">
+              <a:solidFill>
+                <a:schemeClr val="tx1"/>
+              </a:solidFill>
+            </a:endParaRPr>
+          </a:p>
+        </p:txBody>
+      </p:sp>
+      <p:sp>
+        <p:nvSpPr>
+          <p:cNvPr id="9" name="椭圆 8">
+            <a:extLst>
+              <a:ext uri="{FF2B5EF4-FFF2-40B4-BE49-F238E27FC236}">
+                <a16:creationId xmlns:a16="http://schemas.microsoft.com/office/drawing/2014/main" id="{5214A3C9-CBE9-4D62-A4DE-3703F4679B0D}"/>
+              </a:ext>
+            </a:extLst>
+          </p:cNvPr>
+          <p:cNvSpPr/>
+          <p:nvPr/>
+        </p:nvSpPr>
+        <p:spPr>
+          <a:xfrm>
+            <a:off x="9842582" y="3779531"/>
+            <a:ext cx="478971" cy="478971"/>
+          </a:xfrm>
+          <a:prstGeom prst="ellipse">
+            <a:avLst/>
+          </a:prstGeom>
+          <a:solidFill>
+            <a:schemeClr val="bg2">
+              <a:lumMod val="50000"/>
+            </a:schemeClr>
+          </a:solidFill>
+          <a:ln>
+            <a:solidFill>
+              <a:schemeClr val="tx1"/>
+            </a:solidFill>
+          </a:ln>
+        </p:spPr>
+        <p:style>
+          <a:lnRef idx="2">
+            <a:schemeClr val="accent1">
+              <a:shade val="50000"/>
+            </a:schemeClr>
+          </a:lnRef>
+          <a:fillRef idx="1">
+            <a:schemeClr val="accent1"/>
+          </a:fillRef>
+          <a:effectRef idx="0">
+            <a:schemeClr val="accent1"/>
+          </a:effectRef>
+          <a:fontRef idx="minor">
+            <a:schemeClr val="lt1"/>
+          </a:fontRef>
+        </p:style>
+        <p:txBody>
+          <a:bodyPr rtlCol="0" anchor="ctr"/>
+          <a:lstStyle/>
+          <a:p>
+            <a:pPr algn="ctr"/>
+            <a:r>
+              <a:rPr lang="en-CA">
+                <a:ln>
+                  <a:solidFill>
+                    <a:schemeClr val="bg1"/>
+                  </a:solidFill>
+                </a:ln>
+                <a:solidFill>
+                  <a:schemeClr val="bg1"/>
+                </a:solidFill>
+              </a:rPr>
+              <a:t>R</a:t>
+            </a:r>
+            <a:endParaRPr lang="en-US" dirty="0">
+              <a:ln>
+                <a:solidFill>
+                  <a:schemeClr val="bg1"/>
+                </a:solidFill>
+              </a:ln>
+              <a:solidFill>
+                <a:schemeClr val="bg1"/>
+              </a:solidFill>
+            </a:endParaRPr>
+          </a:p>
+        </p:txBody>
+      </p:sp>
+      <p:cxnSp>
+        <p:nvCxnSpPr>
+          <p:cNvPr id="10" name="直接连接符 9">
+            <a:extLst>
+              <a:ext uri="{FF2B5EF4-FFF2-40B4-BE49-F238E27FC236}">
+                <a16:creationId xmlns:a16="http://schemas.microsoft.com/office/drawing/2014/main" id="{8AADAD2E-5483-4DD2-8EE0-EFB7E31F1656}"/>
+              </a:ext>
+            </a:extLst>
+          </p:cNvPr>
+          <p:cNvCxnSpPr>
+            <a:cxnSpLocks/>
+            <a:stCxn id="4" idx="6"/>
+            <a:endCxn id="7" idx="2"/>
+          </p:cNvCxnSpPr>
+          <p:nvPr/>
+        </p:nvCxnSpPr>
+        <p:spPr>
+          <a:xfrm>
+            <a:off x="7501752" y="4019017"/>
+            <a:ext cx="460963" cy="0"/>
+          </a:xfrm>
+          <a:prstGeom prst="line">
+            <a:avLst/>
+          </a:prstGeom>
+        </p:spPr>
+        <p:style>
+          <a:lnRef idx="1">
+            <a:schemeClr val="dk1"/>
+          </a:lnRef>
+          <a:fillRef idx="0">
+            <a:schemeClr val="dk1"/>
+          </a:fillRef>
+          <a:effectRef idx="0">
+            <a:schemeClr val="dk1"/>
+          </a:effectRef>
+          <a:fontRef idx="minor">
+            <a:schemeClr val="tx1"/>
+          </a:fontRef>
+        </p:style>
+      </p:cxnSp>
+      <p:cxnSp>
+        <p:nvCxnSpPr>
+          <p:cNvPr id="11" name="直接连接符 10">
+            <a:extLst>
+              <a:ext uri="{FF2B5EF4-FFF2-40B4-BE49-F238E27FC236}">
+                <a16:creationId xmlns:a16="http://schemas.microsoft.com/office/drawing/2014/main" id="{4D648960-5B51-4CF9-B8E6-6B2BF86222EC}"/>
+              </a:ext>
+            </a:extLst>
+          </p:cNvPr>
+          <p:cNvCxnSpPr>
+            <a:cxnSpLocks/>
+            <a:stCxn id="7" idx="6"/>
+            <a:endCxn id="8" idx="2"/>
+          </p:cNvCxnSpPr>
+          <p:nvPr/>
+        </p:nvCxnSpPr>
+        <p:spPr>
+          <a:xfrm>
+            <a:off x="8441686" y="4019017"/>
+            <a:ext cx="460963" cy="0"/>
+          </a:xfrm>
+          <a:prstGeom prst="line">
+            <a:avLst/>
+          </a:prstGeom>
+        </p:spPr>
+        <p:style>
+          <a:lnRef idx="1">
+            <a:schemeClr val="dk1"/>
+          </a:lnRef>
+          <a:fillRef idx="0">
+            <a:schemeClr val="dk1"/>
+          </a:fillRef>
+          <a:effectRef idx="0">
+            <a:schemeClr val="dk1"/>
+          </a:effectRef>
+          <a:fontRef idx="minor">
+            <a:schemeClr val="tx1"/>
+          </a:fontRef>
+        </p:style>
+      </p:cxnSp>
+      <p:cxnSp>
+        <p:nvCxnSpPr>
+          <p:cNvPr id="12" name="直接连接符 11">
+            <a:extLst>
+              <a:ext uri="{FF2B5EF4-FFF2-40B4-BE49-F238E27FC236}">
+                <a16:creationId xmlns:a16="http://schemas.microsoft.com/office/drawing/2014/main" id="{29C24FF7-8236-4EDE-91EF-54A062DA02D4}"/>
+              </a:ext>
+            </a:extLst>
+          </p:cNvPr>
+          <p:cNvCxnSpPr>
+            <a:cxnSpLocks/>
+            <a:stCxn id="8" idx="6"/>
+            <a:endCxn id="9" idx="2"/>
+          </p:cNvCxnSpPr>
+          <p:nvPr/>
+        </p:nvCxnSpPr>
+        <p:spPr>
+          <a:xfrm>
+            <a:off x="9381620" y="4019017"/>
+            <a:ext cx="460962" cy="0"/>
+          </a:xfrm>
+          <a:prstGeom prst="line">
+            <a:avLst/>
+          </a:prstGeom>
+        </p:spPr>
+        <p:style>
+          <a:lnRef idx="1">
+            <a:schemeClr val="dk1"/>
+          </a:lnRef>
+          <a:fillRef idx="0">
+            <a:schemeClr val="dk1"/>
+          </a:fillRef>
+          <a:effectRef idx="0">
+            <a:schemeClr val="dk1"/>
+          </a:effectRef>
+          <a:fontRef idx="minor">
+            <a:schemeClr val="tx1"/>
+          </a:fontRef>
+        </p:style>
+      </p:cxnSp>
+      <mc:AlternateContent xmlns:mc="http://schemas.openxmlformats.org/markup-compatibility/2006">
+        <mc:Choice xmlns:a14="http://schemas.microsoft.com/office/drawing/2010/main" Requires="a14">
+          <p:sp>
+            <p:nvSpPr>
+              <p:cNvPr id="16" name="文本框 15">
+                <a:extLst>
+                  <a:ext uri="{FF2B5EF4-FFF2-40B4-BE49-F238E27FC236}">
+                    <a16:creationId xmlns:a16="http://schemas.microsoft.com/office/drawing/2014/main" id="{5F1AA8D4-1DDF-4012-B4B5-446A75A2C05E}"/>
+                  </a:ext>
+                </a:extLst>
+              </p:cNvPr>
+              <p:cNvSpPr txBox="1"/>
+              <p:nvPr/>
+            </p:nvSpPr>
+            <p:spPr>
+              <a:xfrm>
+                <a:off x="9363611" y="3649684"/>
+                <a:ext cx="523990" cy="369332"/>
+              </a:xfrm>
+              <a:prstGeom prst="rect">
+                <a:avLst/>
+              </a:prstGeom>
+              <a:noFill/>
+            </p:spPr>
+            <p:txBody>
+              <a:bodyPr wrap="none" rtlCol="0">
+                <a:spAutoFit/>
+              </a:bodyPr>
+              <a:lstStyle/>
+              <a:p>
+                <a14:m>
+                  <m:oMathPara xmlns:m="http://schemas.openxmlformats.org/officeDocument/2006/math">
+                    <m:oMathParaPr>
+                      <m:jc m:val="centerGroup"/>
+                    </m:oMathParaPr>
+                    <m:oMath xmlns:m="http://schemas.openxmlformats.org/officeDocument/2006/math">
+                      <m:sSub>
+                        <m:sSubPr>
+                          <m:ctrlPr>
+                            <a:rPr lang="en-CA" b="0" i="1" smtClean="0">
+                              <a:latin typeface="Cambria Math" panose="02040503050406030204" pitchFamily="18" charset="0"/>
+                            </a:rPr>
+                          </m:ctrlPr>
+                        </m:sSubPr>
+                        <m:e>
+                          <m:r>
+                            <a:rPr lang="en-CA" b="0" i="1" smtClean="0">
+                              <a:latin typeface="Cambria Math" panose="02040503050406030204" pitchFamily="18" charset="0"/>
+                            </a:rPr>
+                            <m:t>𝑊</m:t>
+                          </m:r>
+                        </m:e>
+                        <m:sub>
+                          <m:r>
+                            <a:rPr lang="en-CA" b="0" i="1" smtClean="0">
+                              <a:latin typeface="Cambria Math" panose="02040503050406030204" pitchFamily="18" charset="0"/>
+                            </a:rPr>
+                            <m:t>4</m:t>
+                          </m:r>
+                        </m:sub>
+                      </m:sSub>
+                    </m:oMath>
+                  </m:oMathPara>
+                </a14:m>
+                <a:endParaRPr lang="en-US" dirty="0"/>
+              </a:p>
+            </p:txBody>
+          </p:sp>
+        </mc:Choice>
+        <mc:Fallback>
+          <p:sp>
+            <p:nvSpPr>
+              <p:cNvPr id="16" name="文本框 15">
+                <a:extLst>
+                  <a:ext uri="{FF2B5EF4-FFF2-40B4-BE49-F238E27FC236}">
+                    <a16:creationId xmlns:a16="http://schemas.microsoft.com/office/drawing/2014/main" id="{5F1AA8D4-1DDF-4012-B4B5-446A75A2C05E}"/>
+                  </a:ext>
+                </a:extLst>
+              </p:cNvPr>
+              <p:cNvSpPr txBox="1">
+                <a:spLocks noRot="1" noChangeAspect="1" noMove="1" noResize="1" noEditPoints="1" noAdjustHandles="1" noChangeArrowheads="1" noChangeShapeType="1" noTextEdit="1"/>
+              </p:cNvSpPr>
+              <p:nvPr/>
+            </p:nvSpPr>
+            <p:spPr>
+              <a:xfrm>
+                <a:off x="9363611" y="3649684"/>
+                <a:ext cx="523990" cy="369332"/>
+              </a:xfrm>
+              <a:prstGeom prst="rect">
+                <a:avLst/>
+              </a:prstGeom>
+              <a:blipFill>
+                <a:blip r:embed="rId2"/>
+                <a:stretch>
+                  <a:fillRect/>
+                </a:stretch>
+              </a:blipFill>
+            </p:spPr>
+            <p:txBody>
+              <a:bodyPr/>
+              <a:lstStyle/>
+              <a:p>
+                <a:r>
+                  <a:rPr lang="en-US">
+                    <a:noFill/>
+                  </a:rPr>
+                  <a:t> </a:t>
+                </a:r>
+              </a:p>
+            </p:txBody>
+          </p:sp>
+        </mc:Fallback>
+      </mc:AlternateContent>
+      <p:grpSp>
+        <p:nvGrpSpPr>
+          <p:cNvPr id="40" name="组合 39">
+            <a:extLst>
+              <a:ext uri="{FF2B5EF4-FFF2-40B4-BE49-F238E27FC236}">
+                <a16:creationId xmlns:a16="http://schemas.microsoft.com/office/drawing/2014/main" id="{D3660158-93D2-4EC3-A6BF-510E11415FC8}"/>
+              </a:ext>
+            </a:extLst>
+          </p:cNvPr>
+          <p:cNvGrpSpPr/>
+          <p:nvPr/>
+        </p:nvGrpSpPr>
+        <p:grpSpPr>
+          <a:xfrm>
+            <a:off x="1815647" y="1037700"/>
+            <a:ext cx="4094772" cy="1273755"/>
+            <a:chOff x="1815647" y="1037700"/>
+            <a:chExt cx="4094772" cy="1273755"/>
+          </a:xfrm>
+        </p:grpSpPr>
+        <p:cxnSp>
+          <p:nvCxnSpPr>
+            <p:cNvPr id="18" name="直接连接符 17">
+              <a:extLst>
+                <a:ext uri="{FF2B5EF4-FFF2-40B4-BE49-F238E27FC236}">
+                  <a16:creationId xmlns:a16="http://schemas.microsoft.com/office/drawing/2014/main" id="{145A8156-B43D-4090-9079-9DF5B9FFBFEF}"/>
+                </a:ext>
+              </a:extLst>
+            </p:cNvPr>
+            <p:cNvCxnSpPr>
+              <a:cxnSpLocks/>
+              <a:stCxn id="19" idx="6"/>
+              <a:endCxn id="22" idx="2"/>
+            </p:cNvCxnSpPr>
+            <p:nvPr/>
+          </p:nvCxnSpPr>
+          <p:spPr>
+            <a:xfrm>
+              <a:off x="2294618" y="1774876"/>
+              <a:ext cx="3136830" cy="0"/>
+            </a:xfrm>
+            <a:prstGeom prst="line">
+              <a:avLst/>
+            </a:prstGeom>
+            <a:ln w="25400"/>
+          </p:spPr>
+          <p:style>
+            <a:lnRef idx="1">
+              <a:schemeClr val="dk1"/>
+            </a:lnRef>
+            <a:fillRef idx="0">
+              <a:schemeClr val="dk1"/>
+            </a:fillRef>
+            <a:effectRef idx="0">
+              <a:schemeClr val="dk1"/>
+            </a:effectRef>
+            <a:fontRef idx="minor">
+              <a:schemeClr val="tx1"/>
+            </a:fontRef>
+          </p:style>
+        </p:cxnSp>
+        <p:sp>
+          <p:nvSpPr>
+            <p:cNvPr id="37" name="任意多边形: 形状 36">
+              <a:extLst>
+                <a:ext uri="{FF2B5EF4-FFF2-40B4-BE49-F238E27FC236}">
+                  <a16:creationId xmlns:a16="http://schemas.microsoft.com/office/drawing/2014/main" id="{6F19BF10-DF13-4929-A8DA-675DB05D2D30}"/>
+                </a:ext>
+              </a:extLst>
+            </p:cNvPr>
+            <p:cNvSpPr/>
+            <p:nvPr/>
+          </p:nvSpPr>
+          <p:spPr>
+            <a:xfrm>
+              <a:off x="2057400" y="1074690"/>
+              <a:ext cx="3530600" cy="677910"/>
+            </a:xfrm>
+            <a:custGeom>
+              <a:avLst/>
+              <a:gdLst>
+                <a:gd name="connsiteX0" fmla="*/ 0 w 3530600"/>
+                <a:gd name="connsiteY0" fmla="*/ 677910 h 677910"/>
+                <a:gd name="connsiteX1" fmla="*/ 1752600 w 3530600"/>
+                <a:gd name="connsiteY1" fmla="*/ 577 h 677910"/>
+                <a:gd name="connsiteX2" fmla="*/ 3530600 w 3530600"/>
+                <a:gd name="connsiteY2" fmla="*/ 584777 h 677910"/>
+              </a:gdLst>
+              <a:ahLst/>
+              <a:cxnLst>
+                <a:cxn ang="0">
+                  <a:pos x="connsiteX0" y="connsiteY0"/>
+                </a:cxn>
+                <a:cxn ang="0">
+                  <a:pos x="connsiteX1" y="connsiteY1"/>
+                </a:cxn>
+                <a:cxn ang="0">
+                  <a:pos x="connsiteX2" y="connsiteY2"/>
+                </a:cxn>
+              </a:cxnLst>
+              <a:rect l="l" t="t" r="r" b="b"/>
+              <a:pathLst>
+                <a:path w="3530600" h="677910">
+                  <a:moveTo>
+                    <a:pt x="0" y="677910"/>
+                  </a:moveTo>
+                  <a:cubicBezTo>
+                    <a:pt x="582083" y="347004"/>
+                    <a:pt x="1164167" y="16099"/>
+                    <a:pt x="1752600" y="577"/>
+                  </a:cubicBezTo>
+                  <a:cubicBezTo>
+                    <a:pt x="2341033" y="-14945"/>
+                    <a:pt x="2935816" y="284916"/>
+                    <a:pt x="3530600" y="584777"/>
+                  </a:cubicBezTo>
+                </a:path>
+              </a:pathLst>
+            </a:custGeom>
+            <a:noFill/>
+            <a:ln>
+              <a:solidFill>
+                <a:schemeClr val="bg2">
+                  <a:lumMod val="50000"/>
+                </a:schemeClr>
+              </a:solidFill>
+            </a:ln>
+          </p:spPr>
+          <p:style>
+            <a:lnRef idx="2">
+              <a:schemeClr val="accent1">
+                <a:shade val="50000"/>
+              </a:schemeClr>
+            </a:lnRef>
+            <a:fillRef idx="1">
+              <a:schemeClr val="accent1"/>
+            </a:fillRef>
+            <a:effectRef idx="0">
+              <a:schemeClr val="accent1"/>
+            </a:effectRef>
+            <a:fontRef idx="minor">
+              <a:schemeClr val="lt1"/>
+            </a:fontRef>
+          </p:style>
+          <p:txBody>
+            <a:bodyPr rtlCol="0" anchor="ctr"/>
+            <a:lstStyle/>
+            <a:p>
+              <a:pPr algn="ctr"/>
+              <a:endParaRPr lang="en-US"/>
+            </a:p>
+          </p:txBody>
+        </p:sp>
+        <p:sp>
+          <p:nvSpPr>
+            <p:cNvPr id="39" name="任意多边形: 形状 38">
+              <a:extLst>
+                <a:ext uri="{FF2B5EF4-FFF2-40B4-BE49-F238E27FC236}">
+                  <a16:creationId xmlns:a16="http://schemas.microsoft.com/office/drawing/2014/main" id="{943839EE-83EB-4764-853E-6668D222AC77}"/>
+                </a:ext>
+              </a:extLst>
+            </p:cNvPr>
+            <p:cNvSpPr/>
+            <p:nvPr/>
+          </p:nvSpPr>
+          <p:spPr>
+            <a:xfrm>
+              <a:off x="2057400" y="1811867"/>
+              <a:ext cx="3598333" cy="499588"/>
+            </a:xfrm>
+            <a:custGeom>
+              <a:avLst/>
+              <a:gdLst>
+                <a:gd name="connsiteX0" fmla="*/ 0 w 3598333"/>
+                <a:gd name="connsiteY0" fmla="*/ 0 h 499588"/>
+                <a:gd name="connsiteX1" fmla="*/ 1659467 w 3598333"/>
+                <a:gd name="connsiteY1" fmla="*/ 499533 h 499588"/>
+                <a:gd name="connsiteX2" fmla="*/ 3598333 w 3598333"/>
+                <a:gd name="connsiteY2" fmla="*/ 25400 h 499588"/>
+              </a:gdLst>
+              <a:ahLst/>
+              <a:cxnLst>
+                <a:cxn ang="0">
+                  <a:pos x="connsiteX0" y="connsiteY0"/>
+                </a:cxn>
+                <a:cxn ang="0">
+                  <a:pos x="connsiteX1" y="connsiteY1"/>
+                </a:cxn>
+                <a:cxn ang="0">
+                  <a:pos x="connsiteX2" y="connsiteY2"/>
+                </a:cxn>
+              </a:cxnLst>
+              <a:rect l="l" t="t" r="r" b="b"/>
+              <a:pathLst>
+                <a:path w="3598333" h="499588">
+                  <a:moveTo>
+                    <a:pt x="0" y="0"/>
+                  </a:moveTo>
+                  <a:cubicBezTo>
+                    <a:pt x="529872" y="247650"/>
+                    <a:pt x="1059745" y="495300"/>
+                    <a:pt x="1659467" y="499533"/>
+                  </a:cubicBezTo>
+                  <a:cubicBezTo>
+                    <a:pt x="2259189" y="503766"/>
+                    <a:pt x="2928761" y="264583"/>
+                    <a:pt x="3598333" y="25400"/>
+                  </a:cubicBezTo>
+                </a:path>
+              </a:pathLst>
+            </a:custGeom>
+            <a:noFill/>
+            <a:ln>
+              <a:solidFill>
+                <a:schemeClr val="bg2">
+                  <a:lumMod val="50000"/>
+                </a:schemeClr>
+              </a:solidFill>
+            </a:ln>
+          </p:spPr>
+          <p:style>
+            <a:lnRef idx="2">
+              <a:schemeClr val="accent1">
+                <a:shade val="50000"/>
+              </a:schemeClr>
+            </a:lnRef>
+            <a:fillRef idx="1">
+              <a:schemeClr val="accent1"/>
+            </a:fillRef>
+            <a:effectRef idx="0">
+              <a:schemeClr val="accent1"/>
+            </a:effectRef>
+            <a:fontRef idx="minor">
+              <a:schemeClr val="lt1"/>
+            </a:fontRef>
+          </p:style>
+          <p:txBody>
+            <a:bodyPr rtlCol="0" anchor="ctr"/>
+            <a:lstStyle/>
+            <a:p>
+              <a:pPr algn="ctr"/>
+              <a:endParaRPr lang="en-US"/>
+            </a:p>
+          </p:txBody>
+        </p:sp>
+        <mc:AlternateContent xmlns:mc="http://schemas.openxmlformats.org/markup-compatibility/2006">
+          <mc:Choice xmlns:a14="http://schemas.microsoft.com/office/drawing/2010/main" Requires="a14">
+            <p:sp>
+              <p:nvSpPr>
+                <p:cNvPr id="13" name="文本框 12">
+                  <a:extLst>
+                    <a:ext uri="{FF2B5EF4-FFF2-40B4-BE49-F238E27FC236}">
+                      <a16:creationId xmlns:a16="http://schemas.microsoft.com/office/drawing/2014/main" id="{C9C16C19-9BF9-4DAB-9198-B18EE7B64DB4}"/>
+                    </a:ext>
+                  </a:extLst>
+                </p:cNvPr>
+                <p:cNvSpPr txBox="1"/>
+                <p:nvPr/>
+              </p:nvSpPr>
+              <p:spPr>
+                <a:xfrm>
+                  <a:off x="3496961" y="1037700"/>
+                  <a:ext cx="528542" cy="369332"/>
+                </a:xfrm>
+                <a:prstGeom prst="rect">
+                  <a:avLst/>
+                </a:prstGeom>
+                <a:noFill/>
+              </p:spPr>
+              <p:txBody>
+                <a:bodyPr wrap="none" rtlCol="0">
+                  <a:spAutoFit/>
+                </a:bodyPr>
+                <a:lstStyle/>
+                <a:p>
+                  <a14:m>
+                    <m:oMathPara xmlns:m="http://schemas.openxmlformats.org/officeDocument/2006/math">
+                      <m:oMathParaPr>
+                        <m:jc m:val="centerGroup"/>
+                      </m:oMathParaPr>
+                      <m:oMath xmlns:m="http://schemas.openxmlformats.org/officeDocument/2006/math">
+                        <m:sSub>
+                          <m:sSubPr>
+                            <m:ctrlPr>
+                              <a:rPr lang="en-CA" b="0" i="1" smtClean="0">
+                                <a:latin typeface="Cambria Math" panose="02040503050406030204" pitchFamily="18" charset="0"/>
+                              </a:rPr>
+                            </m:ctrlPr>
+                          </m:sSubPr>
+                          <m:e>
+                            <m:r>
+                              <a:rPr lang="en-CA" b="0" i="1" smtClean="0">
+                                <a:latin typeface="Cambria Math" panose="02040503050406030204" pitchFamily="18" charset="0"/>
+                              </a:rPr>
+                              <m:t>𝑊</m:t>
+                            </m:r>
+                          </m:e>
+                          <m:sub>
+                            <m:r>
+                              <a:rPr lang="en-CA" b="0" i="1" smtClean="0">
+                                <a:latin typeface="Cambria Math" panose="02040503050406030204" pitchFamily="18" charset="0"/>
+                              </a:rPr>
+                              <m:t>1</m:t>
+                            </m:r>
+                          </m:sub>
+                        </m:sSub>
+                      </m:oMath>
+                    </m:oMathPara>
+                  </a14:m>
+                  <a:endParaRPr lang="en-US" dirty="0"/>
+                </a:p>
+              </p:txBody>
+            </p:sp>
+          </mc:Choice>
+          <mc:Fallback>
+            <p:sp>
+              <p:nvSpPr>
+                <p:cNvPr id="13" name="文本框 12">
+                  <a:extLst>
+                    <a:ext uri="{FF2B5EF4-FFF2-40B4-BE49-F238E27FC236}">
+                      <a16:creationId xmlns:a16="http://schemas.microsoft.com/office/drawing/2014/main" id="{C9C16C19-9BF9-4DAB-9198-B18EE7B64DB4}"/>
+                    </a:ext>
+                  </a:extLst>
+                </p:cNvPr>
+                <p:cNvSpPr txBox="1">
+                  <a:spLocks noRot="1" noChangeAspect="1" noMove="1" noResize="1" noEditPoints="1" noAdjustHandles="1" noChangeArrowheads="1" noChangeShapeType="1" noTextEdit="1"/>
+                </p:cNvSpPr>
+                <p:nvPr/>
+              </p:nvSpPr>
+              <p:spPr>
+                <a:xfrm>
+                  <a:off x="3496961" y="1037700"/>
+                  <a:ext cx="528542" cy="369332"/>
+                </a:xfrm>
+                <a:prstGeom prst="rect">
+                  <a:avLst/>
+                </a:prstGeom>
+                <a:blipFill>
+                  <a:blip r:embed="rId3"/>
+                  <a:stretch>
+                    <a:fillRect/>
+                  </a:stretch>
+                </a:blipFill>
+              </p:spPr>
+              <p:txBody>
+                <a:bodyPr/>
+                <a:lstStyle/>
+                <a:p>
+                  <a:r>
+                    <a:rPr lang="en-US">
+                      <a:noFill/>
+                    </a:rPr>
+                    <a:t> </a:t>
+                  </a:r>
+                </a:p>
+              </p:txBody>
+            </p:sp>
+          </mc:Fallback>
+        </mc:AlternateContent>
+        <mc:AlternateContent xmlns:mc="http://schemas.openxmlformats.org/markup-compatibility/2006">
+          <mc:Choice xmlns:a14="http://schemas.microsoft.com/office/drawing/2010/main" Requires="a14">
+            <p:sp>
+              <p:nvSpPr>
+                <p:cNvPr id="14" name="文本框 13">
+                  <a:extLst>
+                    <a:ext uri="{FF2B5EF4-FFF2-40B4-BE49-F238E27FC236}">
+                      <a16:creationId xmlns:a16="http://schemas.microsoft.com/office/drawing/2014/main" id="{2E462BED-5BEB-4C43-ACB1-71C20ED7C792}"/>
+                    </a:ext>
+                  </a:extLst>
+                </p:cNvPr>
+                <p:cNvSpPr txBox="1"/>
+                <p:nvPr/>
+              </p:nvSpPr>
+              <p:spPr>
+                <a:xfrm>
+                  <a:off x="3491639" y="1437846"/>
+                  <a:ext cx="533864" cy="369332"/>
+                </a:xfrm>
+                <a:prstGeom prst="rect">
+                  <a:avLst/>
+                </a:prstGeom>
+                <a:noFill/>
+              </p:spPr>
+              <p:txBody>
+                <a:bodyPr wrap="none" rtlCol="0">
+                  <a:spAutoFit/>
+                </a:bodyPr>
+                <a:lstStyle/>
+                <a:p>
+                  <a14:m>
+                    <m:oMathPara xmlns:m="http://schemas.openxmlformats.org/officeDocument/2006/math">
+                      <m:oMathParaPr>
+                        <m:jc m:val="centerGroup"/>
+                      </m:oMathParaPr>
+                      <m:oMath xmlns:m="http://schemas.openxmlformats.org/officeDocument/2006/math">
+                        <m:sSub>
+                          <m:sSubPr>
+                            <m:ctrlPr>
+                              <a:rPr lang="en-CA" b="0" i="1" smtClean="0">
+                                <a:latin typeface="Cambria Math" panose="02040503050406030204" pitchFamily="18" charset="0"/>
+                              </a:rPr>
+                            </m:ctrlPr>
+                          </m:sSubPr>
+                          <m:e>
+                            <m:r>
+                              <a:rPr lang="en-CA" b="0" i="1" smtClean="0">
+                                <a:latin typeface="Cambria Math" panose="02040503050406030204" pitchFamily="18" charset="0"/>
+                              </a:rPr>
+                              <m:t>𝑊</m:t>
+                            </m:r>
+                          </m:e>
+                          <m:sub>
+                            <m:r>
+                              <a:rPr lang="en-CA" b="0" i="1" smtClean="0">
+                                <a:latin typeface="Cambria Math" panose="02040503050406030204" pitchFamily="18" charset="0"/>
+                              </a:rPr>
+                              <m:t>2</m:t>
+                            </m:r>
+                          </m:sub>
+                        </m:sSub>
+                      </m:oMath>
+                    </m:oMathPara>
+                  </a14:m>
+                  <a:endParaRPr lang="en-US" dirty="0"/>
+                </a:p>
+              </p:txBody>
+            </p:sp>
+          </mc:Choice>
+          <mc:Fallback>
+            <p:sp>
+              <p:nvSpPr>
+                <p:cNvPr id="14" name="文本框 13">
+                  <a:extLst>
+                    <a:ext uri="{FF2B5EF4-FFF2-40B4-BE49-F238E27FC236}">
+                      <a16:creationId xmlns:a16="http://schemas.microsoft.com/office/drawing/2014/main" id="{2E462BED-5BEB-4C43-ACB1-71C20ED7C792}"/>
+                    </a:ext>
+                  </a:extLst>
+                </p:cNvPr>
+                <p:cNvSpPr txBox="1">
+                  <a:spLocks noRot="1" noChangeAspect="1" noMove="1" noResize="1" noEditPoints="1" noAdjustHandles="1" noChangeArrowheads="1" noChangeShapeType="1" noTextEdit="1"/>
+                </p:cNvSpPr>
+                <p:nvPr/>
+              </p:nvSpPr>
+              <p:spPr>
+                <a:xfrm>
+                  <a:off x="3491639" y="1437846"/>
+                  <a:ext cx="533864" cy="369332"/>
+                </a:xfrm>
+                <a:prstGeom prst="rect">
+                  <a:avLst/>
+                </a:prstGeom>
+                <a:blipFill>
+                  <a:blip r:embed="rId4"/>
+                  <a:stretch>
+                    <a:fillRect/>
+                  </a:stretch>
+                </a:blipFill>
+              </p:spPr>
+              <p:txBody>
+                <a:bodyPr/>
+                <a:lstStyle/>
+                <a:p>
+                  <a:r>
+                    <a:rPr lang="en-US">
+                      <a:noFill/>
+                    </a:rPr>
+                    <a:t> </a:t>
+                  </a:r>
+                </a:p>
+              </p:txBody>
+            </p:sp>
+          </mc:Fallback>
+        </mc:AlternateContent>
+        <mc:AlternateContent xmlns:mc="http://schemas.openxmlformats.org/markup-compatibility/2006">
+          <mc:Choice xmlns:a14="http://schemas.microsoft.com/office/drawing/2010/main" Requires="a14">
+            <p:sp>
+              <p:nvSpPr>
+                <p:cNvPr id="15" name="文本框 14">
+                  <a:extLst>
+                    <a:ext uri="{FF2B5EF4-FFF2-40B4-BE49-F238E27FC236}">
+                      <a16:creationId xmlns:a16="http://schemas.microsoft.com/office/drawing/2014/main" id="{BA46513A-5D52-4BAA-ABDC-ABB943D4D475}"/>
+                    </a:ext>
+                  </a:extLst>
+                </p:cNvPr>
+                <p:cNvSpPr txBox="1"/>
+                <p:nvPr/>
+              </p:nvSpPr>
+              <p:spPr>
+                <a:xfrm>
+                  <a:off x="3491639" y="1942123"/>
+                  <a:ext cx="533864" cy="369332"/>
+                </a:xfrm>
+                <a:prstGeom prst="rect">
+                  <a:avLst/>
+                </a:prstGeom>
+                <a:noFill/>
+              </p:spPr>
+              <p:txBody>
+                <a:bodyPr wrap="none" rtlCol="0">
+                  <a:spAutoFit/>
+                </a:bodyPr>
+                <a:lstStyle/>
+                <a:p>
+                  <a14:m>
+                    <m:oMathPara xmlns:m="http://schemas.openxmlformats.org/officeDocument/2006/math">
+                      <m:oMathParaPr>
+                        <m:jc m:val="centerGroup"/>
+                      </m:oMathParaPr>
+                      <m:oMath xmlns:m="http://schemas.openxmlformats.org/officeDocument/2006/math">
+                        <m:sSub>
+                          <m:sSubPr>
+                            <m:ctrlPr>
+                              <a:rPr lang="en-CA" b="0" i="1" smtClean="0">
+                                <a:latin typeface="Cambria Math" panose="02040503050406030204" pitchFamily="18" charset="0"/>
+                              </a:rPr>
+                            </m:ctrlPr>
+                          </m:sSubPr>
+                          <m:e>
+                            <m:r>
+                              <a:rPr lang="en-CA" b="0" i="1" smtClean="0">
+                                <a:latin typeface="Cambria Math" panose="02040503050406030204" pitchFamily="18" charset="0"/>
+                              </a:rPr>
+                              <m:t>𝑊</m:t>
+                            </m:r>
+                          </m:e>
+                          <m:sub>
+                            <m:r>
+                              <a:rPr lang="en-CA" b="0" i="1" smtClean="0">
+                                <a:latin typeface="Cambria Math" panose="02040503050406030204" pitchFamily="18" charset="0"/>
+                              </a:rPr>
+                              <m:t>3</m:t>
+                            </m:r>
+                          </m:sub>
+                        </m:sSub>
+                      </m:oMath>
+                    </m:oMathPara>
+                  </a14:m>
+                  <a:endParaRPr lang="en-US" dirty="0"/>
+                </a:p>
+              </p:txBody>
+            </p:sp>
+          </mc:Choice>
+          <mc:Fallback>
+            <p:sp>
+              <p:nvSpPr>
+                <p:cNvPr id="15" name="文本框 14">
+                  <a:extLst>
+                    <a:ext uri="{FF2B5EF4-FFF2-40B4-BE49-F238E27FC236}">
+                      <a16:creationId xmlns:a16="http://schemas.microsoft.com/office/drawing/2014/main" id="{BA46513A-5D52-4BAA-ABDC-ABB943D4D475}"/>
+                    </a:ext>
+                  </a:extLst>
+                </p:cNvPr>
+                <p:cNvSpPr txBox="1">
+                  <a:spLocks noRot="1" noChangeAspect="1" noMove="1" noResize="1" noEditPoints="1" noAdjustHandles="1" noChangeArrowheads="1" noChangeShapeType="1" noTextEdit="1"/>
+                </p:cNvSpPr>
+                <p:nvPr/>
+              </p:nvSpPr>
+              <p:spPr>
+                <a:xfrm>
+                  <a:off x="3491639" y="1942123"/>
+                  <a:ext cx="533864" cy="369332"/>
+                </a:xfrm>
+                <a:prstGeom prst="rect">
+                  <a:avLst/>
+                </a:prstGeom>
+                <a:blipFill>
+                  <a:blip r:embed="rId5"/>
+                  <a:stretch>
+                    <a:fillRect/>
+                  </a:stretch>
+                </a:blipFill>
+              </p:spPr>
+              <p:txBody>
+                <a:bodyPr/>
+                <a:lstStyle/>
+                <a:p>
+                  <a:r>
+                    <a:rPr lang="en-US">
+                      <a:noFill/>
+                    </a:rPr>
+                    <a:t> </a:t>
+                  </a:r>
+                </a:p>
+              </p:txBody>
+            </p:sp>
+          </mc:Fallback>
+        </mc:AlternateContent>
+        <p:sp>
+          <p:nvSpPr>
+            <p:cNvPr id="19" name="椭圆 18">
+              <a:extLst>
+                <a:ext uri="{FF2B5EF4-FFF2-40B4-BE49-F238E27FC236}">
+                  <a16:creationId xmlns:a16="http://schemas.microsoft.com/office/drawing/2014/main" id="{1C9B1617-8E37-426F-BAF7-37DAF9FB95CC}"/>
+                </a:ext>
+              </a:extLst>
+            </p:cNvPr>
+            <p:cNvSpPr/>
+            <p:nvPr/>
+          </p:nvSpPr>
+          <p:spPr>
+            <a:xfrm>
+              <a:off x="1815647" y="1535390"/>
+              <a:ext cx="478971" cy="478971"/>
+            </a:xfrm>
+            <a:prstGeom prst="ellipse">
+              <a:avLst/>
+            </a:prstGeom>
+            <a:solidFill>
+              <a:schemeClr val="bg2">
+                <a:lumMod val="50000"/>
+              </a:schemeClr>
+            </a:solidFill>
+            <a:ln>
+              <a:solidFill>
+                <a:schemeClr val="tx1"/>
+              </a:solidFill>
+            </a:ln>
+          </p:spPr>
+          <p:style>
+            <a:lnRef idx="2">
+              <a:schemeClr val="accent1">
+                <a:shade val="50000"/>
+              </a:schemeClr>
+            </a:lnRef>
+            <a:fillRef idx="1">
+              <a:schemeClr val="accent1"/>
+            </a:fillRef>
+            <a:effectRef idx="0">
+              <a:schemeClr val="accent1"/>
+            </a:effectRef>
+            <a:fontRef idx="minor">
+              <a:schemeClr val="lt1"/>
+            </a:fontRef>
+          </p:style>
+          <p:txBody>
+            <a:bodyPr rtlCol="0" anchor="ctr"/>
+            <a:lstStyle/>
+            <a:p>
+              <a:pPr algn="ctr"/>
+              <a:r>
+                <a:rPr lang="en-CA" dirty="0">
+                  <a:ln>
+                    <a:solidFill>
+                      <a:schemeClr val="bg1"/>
+                    </a:solidFill>
+                  </a:ln>
+                  <a:solidFill>
+                    <a:schemeClr val="bg1"/>
+                  </a:solidFill>
+                </a:rPr>
+                <a:t>R</a:t>
+              </a:r>
+              <a:endParaRPr lang="en-US" dirty="0">
+                <a:ln>
+                  <a:solidFill>
+                    <a:schemeClr val="bg1"/>
+                  </a:solidFill>
+                </a:ln>
+                <a:solidFill>
+                  <a:schemeClr val="bg1"/>
+                </a:solidFill>
+              </a:endParaRPr>
+            </a:p>
+          </p:txBody>
+        </p:sp>
+        <p:sp>
+          <p:nvSpPr>
+            <p:cNvPr id="22" name="椭圆 21">
+              <a:extLst>
+                <a:ext uri="{FF2B5EF4-FFF2-40B4-BE49-F238E27FC236}">
+                  <a16:creationId xmlns:a16="http://schemas.microsoft.com/office/drawing/2014/main" id="{21827E37-68BE-4D61-9695-05D945EE0BBA}"/>
+                </a:ext>
+              </a:extLst>
+            </p:cNvPr>
+            <p:cNvSpPr/>
+            <p:nvPr/>
+          </p:nvSpPr>
+          <p:spPr>
+            <a:xfrm>
+              <a:off x="5431448" y="1535390"/>
+              <a:ext cx="478971" cy="478971"/>
+            </a:xfrm>
+            <a:prstGeom prst="ellipse">
+              <a:avLst/>
+            </a:prstGeom>
+            <a:solidFill>
+              <a:schemeClr val="bg2">
+                <a:lumMod val="50000"/>
+              </a:schemeClr>
+            </a:solidFill>
+            <a:ln>
+              <a:solidFill>
+                <a:schemeClr val="tx1"/>
+              </a:solidFill>
+            </a:ln>
+          </p:spPr>
+          <p:style>
+            <a:lnRef idx="2">
+              <a:schemeClr val="accent1">
+                <a:shade val="50000"/>
+              </a:schemeClr>
+            </a:lnRef>
+            <a:fillRef idx="1">
+              <a:schemeClr val="accent1"/>
+            </a:fillRef>
+            <a:effectRef idx="0">
+              <a:schemeClr val="accent1"/>
+            </a:effectRef>
+            <a:fontRef idx="minor">
+              <a:schemeClr val="lt1"/>
+            </a:fontRef>
+          </p:style>
+          <p:txBody>
+            <a:bodyPr rtlCol="0" anchor="ctr"/>
+            <a:lstStyle/>
+            <a:p>
+              <a:pPr algn="ctr"/>
+              <a:r>
+                <a:rPr lang="en-CA">
+                  <a:ln>
+                    <a:solidFill>
+                      <a:schemeClr val="bg1"/>
+                    </a:solidFill>
+                  </a:ln>
+                  <a:solidFill>
+                    <a:schemeClr val="bg1"/>
+                  </a:solidFill>
+                </a:rPr>
+                <a:t>R</a:t>
+              </a:r>
+              <a:endParaRPr lang="en-US" dirty="0">
+                <a:ln>
+                  <a:solidFill>
+                    <a:schemeClr val="bg1"/>
+                  </a:solidFill>
+                </a:ln>
+                <a:solidFill>
+                  <a:schemeClr val="bg1"/>
+                </a:solidFill>
+              </a:endParaRPr>
+            </a:p>
+          </p:txBody>
+        </p:sp>
+      </p:grpSp>
+      <mc:AlternateContent xmlns:mc="http://schemas.openxmlformats.org/markup-compatibility/2006">
+        <mc:Choice xmlns:a14="http://schemas.microsoft.com/office/drawing/2010/main" Requires="a14">
+          <p:sp>
+            <p:nvSpPr>
+              <p:cNvPr id="26" name="文本框 25">
+                <a:extLst>
+                  <a:ext uri="{FF2B5EF4-FFF2-40B4-BE49-F238E27FC236}">
+                    <a16:creationId xmlns:a16="http://schemas.microsoft.com/office/drawing/2014/main" id="{A225392B-3EB3-42C4-A783-7CBDF7D5AF84}"/>
+                  </a:ext>
+                </a:extLst>
+              </p:cNvPr>
+              <p:cNvSpPr txBox="1"/>
+              <p:nvPr/>
+            </p:nvSpPr>
+            <p:spPr>
+              <a:xfrm>
+                <a:off x="7164993" y="4552807"/>
+                <a:ext cx="2074414" cy="369332"/>
+              </a:xfrm>
+              <a:prstGeom prst="rect">
+                <a:avLst/>
+              </a:prstGeom>
+              <a:noFill/>
+            </p:spPr>
+            <p:txBody>
+              <a:bodyPr wrap="none" rtlCol="0">
+                <a:spAutoFit/>
+              </a:bodyPr>
+              <a:lstStyle/>
+              <a:p>
+                <a14:m>
+                  <m:oMath xmlns:m="http://schemas.openxmlformats.org/officeDocument/2006/math">
+                    <m:sSub>
+                      <m:sSubPr>
+                        <m:ctrlPr>
+                          <a:rPr lang="en-CA" b="0" i="1" smtClean="0">
+                            <a:latin typeface="Cambria Math" panose="02040503050406030204" pitchFamily="18" charset="0"/>
+                          </a:rPr>
+                        </m:ctrlPr>
+                      </m:sSubPr>
+                      <m:e>
+                        <m:r>
+                          <a:rPr lang="en-CA" b="0" i="1" smtClean="0">
+                            <a:latin typeface="Cambria Math" panose="02040503050406030204" pitchFamily="18" charset="0"/>
+                          </a:rPr>
+                          <m:t>𝑊</m:t>
+                        </m:r>
+                      </m:e>
+                      <m:sub>
+                        <m:r>
+                          <a:rPr lang="en-CA" b="0" i="1" smtClean="0">
+                            <a:latin typeface="Cambria Math" panose="02040503050406030204" pitchFamily="18" charset="0"/>
+                          </a:rPr>
+                          <m:t>1</m:t>
+                        </m:r>
+                      </m:sub>
+                    </m:sSub>
+                  </m:oMath>
+                </a14:m>
+                <a:r>
+                  <a:rPr lang="en-US" dirty="0"/>
+                  <a:t>+</a:t>
+                </a:r>
+                <a:r>
+                  <a:rPr lang="en-CA" dirty="0"/>
+                  <a:t> </a:t>
+                </a:r>
+                <a14:m>
+                  <m:oMath xmlns:m="http://schemas.openxmlformats.org/officeDocument/2006/math">
+                    <m:sSub>
+                      <m:sSubPr>
+                        <m:ctrlPr>
+                          <a:rPr lang="en-CA" i="1">
+                            <a:latin typeface="Cambria Math" panose="02040503050406030204" pitchFamily="18" charset="0"/>
+                          </a:rPr>
+                        </m:ctrlPr>
+                      </m:sSubPr>
+                      <m:e>
+                        <m:r>
+                          <a:rPr lang="en-CA" i="1">
+                            <a:latin typeface="Cambria Math" panose="02040503050406030204" pitchFamily="18" charset="0"/>
+                          </a:rPr>
+                          <m:t>𝑊</m:t>
+                        </m:r>
+                      </m:e>
+                      <m:sub>
+                        <m:r>
+                          <a:rPr lang="en-CA" i="1">
+                            <a:latin typeface="Cambria Math" panose="02040503050406030204" pitchFamily="18" charset="0"/>
+                          </a:rPr>
+                          <m:t>2</m:t>
+                        </m:r>
+                      </m:sub>
+                    </m:sSub>
+                    <m:r>
+                      <a:rPr lang="en-CA" b="0" i="1" smtClean="0">
+                        <a:latin typeface="Cambria Math" panose="02040503050406030204" pitchFamily="18" charset="0"/>
+                      </a:rPr>
+                      <m:t>+</m:t>
+                    </m:r>
+                    <m:sSub>
+                      <m:sSubPr>
+                        <m:ctrlPr>
+                          <a:rPr lang="en-CA" i="1">
+                            <a:latin typeface="Cambria Math" panose="02040503050406030204" pitchFamily="18" charset="0"/>
+                          </a:rPr>
+                        </m:ctrlPr>
+                      </m:sSubPr>
+                      <m:e>
+                        <m:r>
+                          <a:rPr lang="en-CA" i="1">
+                            <a:latin typeface="Cambria Math" panose="02040503050406030204" pitchFamily="18" charset="0"/>
+                          </a:rPr>
+                          <m:t>𝑊</m:t>
+                        </m:r>
+                      </m:e>
+                      <m:sub>
+                        <m:r>
+                          <a:rPr lang="en-CA" i="1">
+                            <a:latin typeface="Cambria Math" panose="02040503050406030204" pitchFamily="18" charset="0"/>
+                          </a:rPr>
+                          <m:t>3</m:t>
+                        </m:r>
+                      </m:sub>
+                    </m:sSub>
+                    <m:r>
+                      <a:rPr lang="en-CA" b="0" i="1" smtClean="0">
+                        <a:latin typeface="Cambria Math" panose="02040503050406030204" pitchFamily="18" charset="0"/>
+                      </a:rPr>
+                      <m:t>+</m:t>
+                    </m:r>
+                    <m:sSub>
+                      <m:sSubPr>
+                        <m:ctrlPr>
+                          <a:rPr lang="en-CA" i="1">
+                            <a:latin typeface="Cambria Math" panose="02040503050406030204" pitchFamily="18" charset="0"/>
+                          </a:rPr>
+                        </m:ctrlPr>
+                      </m:sSubPr>
+                      <m:e>
+                        <m:r>
+                          <a:rPr lang="en-CA" i="1">
+                            <a:latin typeface="Cambria Math" panose="02040503050406030204" pitchFamily="18" charset="0"/>
+                          </a:rPr>
+                          <m:t>𝑊</m:t>
+                        </m:r>
+                      </m:e>
+                      <m:sub>
+                        <m:r>
+                          <a:rPr lang="en-CA" i="1">
+                            <a:latin typeface="Cambria Math" panose="02040503050406030204" pitchFamily="18" charset="0"/>
+                          </a:rPr>
+                          <m:t>4</m:t>
+                        </m:r>
+                      </m:sub>
+                    </m:sSub>
+                  </m:oMath>
+                </a14:m>
+                <a:endParaRPr lang="en-US" dirty="0"/>
+              </a:p>
+            </p:txBody>
+          </p:sp>
+        </mc:Choice>
+        <mc:Fallback>
+          <p:sp>
+            <p:nvSpPr>
+              <p:cNvPr id="26" name="文本框 25">
+                <a:extLst>
+                  <a:ext uri="{FF2B5EF4-FFF2-40B4-BE49-F238E27FC236}">
+                    <a16:creationId xmlns:a16="http://schemas.microsoft.com/office/drawing/2014/main" id="{A225392B-3EB3-42C4-A783-7CBDF7D5AF84}"/>
+                  </a:ext>
+                </a:extLst>
+              </p:cNvPr>
+              <p:cNvSpPr txBox="1">
+                <a:spLocks noRot="1" noChangeAspect="1" noMove="1" noResize="1" noEditPoints="1" noAdjustHandles="1" noChangeArrowheads="1" noChangeShapeType="1" noTextEdit="1"/>
+              </p:cNvSpPr>
+              <p:nvPr/>
+            </p:nvSpPr>
+            <p:spPr>
+              <a:xfrm>
+                <a:off x="7164993" y="4552807"/>
+                <a:ext cx="2074414" cy="369332"/>
+              </a:xfrm>
+              <a:prstGeom prst="rect">
+                <a:avLst/>
+              </a:prstGeom>
+              <a:blipFill>
+                <a:blip r:embed="rId6"/>
+                <a:stretch>
+                  <a:fillRect t="-10000" b="-26667"/>
+                </a:stretch>
+              </a:blipFill>
+            </p:spPr>
+            <p:txBody>
+              <a:bodyPr/>
+              <a:lstStyle/>
+              <a:p>
+                <a:r>
+                  <a:rPr lang="en-US">
+                    <a:noFill/>
+                  </a:rPr>
+                  <a:t> </a:t>
+                </a:r>
+              </a:p>
+            </p:txBody>
+          </p:sp>
+        </mc:Fallback>
+      </mc:AlternateContent>
+      <p:sp>
+        <p:nvSpPr>
+          <p:cNvPr id="30" name="椭圆 29">
+            <a:extLst>
+              <a:ext uri="{FF2B5EF4-FFF2-40B4-BE49-F238E27FC236}">
+                <a16:creationId xmlns:a16="http://schemas.microsoft.com/office/drawing/2014/main" id="{78E76F49-1C0E-4C61-BC6B-19D821FCC0CE}"/>
+              </a:ext>
+            </a:extLst>
+          </p:cNvPr>
+          <p:cNvSpPr/>
+          <p:nvPr/>
+        </p:nvSpPr>
+        <p:spPr>
+          <a:xfrm>
+            <a:off x="4245337" y="4497988"/>
+            <a:ext cx="478971" cy="478971"/>
+          </a:xfrm>
+          <a:prstGeom prst="ellipse">
+            <a:avLst/>
+          </a:prstGeom>
+          <a:solidFill>
+            <a:schemeClr val="bg1"/>
+          </a:solidFill>
+          <a:ln w="6350">
+            <a:solidFill>
+              <a:schemeClr val="tx1"/>
+            </a:solidFill>
+            <a:prstDash val="sysDot"/>
+          </a:ln>
+        </p:spPr>
+        <p:style>
+          <a:lnRef idx="2">
+            <a:schemeClr val="accent1">
+              <a:shade val="50000"/>
+            </a:schemeClr>
+          </a:lnRef>
+          <a:fillRef idx="1">
+            <a:schemeClr val="accent1"/>
+          </a:fillRef>
+          <a:effectRef idx="0">
+            <a:schemeClr val="accent1"/>
+          </a:effectRef>
+          <a:fontRef idx="minor">
+            <a:schemeClr val="lt1"/>
+          </a:fontRef>
+        </p:style>
+        <p:txBody>
+          <a:bodyPr rot="0" spcFirstLastPara="0" vertOverflow="overflow" horzOverflow="overflow" vert="horz" wrap="square" lIns="91440" tIns="45720" rIns="91440" bIns="45720" numCol="1" spcCol="0" rtlCol="0" fromWordArt="0" anchor="ctr" anchorCtr="0" forceAA="0" compatLnSpc="1">
+            <a:prstTxWarp prst="textNoShape">
+              <a:avLst/>
+            </a:prstTxWarp>
+            <a:noAutofit/>
+          </a:bodyPr>
+          <a:lstStyle/>
+          <a:p>
+            <a:pPr algn="ctr"/>
+            <a:r>
+              <a:rPr lang="en-CA">
+                <a:solidFill>
+                  <a:schemeClr val="bg2">
+                    <a:lumMod val="75000"/>
+                  </a:schemeClr>
+                </a:solidFill>
+              </a:rPr>
+              <a:t>G</a:t>
+            </a:r>
+            <a:endParaRPr lang="en-US" dirty="0">
+              <a:solidFill>
+                <a:schemeClr val="bg2">
+                  <a:lumMod val="75000"/>
+                </a:schemeClr>
+              </a:solidFill>
+            </a:endParaRPr>
+          </a:p>
+        </p:txBody>
+      </p:sp>
+    </p:spTree>
+    <p:extLst>
+      <p:ext uri="{BB962C8B-B14F-4D97-AF65-F5344CB8AC3E}">
+        <p14:creationId xmlns:p14="http://schemas.microsoft.com/office/powerpoint/2010/main" val="733635756"/>
+      </p:ext>
+    </p:extLst>
+  </p:cSld>
+  <p:clrMapOvr>
+    <a:masterClrMapping/>
+  </p:clrMapOvr>
+</p:sld>
+</file>
+
 <file path=ppt/theme/theme1.xml><?xml version="1.0" encoding="utf-8"?>
 <a:theme xmlns:a="http://schemas.openxmlformats.org/drawingml/2006/main" name="Office 主题​​">
   <a:themeElements>
